--- a/S.A.V.E/Security Application Via Engineering1-2.pptx
+++ b/S.A.V.E/Security Application Via Engineering1-2.pptx
@@ -19,6 +19,9 @@
     <p:sldId id="267" r:id="rId13"/>
     <p:sldId id="268" r:id="rId14"/>
     <p:sldId id="269" r:id="rId15"/>
+    <p:sldId id="274" r:id="rId16"/>
+    <p:sldId id="272" r:id="rId17"/>
+    <p:sldId id="273" r:id="rId18"/>
   </p:sldIdLst>
   <p:sldSz cx="12192000" cy="6858000"/>
   <p:notesSz cx="6858000" cy="9144000"/>
@@ -117,6 +120,11 @@
       </a:defRPr>
     </a:lvl9pPr>
   </p:defaultTextStyle>
+  <p:extLst>
+    <p:ext uri="{EFAFB233-063F-42B5-8137-9DF3F51BA10A}">
+      <p15:sldGuideLst xmlns:p15="http://schemas.microsoft.com/office/powerpoint/2012/main"/>
+    </p:ext>
+  </p:extLst>
 </p:presentation>
 </file>
 
@@ -311,7 +319,7 @@
           <a:p>
             <a:fld id="{1C9513C9-089C-45C7-BEB5-4F50097954EA}" type="datetimeFigureOut">
               <a:rPr lang="en-US" smtClean="0"/>
-              <a:t>8/30/2018</a:t>
+              <a:t>8/31/2018</a:t>
             </a:fld>
             <a:endParaRPr lang="en-US"/>
           </a:p>
@@ -747,7 +755,7 @@
           <a:p>
             <a:fld id="{1C9513C9-089C-45C7-BEB5-4F50097954EA}" type="datetimeFigureOut">
               <a:rPr lang="en-US" smtClean="0"/>
-              <a:t>8/30/2018</a:t>
+              <a:t>8/31/2018</a:t>
             </a:fld>
             <a:endParaRPr lang="en-US"/>
           </a:p>
@@ -997,7 +1005,7 @@
           <a:p>
             <a:fld id="{1C9513C9-089C-45C7-BEB5-4F50097954EA}" type="datetimeFigureOut">
               <a:rPr lang="en-US" smtClean="0"/>
-              <a:t>8/30/2018</a:t>
+              <a:t>8/31/2018</a:t>
             </a:fld>
             <a:endParaRPr lang="en-US"/>
           </a:p>
@@ -1305,7 +1313,7 @@
           <a:p>
             <a:fld id="{1C9513C9-089C-45C7-BEB5-4F50097954EA}" type="datetimeFigureOut">
               <a:rPr lang="en-US" smtClean="0"/>
-              <a:t>8/30/2018</a:t>
+              <a:t>8/31/2018</a:t>
             </a:fld>
             <a:endParaRPr lang="en-US"/>
           </a:p>
@@ -1623,7 +1631,7 @@
           <a:p>
             <a:fld id="{1C9513C9-089C-45C7-BEB5-4F50097954EA}" type="datetimeFigureOut">
               <a:rPr lang="en-US" smtClean="0"/>
-              <a:t>8/30/2018</a:t>
+              <a:t>8/31/2018</a:t>
             </a:fld>
             <a:endParaRPr lang="en-US"/>
           </a:p>
@@ -1925,7 +1933,7 @@
           <a:p>
             <a:fld id="{1C9513C9-089C-45C7-BEB5-4F50097954EA}" type="datetimeFigureOut">
               <a:rPr lang="en-US" smtClean="0"/>
-              <a:t>8/30/2018</a:t>
+              <a:t>8/31/2018</a:t>
             </a:fld>
             <a:endParaRPr lang="en-US"/>
           </a:p>
@@ -2292,7 +2300,7 @@
           <a:p>
             <a:fld id="{1C9513C9-089C-45C7-BEB5-4F50097954EA}" type="datetimeFigureOut">
               <a:rPr lang="en-US" smtClean="0"/>
-              <a:t>8/30/2018</a:t>
+              <a:t>8/31/2018</a:t>
             </a:fld>
             <a:endParaRPr lang="en-US"/>
           </a:p>
@@ -2466,7 +2474,7 @@
           <a:p>
             <a:fld id="{1C9513C9-089C-45C7-BEB5-4F50097954EA}" type="datetimeFigureOut">
               <a:rPr lang="en-US" smtClean="0"/>
-              <a:t>8/30/2018</a:t>
+              <a:t>8/31/2018</a:t>
             </a:fld>
             <a:endParaRPr lang="en-US"/>
           </a:p>
@@ -2646,7 +2654,7 @@
           <a:p>
             <a:fld id="{1C9513C9-089C-45C7-BEB5-4F50097954EA}" type="datetimeFigureOut">
               <a:rPr lang="en-US" smtClean="0"/>
-              <a:t>8/30/2018</a:t>
+              <a:t>8/31/2018</a:t>
             </a:fld>
             <a:endParaRPr lang="en-US"/>
           </a:p>
@@ -2816,7 +2824,7 @@
           <a:p>
             <a:fld id="{1C9513C9-089C-45C7-BEB5-4F50097954EA}" type="datetimeFigureOut">
               <a:rPr lang="en-US" smtClean="0"/>
-              <a:t>8/30/2018</a:t>
+              <a:t>8/31/2018</a:t>
             </a:fld>
             <a:endParaRPr lang="en-US"/>
           </a:p>
@@ -3066,7 +3074,7 @@
           <a:p>
             <a:fld id="{1C9513C9-089C-45C7-BEB5-4F50097954EA}" type="datetimeFigureOut">
               <a:rPr lang="en-US" smtClean="0"/>
-              <a:t>8/30/2018</a:t>
+              <a:t>8/31/2018</a:t>
             </a:fld>
             <a:endParaRPr lang="en-US"/>
           </a:p>
@@ -3302,7 +3310,7 @@
           <a:p>
             <a:fld id="{1C9513C9-089C-45C7-BEB5-4F50097954EA}" type="datetimeFigureOut">
               <a:rPr lang="en-US" smtClean="0"/>
-              <a:t>8/30/2018</a:t>
+              <a:t>8/31/2018</a:t>
             </a:fld>
             <a:endParaRPr lang="en-US"/>
           </a:p>
@@ -3684,7 +3692,7 @@
           <a:p>
             <a:fld id="{1C9513C9-089C-45C7-BEB5-4F50097954EA}" type="datetimeFigureOut">
               <a:rPr lang="en-US" smtClean="0"/>
-              <a:t>8/30/2018</a:t>
+              <a:t>8/31/2018</a:t>
             </a:fld>
             <a:endParaRPr lang="en-US"/>
           </a:p>
@@ -3802,7 +3810,7 @@
           <a:p>
             <a:fld id="{1C9513C9-089C-45C7-BEB5-4F50097954EA}" type="datetimeFigureOut">
               <a:rPr lang="en-US" smtClean="0"/>
-              <a:t>8/30/2018</a:t>
+              <a:t>8/31/2018</a:t>
             </a:fld>
             <a:endParaRPr lang="en-US"/>
           </a:p>
@@ -3897,7 +3905,7 @@
           <a:p>
             <a:fld id="{1C9513C9-089C-45C7-BEB5-4F50097954EA}" type="datetimeFigureOut">
               <a:rPr lang="en-US" smtClean="0"/>
-              <a:t>8/30/2018</a:t>
+              <a:t>8/31/2018</a:t>
             </a:fld>
             <a:endParaRPr lang="en-US"/>
           </a:p>
@@ -4152,7 +4160,7 @@
           <a:p>
             <a:fld id="{1C9513C9-089C-45C7-BEB5-4F50097954EA}" type="datetimeFigureOut">
               <a:rPr lang="en-US" smtClean="0"/>
-              <a:t>8/30/2018</a:t>
+              <a:t>8/31/2018</a:t>
             </a:fld>
             <a:endParaRPr lang="en-US"/>
           </a:p>
@@ -4435,7 +4443,7 @@
           <a:p>
             <a:fld id="{1C9513C9-089C-45C7-BEB5-4F50097954EA}" type="datetimeFigureOut">
               <a:rPr lang="en-US" smtClean="0"/>
-              <a:t>8/30/2018</a:t>
+              <a:t>8/31/2018</a:t>
             </a:fld>
             <a:endParaRPr lang="en-US"/>
           </a:p>
@@ -4841,7 +4849,7 @@
           <a:p>
             <a:fld id="{1C9513C9-089C-45C7-BEB5-4F50097954EA}" type="datetimeFigureOut">
               <a:rPr lang="en-US" smtClean="0"/>
-              <a:t>8/30/2018</a:t>
+              <a:t>8/31/2018</a:t>
             </a:fld>
             <a:endParaRPr lang="en-US"/>
           </a:p>
@@ -6757,6 +6765,5110 @@
 </p:sld>
 </file>
 
+<file path=ppt/slides/slide15.xml><?xml version="1.0" encoding="utf-8"?>
+<p:sld xmlns:a="http://schemas.openxmlformats.org/drawingml/2006/main" xmlns:r="http://schemas.openxmlformats.org/officeDocument/2006/relationships" xmlns:p="http://schemas.openxmlformats.org/presentationml/2006/main">
+  <p:cSld>
+    <p:spTree>
+      <p:nvGrpSpPr>
+        <p:cNvPr id="1" name=""/>
+        <p:cNvGrpSpPr/>
+        <p:nvPr/>
+      </p:nvGrpSpPr>
+      <p:grpSpPr>
+        <a:xfrm>
+          <a:off x="0" y="0"/>
+          <a:ext cx="0" cy="0"/>
+          <a:chOff x="0" y="0"/>
+          <a:chExt cx="0" cy="0"/>
+        </a:xfrm>
+      </p:grpSpPr>
+      <p:sp>
+        <p:nvSpPr>
+          <p:cNvPr id="2" name="Tittel 1">
+            <a:extLst>
+              <a:ext uri="{FF2B5EF4-FFF2-40B4-BE49-F238E27FC236}">
+                <a16:creationId xmlns:a16="http://schemas.microsoft.com/office/drawing/2014/main" id="{F8385F66-B676-4BA3-A992-D7C44E7BCE5C}"/>
+              </a:ext>
+            </a:extLst>
+          </p:cNvPr>
+          <p:cNvSpPr>
+            <a:spLocks noGrp="1"/>
+          </p:cNvSpPr>
+          <p:nvPr>
+            <p:ph type="title"/>
+          </p:nvPr>
+        </p:nvSpPr>
+        <p:spPr>
+          <a:xfrm>
+            <a:off x="3342821" y="5322661"/>
+            <a:ext cx="1066006" cy="216926"/>
+          </a:xfrm>
+        </p:spPr>
+        <p:txBody>
+          <a:bodyPr>
+            <a:normAutofit fontScale="90000"/>
+          </a:bodyPr>
+          <a:lstStyle/>
+          <a:p>
+            <a:pPr algn="ctr"/>
+            <a:br>
+              <a:rPr lang="en-US" dirty="0"/>
+            </a:br>
+            <a:r>
+              <a:rPr lang="en-US" dirty="0"/>
+              <a:t> </a:t>
+            </a:r>
+            <a:br>
+              <a:rPr lang="en-US" dirty="0"/>
+            </a:br>
+            <a:br>
+              <a:rPr lang="en-US" dirty="0"/>
+            </a:br>
+            <a:br>
+              <a:rPr lang="en-US" dirty="0"/>
+            </a:br>
+            <a:br>
+              <a:rPr lang="en-US" dirty="0"/>
+            </a:br>
+            <a:br>
+              <a:rPr lang="en-US" dirty="0"/>
+            </a:br>
+            <a:br>
+              <a:rPr lang="en-US" dirty="0"/>
+            </a:br>
+            <a:br>
+              <a:rPr lang="en-US" dirty="0"/>
+            </a:br>
+            <a:br>
+              <a:rPr lang="en-US" dirty="0"/>
+            </a:br>
+            <a:br>
+              <a:rPr lang="en-US" dirty="0"/>
+            </a:br>
+            <a:r>
+              <a:rPr lang="en-US" dirty="0" err="1"/>
+              <a:t>hb</a:t>
+            </a:r>
+            <a:endParaRPr lang="en-US" dirty="0"/>
+          </a:p>
+        </p:txBody>
+      </p:sp>
+      <p:pic>
+        <p:nvPicPr>
+          <p:cNvPr id="4100" name="Picture 4" descr="Bilderesultat for waterproof speaker">
+            <a:extLst>
+              <a:ext uri="{FF2B5EF4-FFF2-40B4-BE49-F238E27FC236}">
+                <a16:creationId xmlns:a16="http://schemas.microsoft.com/office/drawing/2014/main" id="{ED028B3F-7616-4289-9AF5-AE0FF5339B71}"/>
+              </a:ext>
+            </a:extLst>
+          </p:cNvPr>
+          <p:cNvPicPr>
+            <a:picLocks noChangeAspect="1" noChangeArrowheads="1"/>
+          </p:cNvPicPr>
+          <p:nvPr/>
+        </p:nvPicPr>
+        <p:blipFill>
+          <a:blip r:embed="rId2">
+            <a:extLst>
+              <a:ext uri="{28A0092B-C50C-407E-A947-70E740481C1C}">
+                <a14:useLocalDpi xmlns:a14="http://schemas.microsoft.com/office/drawing/2010/main" val="0"/>
+              </a:ext>
+            </a:extLst>
+          </a:blip>
+          <a:srcRect/>
+          <a:stretch>
+            <a:fillRect/>
+          </a:stretch>
+        </p:blipFill>
+        <p:spPr bwMode="auto">
+          <a:xfrm>
+            <a:off x="840784" y="1168714"/>
+            <a:ext cx="2502037" cy="2240663"/>
+          </a:xfrm>
+          <a:prstGeom prst="rect">
+            <a:avLst/>
+          </a:prstGeom>
+          <a:noFill/>
+          <a:extLst>
+            <a:ext uri="{909E8E84-426E-40DD-AFC4-6F175D3DCCD1}">
+              <a14:hiddenFill xmlns:a14="http://schemas.microsoft.com/office/drawing/2010/main">
+                <a:solidFill>
+                  <a:srgbClr val="FFFFFF"/>
+                </a:solidFill>
+              </a14:hiddenFill>
+            </a:ext>
+          </a:extLst>
+        </p:spPr>
+      </p:pic>
+      <p:pic>
+        <p:nvPicPr>
+          <p:cNvPr id="4104" name="Picture 8" descr="Bilderesultat for waterproof earplugs">
+            <a:extLst>
+              <a:ext uri="{FF2B5EF4-FFF2-40B4-BE49-F238E27FC236}">
+                <a16:creationId xmlns:a16="http://schemas.microsoft.com/office/drawing/2014/main" id="{411B594C-BE3B-4797-B8A0-500B28BDA7CB}"/>
+              </a:ext>
+            </a:extLst>
+          </p:cNvPr>
+          <p:cNvPicPr>
+            <a:picLocks noChangeAspect="1" noChangeArrowheads="1"/>
+          </p:cNvPicPr>
+          <p:nvPr/>
+        </p:nvPicPr>
+        <p:blipFill>
+          <a:blip r:embed="rId3">
+            <a:extLst>
+              <a:ext uri="{28A0092B-C50C-407E-A947-70E740481C1C}">
+                <a14:useLocalDpi xmlns:a14="http://schemas.microsoft.com/office/drawing/2010/main" val="0"/>
+              </a:ext>
+            </a:extLst>
+          </a:blip>
+          <a:srcRect/>
+          <a:stretch>
+            <a:fillRect/>
+          </a:stretch>
+        </p:blipFill>
+        <p:spPr bwMode="auto">
+          <a:xfrm>
+            <a:off x="719252" y="3736757"/>
+            <a:ext cx="3065167" cy="2376707"/>
+          </a:xfrm>
+          <a:prstGeom prst="rect">
+            <a:avLst/>
+          </a:prstGeom>
+          <a:noFill/>
+          <a:extLst>
+            <a:ext uri="{909E8E84-426E-40DD-AFC4-6F175D3DCCD1}">
+              <a14:hiddenFill xmlns:a14="http://schemas.microsoft.com/office/drawing/2010/main">
+                <a:solidFill>
+                  <a:srgbClr val="FFFFFF"/>
+                </a:solidFill>
+              </a14:hiddenFill>
+            </a:ext>
+          </a:extLst>
+        </p:spPr>
+      </p:pic>
+      <p:pic>
+        <p:nvPicPr>
+          <p:cNvPr id="4106" name="Picture 10" descr="Bilderesultat for waterproof watch">
+            <a:extLst>
+              <a:ext uri="{FF2B5EF4-FFF2-40B4-BE49-F238E27FC236}">
+                <a16:creationId xmlns:a16="http://schemas.microsoft.com/office/drawing/2014/main" id="{34640100-FCB2-4634-9C6E-25B3625EA240}"/>
+              </a:ext>
+            </a:extLst>
+          </p:cNvPr>
+          <p:cNvPicPr>
+            <a:picLocks noChangeAspect="1" noChangeArrowheads="1"/>
+          </p:cNvPicPr>
+          <p:nvPr/>
+        </p:nvPicPr>
+        <p:blipFill>
+          <a:blip r:embed="rId4">
+            <a:extLst>
+              <a:ext uri="{28A0092B-C50C-407E-A947-70E740481C1C}">
+                <a14:useLocalDpi xmlns:a14="http://schemas.microsoft.com/office/drawing/2010/main" val="0"/>
+              </a:ext>
+            </a:extLst>
+          </a:blip>
+          <a:srcRect/>
+          <a:stretch>
+            <a:fillRect/>
+          </a:stretch>
+        </p:blipFill>
+        <p:spPr bwMode="auto">
+          <a:xfrm>
+            <a:off x="3740186" y="1168714"/>
+            <a:ext cx="2118352" cy="2367175"/>
+          </a:xfrm>
+          <a:prstGeom prst="rect">
+            <a:avLst/>
+          </a:prstGeom>
+          <a:noFill/>
+          <a:extLst>
+            <a:ext uri="{909E8E84-426E-40DD-AFC4-6F175D3DCCD1}">
+              <a14:hiddenFill xmlns:a14="http://schemas.microsoft.com/office/drawing/2010/main">
+                <a:solidFill>
+                  <a:srgbClr val="FFFFFF"/>
+                </a:solidFill>
+              </a14:hiddenFill>
+            </a:ext>
+          </a:extLst>
+        </p:spPr>
+      </p:pic>
+      <p:pic>
+        <p:nvPicPr>
+          <p:cNvPr id="4118" name="Picture 22" descr="Bilderesultat for swimming dress for boys">
+            <a:extLst>
+              <a:ext uri="{FF2B5EF4-FFF2-40B4-BE49-F238E27FC236}">
+                <a16:creationId xmlns:a16="http://schemas.microsoft.com/office/drawing/2014/main" id="{87B78ED6-BF0D-4566-A2CB-9ACE5B63DF46}"/>
+              </a:ext>
+            </a:extLst>
+          </p:cNvPr>
+          <p:cNvPicPr>
+            <a:picLocks noChangeAspect="1" noChangeArrowheads="1"/>
+          </p:cNvPicPr>
+          <p:nvPr/>
+        </p:nvPicPr>
+        <p:blipFill>
+          <a:blip r:embed="rId5">
+            <a:extLst>
+              <a:ext uri="{28A0092B-C50C-407E-A947-70E740481C1C}">
+                <a14:useLocalDpi xmlns:a14="http://schemas.microsoft.com/office/drawing/2010/main" val="0"/>
+              </a:ext>
+            </a:extLst>
+          </a:blip>
+          <a:srcRect/>
+          <a:stretch>
+            <a:fillRect/>
+          </a:stretch>
+        </p:blipFill>
+        <p:spPr bwMode="auto">
+          <a:xfrm>
+            <a:off x="4200010" y="3736756"/>
+            <a:ext cx="2376707" cy="2376707"/>
+          </a:xfrm>
+          <a:prstGeom prst="rect">
+            <a:avLst/>
+          </a:prstGeom>
+          <a:noFill/>
+          <a:extLst>
+            <a:ext uri="{909E8E84-426E-40DD-AFC4-6F175D3DCCD1}">
+              <a14:hiddenFill xmlns:a14="http://schemas.microsoft.com/office/drawing/2010/main">
+                <a:solidFill>
+                  <a:srgbClr val="FFFFFF"/>
+                </a:solidFill>
+              </a14:hiddenFill>
+            </a:ext>
+          </a:extLst>
+        </p:spPr>
+      </p:pic>
+      <p:pic>
+        <p:nvPicPr>
+          <p:cNvPr id="4120" name="Picture 24" descr="Bilderesultat for waterproof glasses for diving">
+            <a:extLst>
+              <a:ext uri="{FF2B5EF4-FFF2-40B4-BE49-F238E27FC236}">
+                <a16:creationId xmlns:a16="http://schemas.microsoft.com/office/drawing/2014/main" id="{E3E90EE0-9A9A-4E8B-89C8-D93507708046}"/>
+              </a:ext>
+            </a:extLst>
+          </p:cNvPr>
+          <p:cNvPicPr>
+            <a:picLocks noChangeAspect="1" noChangeArrowheads="1"/>
+          </p:cNvPicPr>
+          <p:nvPr/>
+        </p:nvPicPr>
+        <p:blipFill>
+          <a:blip r:embed="rId6">
+            <a:extLst>
+              <a:ext uri="{28A0092B-C50C-407E-A947-70E740481C1C}">
+                <a14:useLocalDpi xmlns:a14="http://schemas.microsoft.com/office/drawing/2010/main" val="0"/>
+              </a:ext>
+            </a:extLst>
+          </a:blip>
+          <a:srcRect/>
+          <a:stretch>
+            <a:fillRect/>
+          </a:stretch>
+        </p:blipFill>
+        <p:spPr bwMode="auto">
+          <a:xfrm>
+            <a:off x="9368024" y="3736755"/>
+            <a:ext cx="2516291" cy="2403126"/>
+          </a:xfrm>
+          <a:prstGeom prst="rect">
+            <a:avLst/>
+          </a:prstGeom>
+          <a:noFill/>
+          <a:extLst>
+            <a:ext uri="{909E8E84-426E-40DD-AFC4-6F175D3DCCD1}">
+              <a14:hiddenFill xmlns:a14="http://schemas.microsoft.com/office/drawing/2010/main">
+                <a:solidFill>
+                  <a:srgbClr val="FFFFFF"/>
+                </a:solidFill>
+              </a14:hiddenFill>
+            </a:ext>
+          </a:extLst>
+        </p:spPr>
+      </p:pic>
+      <p:pic>
+        <p:nvPicPr>
+          <p:cNvPr id="4122" name="Picture 26" descr="Bilderesultat for waterproof hat for diving">
+            <a:extLst>
+              <a:ext uri="{FF2B5EF4-FFF2-40B4-BE49-F238E27FC236}">
+                <a16:creationId xmlns:a16="http://schemas.microsoft.com/office/drawing/2014/main" id="{8A26BABA-B017-4110-B1C7-4C5D16009DDF}"/>
+              </a:ext>
+            </a:extLst>
+          </p:cNvPr>
+          <p:cNvPicPr>
+            <a:picLocks noChangeAspect="1" noChangeArrowheads="1"/>
+          </p:cNvPicPr>
+          <p:nvPr/>
+        </p:nvPicPr>
+        <p:blipFill>
+          <a:blip r:embed="rId7">
+            <a:extLst>
+              <a:ext uri="{28A0092B-C50C-407E-A947-70E740481C1C}">
+                <a14:useLocalDpi xmlns:a14="http://schemas.microsoft.com/office/drawing/2010/main" val="0"/>
+              </a:ext>
+            </a:extLst>
+          </a:blip>
+          <a:srcRect/>
+          <a:stretch>
+            <a:fillRect/>
+          </a:stretch>
+        </p:blipFill>
+        <p:spPr bwMode="auto">
+          <a:xfrm>
+            <a:off x="6784017" y="3736755"/>
+            <a:ext cx="2376707" cy="2376707"/>
+          </a:xfrm>
+          <a:prstGeom prst="rect">
+            <a:avLst/>
+          </a:prstGeom>
+          <a:noFill/>
+          <a:extLst>
+            <a:ext uri="{909E8E84-426E-40DD-AFC4-6F175D3DCCD1}">
+              <a14:hiddenFill xmlns:a14="http://schemas.microsoft.com/office/drawing/2010/main">
+                <a:solidFill>
+                  <a:srgbClr val="FFFFFF"/>
+                </a:solidFill>
+              </a14:hiddenFill>
+            </a:ext>
+          </a:extLst>
+        </p:spPr>
+      </p:pic>
+      <p:pic>
+        <p:nvPicPr>
+          <p:cNvPr id="4124" name="Picture 28" descr="Bilderesultat for viana film">
+            <a:extLst>
+              <a:ext uri="{FF2B5EF4-FFF2-40B4-BE49-F238E27FC236}">
+                <a16:creationId xmlns:a16="http://schemas.microsoft.com/office/drawing/2014/main" id="{F47B8C56-7E66-4DD6-81DF-F7C8B9E5C984}"/>
+              </a:ext>
+            </a:extLst>
+          </p:cNvPr>
+          <p:cNvPicPr>
+            <a:picLocks noChangeAspect="1" noChangeArrowheads="1"/>
+          </p:cNvPicPr>
+          <p:nvPr/>
+        </p:nvPicPr>
+        <p:blipFill>
+          <a:blip r:embed="rId8">
+            <a:extLst>
+              <a:ext uri="{28A0092B-C50C-407E-A947-70E740481C1C}">
+                <a14:useLocalDpi xmlns:a14="http://schemas.microsoft.com/office/drawing/2010/main" val="0"/>
+              </a:ext>
+            </a:extLst>
+          </a:blip>
+          <a:srcRect/>
+          <a:stretch>
+            <a:fillRect/>
+          </a:stretch>
+        </p:blipFill>
+        <p:spPr bwMode="auto">
+          <a:xfrm>
+            <a:off x="6096000" y="1188337"/>
+            <a:ext cx="5631398" cy="2284350"/>
+          </a:xfrm>
+          <a:prstGeom prst="rect">
+            <a:avLst/>
+          </a:prstGeom>
+          <a:noFill/>
+          <a:extLst>
+            <a:ext uri="{909E8E84-426E-40DD-AFC4-6F175D3DCCD1}">
+              <a14:hiddenFill xmlns:a14="http://schemas.microsoft.com/office/drawing/2010/main">
+                <a:solidFill>
+                  <a:srgbClr val="FFFFFF"/>
+                </a:solidFill>
+              </a14:hiddenFill>
+            </a:ext>
+          </a:extLst>
+        </p:spPr>
+      </p:pic>
+      <p:sp>
+        <p:nvSpPr>
+          <p:cNvPr id="11" name="TekstSylinder 10">
+            <a:extLst>
+              <a:ext uri="{FF2B5EF4-FFF2-40B4-BE49-F238E27FC236}">
+                <a16:creationId xmlns:a16="http://schemas.microsoft.com/office/drawing/2014/main" id="{22A2079C-A1EB-482F-87C8-F51ADE9BDA1F}"/>
+              </a:ext>
+            </a:extLst>
+          </p:cNvPr>
+          <p:cNvSpPr txBox="1"/>
+          <p:nvPr/>
+        </p:nvSpPr>
+        <p:spPr>
+          <a:xfrm>
+            <a:off x="4240753" y="258314"/>
+            <a:ext cx="3235570" cy="646331"/>
+          </a:xfrm>
+          <a:prstGeom prst="rect">
+            <a:avLst/>
+          </a:prstGeom>
+          <a:noFill/>
+        </p:spPr>
+        <p:txBody>
+          <a:bodyPr wrap="square" rtlCol="0">
+            <a:spAutoFit/>
+          </a:bodyPr>
+          <a:lstStyle/>
+          <a:p>
+            <a:r>
+              <a:rPr lang="en-US" sz="3600" dirty="0"/>
+              <a:t>CONCEPTS</a:t>
+            </a:r>
+          </a:p>
+        </p:txBody>
+      </p:sp>
+    </p:spTree>
+    <p:extLst>
+      <p:ext uri="{BB962C8B-B14F-4D97-AF65-F5344CB8AC3E}">
+        <p14:creationId xmlns:p14="http://schemas.microsoft.com/office/powerpoint/2010/main" val="4232836819"/>
+      </p:ext>
+    </p:extLst>
+  </p:cSld>
+  <p:clrMapOvr>
+    <a:masterClrMapping/>
+  </p:clrMapOvr>
+</p:sld>
+</file>
+
+<file path=ppt/slides/slide16.xml><?xml version="1.0" encoding="utf-8"?>
+<p:sld xmlns:a="http://schemas.openxmlformats.org/drawingml/2006/main" xmlns:r="http://schemas.openxmlformats.org/officeDocument/2006/relationships" xmlns:p="http://schemas.openxmlformats.org/presentationml/2006/main">
+  <p:cSld>
+    <p:spTree>
+      <p:nvGrpSpPr>
+        <p:cNvPr id="1" name=""/>
+        <p:cNvGrpSpPr/>
+        <p:nvPr/>
+      </p:nvGrpSpPr>
+      <p:grpSpPr>
+        <a:xfrm>
+          <a:off x="0" y="0"/>
+          <a:ext cx="0" cy="0"/>
+          <a:chOff x="0" y="0"/>
+          <a:chExt cx="0" cy="0"/>
+        </a:xfrm>
+      </p:grpSpPr>
+      <p:sp>
+        <p:nvSpPr>
+          <p:cNvPr id="2" name="Tittel 1">
+            <a:extLst>
+              <a:ext uri="{FF2B5EF4-FFF2-40B4-BE49-F238E27FC236}">
+                <a16:creationId xmlns:a16="http://schemas.microsoft.com/office/drawing/2014/main" id="{8CC87DA8-937C-4E04-A9CA-35E498DE2443}"/>
+              </a:ext>
+            </a:extLst>
+          </p:cNvPr>
+          <p:cNvSpPr>
+            <a:spLocks noGrp="1"/>
+          </p:cNvSpPr>
+          <p:nvPr>
+            <p:ph type="title"/>
+          </p:nvPr>
+        </p:nvSpPr>
+        <p:spPr>
+          <a:xfrm>
+            <a:off x="684212" y="0"/>
+            <a:ext cx="11507788" cy="6858000"/>
+          </a:xfrm>
+        </p:spPr>
+        <p:txBody>
+          <a:bodyPr/>
+          <a:lstStyle/>
+          <a:p>
+            <a:pPr algn="ctr"/>
+            <a:r>
+              <a:rPr lang="en-US" dirty="0"/>
+              <a:t>Criteria</a:t>
+            </a:r>
+            <a:br>
+              <a:rPr lang="en-US" dirty="0"/>
+            </a:br>
+            <a:br>
+              <a:rPr lang="en-US" dirty="0"/>
+            </a:br>
+            <a:br>
+              <a:rPr lang="en-US" dirty="0"/>
+            </a:br>
+            <a:br>
+              <a:rPr lang="en-US" dirty="0"/>
+            </a:br>
+            <a:br>
+              <a:rPr lang="en-US" dirty="0"/>
+            </a:br>
+            <a:br>
+              <a:rPr lang="en-US" dirty="0"/>
+            </a:br>
+            <a:br>
+              <a:rPr lang="en-US" dirty="0"/>
+            </a:br>
+            <a:br>
+              <a:rPr lang="en-US" dirty="0"/>
+            </a:br>
+            <a:br>
+              <a:rPr lang="en-US" dirty="0"/>
+            </a:br>
+            <a:endParaRPr lang="en-US" dirty="0"/>
+          </a:p>
+        </p:txBody>
+      </p:sp>
+      <p:graphicFrame>
+        <p:nvGraphicFramePr>
+          <p:cNvPr id="3" name="Tabell 2">
+            <a:extLst>
+              <a:ext uri="{FF2B5EF4-FFF2-40B4-BE49-F238E27FC236}">
+                <a16:creationId xmlns:a16="http://schemas.microsoft.com/office/drawing/2014/main" id="{76F3FC23-511D-4DE4-B653-A20DF2F4D51F}"/>
+              </a:ext>
+            </a:extLst>
+          </p:cNvPr>
+          <p:cNvGraphicFramePr>
+            <a:graphicFrameLocks noGrp="1"/>
+          </p:cNvGraphicFramePr>
+          <p:nvPr>
+            <p:extLst>
+              <p:ext uri="{D42A27DB-BD31-4B8C-83A1-F6EECF244321}">
+                <p14:modId xmlns:p14="http://schemas.microsoft.com/office/powerpoint/2010/main" val="4009662070"/>
+              </p:ext>
+            </p:extLst>
+          </p:nvPr>
+        </p:nvGraphicFramePr>
+        <p:xfrm>
+          <a:off x="1524690" y="1453374"/>
+          <a:ext cx="9142619" cy="5179656"/>
+        </p:xfrm>
+        <a:graphic>
+          <a:graphicData uri="http://schemas.openxmlformats.org/drawingml/2006/table">
+            <a:tbl>
+              <a:tblPr firstRow="1" firstCol="1" bandRow="1">
+                <a:tableStyleId>{5C22544A-7EE6-4342-B048-85BDC9FD1C3A}</a:tableStyleId>
+              </a:tblPr>
+              <a:tblGrid>
+                <a:gridCol w="1437484">
+                  <a:extLst>
+                    <a:ext uri="{9D8B030D-6E8A-4147-A177-3AD203B41FA5}">
+                      <a16:colId xmlns:a16="http://schemas.microsoft.com/office/drawing/2014/main" val="3796384741"/>
+                    </a:ext>
+                  </a:extLst>
+                </a:gridCol>
+                <a:gridCol w="1023677">
+                  <a:extLst>
+                    <a:ext uri="{9D8B030D-6E8A-4147-A177-3AD203B41FA5}">
+                      <a16:colId xmlns:a16="http://schemas.microsoft.com/office/drawing/2014/main" val="2740509487"/>
+                    </a:ext>
+                  </a:extLst>
+                </a:gridCol>
+                <a:gridCol w="1023677">
+                  <a:extLst>
+                    <a:ext uri="{9D8B030D-6E8A-4147-A177-3AD203B41FA5}">
+                      <a16:colId xmlns:a16="http://schemas.microsoft.com/office/drawing/2014/main" val="2824163712"/>
+                    </a:ext>
+                  </a:extLst>
+                </a:gridCol>
+                <a:gridCol w="963142">
+                  <a:extLst>
+                    <a:ext uri="{9D8B030D-6E8A-4147-A177-3AD203B41FA5}">
+                      <a16:colId xmlns:a16="http://schemas.microsoft.com/office/drawing/2014/main" val="699620235"/>
+                    </a:ext>
+                  </a:extLst>
+                </a:gridCol>
+                <a:gridCol w="906221">
+                  <a:extLst>
+                    <a:ext uri="{9D8B030D-6E8A-4147-A177-3AD203B41FA5}">
+                      <a16:colId xmlns:a16="http://schemas.microsoft.com/office/drawing/2014/main" val="836171139"/>
+                    </a:ext>
+                  </a:extLst>
+                </a:gridCol>
+                <a:gridCol w="958624">
+                  <a:extLst>
+                    <a:ext uri="{9D8B030D-6E8A-4147-A177-3AD203B41FA5}">
+                      <a16:colId xmlns:a16="http://schemas.microsoft.com/office/drawing/2014/main" val="1304415979"/>
+                    </a:ext>
+                  </a:extLst>
+                </a:gridCol>
+                <a:gridCol w="1414897">
+                  <a:extLst>
+                    <a:ext uri="{9D8B030D-6E8A-4147-A177-3AD203B41FA5}">
+                      <a16:colId xmlns:a16="http://schemas.microsoft.com/office/drawing/2014/main" val="3233110601"/>
+                    </a:ext>
+                  </a:extLst>
+                </a:gridCol>
+                <a:gridCol w="1414897">
+                  <a:extLst>
+                    <a:ext uri="{9D8B030D-6E8A-4147-A177-3AD203B41FA5}">
+                      <a16:colId xmlns:a16="http://schemas.microsoft.com/office/drawing/2014/main" val="582068083"/>
+                    </a:ext>
+                  </a:extLst>
+                </a:gridCol>
+              </a:tblGrid>
+              <a:tr h="753906">
+                <a:tc rowSpan="2">
+                  <a:txBody>
+                    <a:bodyPr/>
+                    <a:lstStyle/>
+                    <a:p>
+                      <a:pPr>
+                        <a:lnSpc>
+                          <a:spcPct val="107000"/>
+                        </a:lnSpc>
+                        <a:spcAft>
+                          <a:spcPts val="800"/>
+                        </a:spcAft>
+                      </a:pPr>
+                      <a:r>
+                        <a:rPr lang="en-US" sz="1100">
+                          <a:effectLst/>
+                        </a:rPr>
+                        <a:t>Criteria</a:t>
+                      </a:r>
+                      <a:endParaRPr lang="en-GB" sz="1100">
+                        <a:effectLst/>
+                        <a:latin typeface="Calibri" panose="020F0502020204030204" pitchFamily="34" charset="0"/>
+                        <a:ea typeface="DengXian" panose="02010600030101010101" pitchFamily="2" charset="-122"/>
+                        <a:cs typeface="Times New Roman" panose="02020603050405020304" pitchFamily="18" charset="0"/>
+                      </a:endParaRPr>
+                    </a:p>
+                  </a:txBody>
+                  <a:tcPr marL="68580" marR="68580" marT="0" marB="0"/>
+                </a:tc>
+                <a:tc gridSpan="2">
+                  <a:txBody>
+                    <a:bodyPr/>
+                    <a:lstStyle/>
+                    <a:p>
+                      <a:pPr>
+                        <a:lnSpc>
+                          <a:spcPct val="107000"/>
+                        </a:lnSpc>
+                        <a:spcAft>
+                          <a:spcPts val="800"/>
+                        </a:spcAft>
+                      </a:pPr>
+                      <a:r>
+                        <a:rPr lang="en-US" sz="1100">
+                          <a:effectLst/>
+                        </a:rPr>
+                        <a:t>Sound</a:t>
+                      </a:r>
+                      <a:endParaRPr lang="en-GB" sz="1100">
+                        <a:effectLst/>
+                        <a:latin typeface="Calibri" panose="020F0502020204030204" pitchFamily="34" charset="0"/>
+                        <a:ea typeface="DengXian" panose="02010600030101010101" pitchFamily="2" charset="-122"/>
+                        <a:cs typeface="Times New Roman" panose="02020603050405020304" pitchFamily="18" charset="0"/>
+                      </a:endParaRPr>
+                    </a:p>
+                  </a:txBody>
+                  <a:tcPr marL="68580" marR="68580" marT="0" marB="0"/>
+                </a:tc>
+                <a:tc hMerge="1">
+                  <a:txBody>
+                    <a:bodyPr/>
+                    <a:lstStyle/>
+                    <a:p>
+                      <a:endParaRPr lang="en-US"/>
+                    </a:p>
+                  </a:txBody>
+                  <a:tcPr/>
+                </a:tc>
+                <a:tc gridSpan="2">
+                  <a:txBody>
+                    <a:bodyPr/>
+                    <a:lstStyle/>
+                    <a:p>
+                      <a:pPr>
+                        <a:lnSpc>
+                          <a:spcPct val="107000"/>
+                        </a:lnSpc>
+                        <a:spcAft>
+                          <a:spcPts val="800"/>
+                        </a:spcAft>
+                        <a:tabLst>
+                          <a:tab pos="476250" algn="l"/>
+                        </a:tabLst>
+                      </a:pPr>
+                      <a:r>
+                        <a:rPr lang="en-US" sz="1100">
+                          <a:effectLst/>
+                        </a:rPr>
+                        <a:t>Vibration</a:t>
+                      </a:r>
+                      <a:endParaRPr lang="en-GB" sz="1100">
+                        <a:effectLst/>
+                        <a:latin typeface="Calibri" panose="020F0502020204030204" pitchFamily="34" charset="0"/>
+                        <a:ea typeface="DengXian" panose="02010600030101010101" pitchFamily="2" charset="-122"/>
+                        <a:cs typeface="Times New Roman" panose="02020603050405020304" pitchFamily="18" charset="0"/>
+                      </a:endParaRPr>
+                    </a:p>
+                  </a:txBody>
+                  <a:tcPr marL="68580" marR="68580" marT="0" marB="0"/>
+                </a:tc>
+                <a:tc hMerge="1">
+                  <a:txBody>
+                    <a:bodyPr/>
+                    <a:lstStyle/>
+                    <a:p>
+                      <a:endParaRPr lang="en-US"/>
+                    </a:p>
+                  </a:txBody>
+                  <a:tcPr/>
+                </a:tc>
+                <a:tc gridSpan="2">
+                  <a:txBody>
+                    <a:bodyPr/>
+                    <a:lstStyle/>
+                    <a:p>
+                      <a:pPr>
+                        <a:lnSpc>
+                          <a:spcPct val="107000"/>
+                        </a:lnSpc>
+                        <a:spcAft>
+                          <a:spcPts val="800"/>
+                        </a:spcAft>
+                        <a:tabLst>
+                          <a:tab pos="476250" algn="l"/>
+                        </a:tabLst>
+                      </a:pPr>
+                      <a:r>
+                        <a:rPr lang="en-US" sz="1100">
+                          <a:effectLst/>
+                        </a:rPr>
+                        <a:t>Flashlight</a:t>
+                      </a:r>
+                      <a:endParaRPr lang="en-GB" sz="1100">
+                        <a:effectLst/>
+                        <a:latin typeface="Calibri" panose="020F0502020204030204" pitchFamily="34" charset="0"/>
+                        <a:ea typeface="DengXian" panose="02010600030101010101" pitchFamily="2" charset="-122"/>
+                        <a:cs typeface="Times New Roman" panose="02020603050405020304" pitchFamily="18" charset="0"/>
+                      </a:endParaRPr>
+                    </a:p>
+                  </a:txBody>
+                  <a:tcPr marL="68580" marR="68580" marT="0" marB="0"/>
+                </a:tc>
+                <a:tc hMerge="1">
+                  <a:txBody>
+                    <a:bodyPr/>
+                    <a:lstStyle/>
+                    <a:p>
+                      <a:endParaRPr lang="en-US"/>
+                    </a:p>
+                  </a:txBody>
+                  <a:tcPr/>
+                </a:tc>
+                <a:tc>
+                  <a:txBody>
+                    <a:bodyPr/>
+                    <a:lstStyle/>
+                    <a:p>
+                      <a:pPr>
+                        <a:lnSpc>
+                          <a:spcPct val="107000"/>
+                        </a:lnSpc>
+                        <a:spcAft>
+                          <a:spcPts val="800"/>
+                        </a:spcAft>
+                      </a:pPr>
+                      <a:r>
+                        <a:rPr lang="en-US" sz="1100">
+                          <a:effectLst/>
+                        </a:rPr>
+                        <a:t>Light &amp; Vibration</a:t>
+                      </a:r>
+                      <a:endParaRPr lang="en-GB" sz="1100">
+                        <a:effectLst/>
+                        <a:latin typeface="Calibri" panose="020F0502020204030204" pitchFamily="34" charset="0"/>
+                        <a:ea typeface="DengXian" panose="02010600030101010101" pitchFamily="2" charset="-122"/>
+                        <a:cs typeface="Times New Roman" panose="02020603050405020304" pitchFamily="18" charset="0"/>
+                      </a:endParaRPr>
+                    </a:p>
+                  </a:txBody>
+                  <a:tcPr marL="68580" marR="68580" marT="0" marB="0"/>
+                </a:tc>
+                <a:extLst>
+                  <a:ext uri="{0D108BD9-81ED-4DB2-BD59-A6C34878D82A}">
+                    <a16:rowId xmlns:a16="http://schemas.microsoft.com/office/drawing/2014/main" val="2841086179"/>
+                  </a:ext>
+                </a:extLst>
+              </a:tr>
+              <a:tr h="754180">
+                <a:tc vMerge="1">
+                  <a:txBody>
+                    <a:bodyPr/>
+                    <a:lstStyle/>
+                    <a:p>
+                      <a:endParaRPr lang="en-US"/>
+                    </a:p>
+                  </a:txBody>
+                  <a:tcPr/>
+                </a:tc>
+                <a:tc>
+                  <a:txBody>
+                    <a:bodyPr/>
+                    <a:lstStyle/>
+                    <a:p>
+                      <a:pPr>
+                        <a:lnSpc>
+                          <a:spcPct val="107000"/>
+                        </a:lnSpc>
+                        <a:spcAft>
+                          <a:spcPts val="800"/>
+                        </a:spcAft>
+                      </a:pPr>
+                      <a:r>
+                        <a:rPr lang="en-US" sz="1100">
+                          <a:effectLst/>
+                        </a:rPr>
+                        <a:t>Speaker</a:t>
+                      </a:r>
+                      <a:endParaRPr lang="en-GB" sz="1100">
+                        <a:effectLst/>
+                        <a:latin typeface="Calibri" panose="020F0502020204030204" pitchFamily="34" charset="0"/>
+                        <a:ea typeface="DengXian" panose="02010600030101010101" pitchFamily="2" charset="-122"/>
+                        <a:cs typeface="Times New Roman" panose="02020603050405020304" pitchFamily="18" charset="0"/>
+                      </a:endParaRPr>
+                    </a:p>
+                  </a:txBody>
+                  <a:tcPr marL="68580" marR="68580" marT="0" marB="0"/>
+                </a:tc>
+                <a:tc>
+                  <a:txBody>
+                    <a:bodyPr/>
+                    <a:lstStyle/>
+                    <a:p>
+                      <a:pPr>
+                        <a:lnSpc>
+                          <a:spcPct val="107000"/>
+                        </a:lnSpc>
+                        <a:spcAft>
+                          <a:spcPts val="800"/>
+                        </a:spcAft>
+                      </a:pPr>
+                      <a:r>
+                        <a:rPr lang="en-US" sz="1100">
+                          <a:effectLst/>
+                        </a:rPr>
+                        <a:t>earplugs</a:t>
+                      </a:r>
+                      <a:endParaRPr lang="en-GB" sz="1100">
+                        <a:effectLst/>
+                        <a:latin typeface="Calibri" panose="020F0502020204030204" pitchFamily="34" charset="0"/>
+                        <a:ea typeface="DengXian" panose="02010600030101010101" pitchFamily="2" charset="-122"/>
+                        <a:cs typeface="Times New Roman" panose="02020603050405020304" pitchFamily="18" charset="0"/>
+                      </a:endParaRPr>
+                    </a:p>
+                  </a:txBody>
+                  <a:tcPr marL="68580" marR="68580" marT="0" marB="0"/>
+                </a:tc>
+                <a:tc>
+                  <a:txBody>
+                    <a:bodyPr/>
+                    <a:lstStyle/>
+                    <a:p>
+                      <a:pPr>
+                        <a:lnSpc>
+                          <a:spcPct val="107000"/>
+                        </a:lnSpc>
+                        <a:spcAft>
+                          <a:spcPts val="800"/>
+                        </a:spcAft>
+                      </a:pPr>
+                      <a:r>
+                        <a:rPr lang="en-US" sz="1100">
+                          <a:effectLst/>
+                        </a:rPr>
+                        <a:t>Watch</a:t>
+                      </a:r>
+                      <a:endParaRPr lang="en-GB" sz="1100">
+                        <a:effectLst/>
+                        <a:latin typeface="Calibri" panose="020F0502020204030204" pitchFamily="34" charset="0"/>
+                        <a:ea typeface="DengXian" panose="02010600030101010101" pitchFamily="2" charset="-122"/>
+                        <a:cs typeface="Times New Roman" panose="02020603050405020304" pitchFamily="18" charset="0"/>
+                      </a:endParaRPr>
+                    </a:p>
+                  </a:txBody>
+                  <a:tcPr marL="68580" marR="68580" marT="0" marB="0"/>
+                </a:tc>
+                <a:tc>
+                  <a:txBody>
+                    <a:bodyPr/>
+                    <a:lstStyle/>
+                    <a:p>
+                      <a:pPr>
+                        <a:lnSpc>
+                          <a:spcPct val="107000"/>
+                        </a:lnSpc>
+                        <a:spcAft>
+                          <a:spcPts val="800"/>
+                        </a:spcAft>
+                      </a:pPr>
+                      <a:r>
+                        <a:rPr lang="en-US" sz="1100">
+                          <a:effectLst/>
+                        </a:rPr>
+                        <a:t>hat</a:t>
+                      </a:r>
+                      <a:endParaRPr lang="en-GB" sz="1100">
+                        <a:effectLst/>
+                        <a:latin typeface="Calibri" panose="020F0502020204030204" pitchFamily="34" charset="0"/>
+                        <a:ea typeface="DengXian" panose="02010600030101010101" pitchFamily="2" charset="-122"/>
+                        <a:cs typeface="Times New Roman" panose="02020603050405020304" pitchFamily="18" charset="0"/>
+                      </a:endParaRPr>
+                    </a:p>
+                  </a:txBody>
+                  <a:tcPr marL="68580" marR="68580" marT="0" marB="0"/>
+                </a:tc>
+                <a:tc>
+                  <a:txBody>
+                    <a:bodyPr/>
+                    <a:lstStyle/>
+                    <a:p>
+                      <a:pPr>
+                        <a:lnSpc>
+                          <a:spcPct val="107000"/>
+                        </a:lnSpc>
+                        <a:spcAft>
+                          <a:spcPts val="800"/>
+                        </a:spcAft>
+                      </a:pPr>
+                      <a:r>
+                        <a:rPr lang="en-US" sz="1100">
+                          <a:effectLst/>
+                        </a:rPr>
+                        <a:t>Watch</a:t>
+                      </a:r>
+                      <a:endParaRPr lang="en-GB" sz="1100">
+                        <a:effectLst/>
+                        <a:latin typeface="Calibri" panose="020F0502020204030204" pitchFamily="34" charset="0"/>
+                        <a:ea typeface="DengXian" panose="02010600030101010101" pitchFamily="2" charset="-122"/>
+                        <a:cs typeface="Times New Roman" panose="02020603050405020304" pitchFamily="18" charset="0"/>
+                      </a:endParaRPr>
+                    </a:p>
+                  </a:txBody>
+                  <a:tcPr marL="68580" marR="68580" marT="0" marB="0"/>
+                </a:tc>
+                <a:tc>
+                  <a:txBody>
+                    <a:bodyPr/>
+                    <a:lstStyle/>
+                    <a:p>
+                      <a:pPr>
+                        <a:lnSpc>
+                          <a:spcPct val="107000"/>
+                        </a:lnSpc>
+                        <a:spcAft>
+                          <a:spcPts val="800"/>
+                        </a:spcAft>
+                      </a:pPr>
+                      <a:r>
+                        <a:rPr lang="en-US" sz="1100">
+                          <a:effectLst/>
+                        </a:rPr>
+                        <a:t>Glasses</a:t>
+                      </a:r>
+                      <a:endParaRPr lang="en-GB" sz="1100">
+                        <a:effectLst/>
+                        <a:latin typeface="Calibri" panose="020F0502020204030204" pitchFamily="34" charset="0"/>
+                        <a:ea typeface="DengXian" panose="02010600030101010101" pitchFamily="2" charset="-122"/>
+                        <a:cs typeface="Times New Roman" panose="02020603050405020304" pitchFamily="18" charset="0"/>
+                      </a:endParaRPr>
+                    </a:p>
+                  </a:txBody>
+                  <a:tcPr marL="68580" marR="68580" marT="0" marB="0"/>
+                </a:tc>
+                <a:tc>
+                  <a:txBody>
+                    <a:bodyPr/>
+                    <a:lstStyle/>
+                    <a:p>
+                      <a:pPr>
+                        <a:lnSpc>
+                          <a:spcPct val="107000"/>
+                        </a:lnSpc>
+                        <a:spcAft>
+                          <a:spcPts val="800"/>
+                        </a:spcAft>
+                      </a:pPr>
+                      <a:r>
+                        <a:rPr lang="en-US" sz="1100">
+                          <a:effectLst/>
+                        </a:rPr>
+                        <a:t>Watch</a:t>
+                      </a:r>
+                      <a:endParaRPr lang="en-GB" sz="1100">
+                        <a:effectLst/>
+                        <a:latin typeface="Calibri" panose="020F0502020204030204" pitchFamily="34" charset="0"/>
+                        <a:ea typeface="DengXian" panose="02010600030101010101" pitchFamily="2" charset="-122"/>
+                        <a:cs typeface="Times New Roman" panose="02020603050405020304" pitchFamily="18" charset="0"/>
+                      </a:endParaRPr>
+                    </a:p>
+                  </a:txBody>
+                  <a:tcPr marL="68580" marR="68580" marT="0" marB="0"/>
+                </a:tc>
+                <a:extLst>
+                  <a:ext uri="{0D108BD9-81ED-4DB2-BD59-A6C34878D82A}">
+                    <a16:rowId xmlns:a16="http://schemas.microsoft.com/office/drawing/2014/main" val="3575469429"/>
+                  </a:ext>
+                </a:extLst>
+              </a:tr>
+              <a:tr h="367157">
+                <a:tc>
+                  <a:txBody>
+                    <a:bodyPr/>
+                    <a:lstStyle/>
+                    <a:p>
+                      <a:pPr>
+                        <a:lnSpc>
+                          <a:spcPct val="107000"/>
+                        </a:lnSpc>
+                        <a:spcAft>
+                          <a:spcPts val="800"/>
+                        </a:spcAft>
+                      </a:pPr>
+                      <a:r>
+                        <a:rPr lang="en-US" sz="1100">
+                          <a:effectLst/>
+                        </a:rPr>
+                        <a:t>Reliability</a:t>
+                      </a:r>
+                      <a:endParaRPr lang="en-GB" sz="1100">
+                        <a:effectLst/>
+                        <a:latin typeface="Calibri" panose="020F0502020204030204" pitchFamily="34" charset="0"/>
+                        <a:ea typeface="DengXian" panose="02010600030101010101" pitchFamily="2" charset="-122"/>
+                        <a:cs typeface="Times New Roman" panose="02020603050405020304" pitchFamily="18" charset="0"/>
+                      </a:endParaRPr>
+                    </a:p>
+                  </a:txBody>
+                  <a:tcPr marL="68580" marR="68580" marT="0" marB="0"/>
+                </a:tc>
+                <a:tc>
+                  <a:txBody>
+                    <a:bodyPr/>
+                    <a:lstStyle/>
+                    <a:p>
+                      <a:pPr>
+                        <a:lnSpc>
+                          <a:spcPct val="107000"/>
+                        </a:lnSpc>
+                        <a:spcAft>
+                          <a:spcPts val="800"/>
+                        </a:spcAft>
+                      </a:pPr>
+                      <a:r>
+                        <a:rPr lang="en-US" sz="1100">
+                          <a:effectLst/>
+                        </a:rPr>
+                        <a:t>-</a:t>
+                      </a:r>
+                      <a:endParaRPr lang="en-GB" sz="1100">
+                        <a:effectLst/>
+                        <a:latin typeface="Calibri" panose="020F0502020204030204" pitchFamily="34" charset="0"/>
+                        <a:ea typeface="DengXian" panose="02010600030101010101" pitchFamily="2" charset="-122"/>
+                        <a:cs typeface="Times New Roman" panose="02020603050405020304" pitchFamily="18" charset="0"/>
+                      </a:endParaRPr>
+                    </a:p>
+                  </a:txBody>
+                  <a:tcPr marL="68580" marR="68580" marT="0" marB="0"/>
+                </a:tc>
+                <a:tc>
+                  <a:txBody>
+                    <a:bodyPr/>
+                    <a:lstStyle/>
+                    <a:p>
+                      <a:pPr>
+                        <a:lnSpc>
+                          <a:spcPct val="107000"/>
+                        </a:lnSpc>
+                        <a:spcAft>
+                          <a:spcPts val="800"/>
+                        </a:spcAft>
+                      </a:pPr>
+                      <a:r>
+                        <a:rPr lang="en-US" sz="1100">
+                          <a:effectLst/>
+                        </a:rPr>
+                        <a:t>-</a:t>
+                      </a:r>
+                      <a:endParaRPr lang="en-GB" sz="1100">
+                        <a:effectLst/>
+                        <a:latin typeface="Calibri" panose="020F0502020204030204" pitchFamily="34" charset="0"/>
+                        <a:ea typeface="DengXian" panose="02010600030101010101" pitchFamily="2" charset="-122"/>
+                        <a:cs typeface="Times New Roman" panose="02020603050405020304" pitchFamily="18" charset="0"/>
+                      </a:endParaRPr>
+                    </a:p>
+                  </a:txBody>
+                  <a:tcPr marL="68580" marR="68580" marT="0" marB="0"/>
+                </a:tc>
+                <a:tc>
+                  <a:txBody>
+                    <a:bodyPr/>
+                    <a:lstStyle/>
+                    <a:p>
+                      <a:pPr>
+                        <a:lnSpc>
+                          <a:spcPct val="107000"/>
+                        </a:lnSpc>
+                        <a:spcAft>
+                          <a:spcPts val="800"/>
+                        </a:spcAft>
+                        <a:tabLst>
+                          <a:tab pos="571500" algn="l"/>
+                        </a:tabLst>
+                      </a:pPr>
+                      <a:r>
+                        <a:rPr lang="en-US" sz="1100" dirty="0">
+                          <a:effectLst/>
+                        </a:rPr>
+                        <a:t>+</a:t>
+                      </a:r>
+                      <a:endParaRPr lang="en-GB" sz="1100" dirty="0">
+                        <a:effectLst/>
+                        <a:latin typeface="Calibri" panose="020F0502020204030204" pitchFamily="34" charset="0"/>
+                        <a:ea typeface="DengXian" panose="02010600030101010101" pitchFamily="2" charset="-122"/>
+                        <a:cs typeface="Times New Roman" panose="02020603050405020304" pitchFamily="18" charset="0"/>
+                      </a:endParaRPr>
+                    </a:p>
+                  </a:txBody>
+                  <a:tcPr marL="68580" marR="68580" marT="0" marB="0"/>
+                </a:tc>
+                <a:tc>
+                  <a:txBody>
+                    <a:bodyPr/>
+                    <a:lstStyle/>
+                    <a:p>
+                      <a:pPr>
+                        <a:lnSpc>
+                          <a:spcPct val="107000"/>
+                        </a:lnSpc>
+                        <a:spcAft>
+                          <a:spcPts val="800"/>
+                        </a:spcAft>
+                      </a:pPr>
+                      <a:r>
+                        <a:rPr lang="en-US" sz="1100">
+                          <a:effectLst/>
+                        </a:rPr>
+                        <a:t>+</a:t>
+                      </a:r>
+                      <a:endParaRPr lang="en-GB" sz="1100">
+                        <a:effectLst/>
+                        <a:latin typeface="Calibri" panose="020F0502020204030204" pitchFamily="34" charset="0"/>
+                        <a:ea typeface="DengXian" panose="02010600030101010101" pitchFamily="2" charset="-122"/>
+                        <a:cs typeface="Times New Roman" panose="02020603050405020304" pitchFamily="18" charset="0"/>
+                      </a:endParaRPr>
+                    </a:p>
+                  </a:txBody>
+                  <a:tcPr marL="68580" marR="68580" marT="0" marB="0"/>
+                </a:tc>
+                <a:tc>
+                  <a:txBody>
+                    <a:bodyPr/>
+                    <a:lstStyle/>
+                    <a:p>
+                      <a:pPr>
+                        <a:lnSpc>
+                          <a:spcPct val="107000"/>
+                        </a:lnSpc>
+                        <a:spcAft>
+                          <a:spcPts val="800"/>
+                        </a:spcAft>
+                      </a:pPr>
+                      <a:r>
+                        <a:rPr lang="en-US" sz="1100">
+                          <a:effectLst/>
+                        </a:rPr>
+                        <a:t>S</a:t>
+                      </a:r>
+                      <a:endParaRPr lang="en-GB" sz="1100">
+                        <a:effectLst/>
+                        <a:latin typeface="Calibri" panose="020F0502020204030204" pitchFamily="34" charset="0"/>
+                        <a:ea typeface="DengXian" panose="02010600030101010101" pitchFamily="2" charset="-122"/>
+                        <a:cs typeface="Times New Roman" panose="02020603050405020304" pitchFamily="18" charset="0"/>
+                      </a:endParaRPr>
+                    </a:p>
+                  </a:txBody>
+                  <a:tcPr marL="68580" marR="68580" marT="0" marB="0"/>
+                </a:tc>
+                <a:tc>
+                  <a:txBody>
+                    <a:bodyPr/>
+                    <a:lstStyle/>
+                    <a:p>
+                      <a:pPr>
+                        <a:lnSpc>
+                          <a:spcPct val="107000"/>
+                        </a:lnSpc>
+                        <a:spcAft>
+                          <a:spcPts val="800"/>
+                        </a:spcAft>
+                      </a:pPr>
+                      <a:r>
+                        <a:rPr lang="en-US" sz="1100">
+                          <a:effectLst/>
+                        </a:rPr>
+                        <a:t>+</a:t>
+                      </a:r>
+                      <a:endParaRPr lang="en-GB" sz="1100">
+                        <a:effectLst/>
+                        <a:latin typeface="Calibri" panose="020F0502020204030204" pitchFamily="34" charset="0"/>
+                        <a:ea typeface="DengXian" panose="02010600030101010101" pitchFamily="2" charset="-122"/>
+                        <a:cs typeface="Times New Roman" panose="02020603050405020304" pitchFamily="18" charset="0"/>
+                      </a:endParaRPr>
+                    </a:p>
+                  </a:txBody>
+                  <a:tcPr marL="68580" marR="68580" marT="0" marB="0"/>
+                </a:tc>
+                <a:tc>
+                  <a:txBody>
+                    <a:bodyPr/>
+                    <a:lstStyle/>
+                    <a:p>
+                      <a:pPr>
+                        <a:lnSpc>
+                          <a:spcPct val="107000"/>
+                        </a:lnSpc>
+                        <a:spcAft>
+                          <a:spcPts val="800"/>
+                        </a:spcAft>
+                      </a:pPr>
+                      <a:r>
+                        <a:rPr lang="en-US" sz="1100">
+                          <a:effectLst/>
+                        </a:rPr>
+                        <a:t>+</a:t>
+                      </a:r>
+                      <a:endParaRPr lang="en-GB" sz="1100">
+                        <a:effectLst/>
+                        <a:latin typeface="Calibri" panose="020F0502020204030204" pitchFamily="34" charset="0"/>
+                        <a:ea typeface="DengXian" panose="02010600030101010101" pitchFamily="2" charset="-122"/>
+                        <a:cs typeface="Times New Roman" panose="02020603050405020304" pitchFamily="18" charset="0"/>
+                      </a:endParaRPr>
+                    </a:p>
+                  </a:txBody>
+                  <a:tcPr marL="68580" marR="68580" marT="0" marB="0"/>
+                </a:tc>
+                <a:extLst>
+                  <a:ext uri="{0D108BD9-81ED-4DB2-BD59-A6C34878D82A}">
+                    <a16:rowId xmlns:a16="http://schemas.microsoft.com/office/drawing/2014/main" val="3474393510"/>
+                  </a:ext>
+                </a:extLst>
+              </a:tr>
+              <a:tr h="367157">
+                <a:tc>
+                  <a:txBody>
+                    <a:bodyPr/>
+                    <a:lstStyle/>
+                    <a:p>
+                      <a:pPr>
+                        <a:lnSpc>
+                          <a:spcPct val="107000"/>
+                        </a:lnSpc>
+                        <a:spcAft>
+                          <a:spcPts val="800"/>
+                        </a:spcAft>
+                      </a:pPr>
+                      <a:r>
+                        <a:rPr lang="en-US" sz="1100">
+                          <a:effectLst/>
+                        </a:rPr>
+                        <a:t>Initial cost </a:t>
+                      </a:r>
+                      <a:endParaRPr lang="en-GB" sz="1100">
+                        <a:effectLst/>
+                        <a:latin typeface="Calibri" panose="020F0502020204030204" pitchFamily="34" charset="0"/>
+                        <a:ea typeface="DengXian" panose="02010600030101010101" pitchFamily="2" charset="-122"/>
+                        <a:cs typeface="Times New Roman" panose="02020603050405020304" pitchFamily="18" charset="0"/>
+                      </a:endParaRPr>
+                    </a:p>
+                  </a:txBody>
+                  <a:tcPr marL="68580" marR="68580" marT="0" marB="0"/>
+                </a:tc>
+                <a:tc>
+                  <a:txBody>
+                    <a:bodyPr/>
+                    <a:lstStyle/>
+                    <a:p>
+                      <a:pPr>
+                        <a:lnSpc>
+                          <a:spcPct val="107000"/>
+                        </a:lnSpc>
+                        <a:spcAft>
+                          <a:spcPts val="800"/>
+                        </a:spcAft>
+                      </a:pPr>
+                      <a:r>
+                        <a:rPr lang="en-US" sz="1100">
+                          <a:effectLst/>
+                        </a:rPr>
+                        <a:t>-</a:t>
+                      </a:r>
+                      <a:endParaRPr lang="en-GB" sz="1100">
+                        <a:effectLst/>
+                        <a:latin typeface="Calibri" panose="020F0502020204030204" pitchFamily="34" charset="0"/>
+                        <a:ea typeface="DengXian" panose="02010600030101010101" pitchFamily="2" charset="-122"/>
+                        <a:cs typeface="Times New Roman" panose="02020603050405020304" pitchFamily="18" charset="0"/>
+                      </a:endParaRPr>
+                    </a:p>
+                  </a:txBody>
+                  <a:tcPr marL="68580" marR="68580" marT="0" marB="0"/>
+                </a:tc>
+                <a:tc>
+                  <a:txBody>
+                    <a:bodyPr/>
+                    <a:lstStyle/>
+                    <a:p>
+                      <a:pPr>
+                        <a:lnSpc>
+                          <a:spcPct val="107000"/>
+                        </a:lnSpc>
+                        <a:spcAft>
+                          <a:spcPts val="800"/>
+                        </a:spcAft>
+                      </a:pPr>
+                      <a:r>
+                        <a:rPr lang="en-US" sz="1100">
+                          <a:effectLst/>
+                        </a:rPr>
+                        <a:t>-</a:t>
+                      </a:r>
+                      <a:endParaRPr lang="en-GB" sz="1100">
+                        <a:effectLst/>
+                        <a:latin typeface="Calibri" panose="020F0502020204030204" pitchFamily="34" charset="0"/>
+                        <a:ea typeface="DengXian" panose="02010600030101010101" pitchFamily="2" charset="-122"/>
+                        <a:cs typeface="Times New Roman" panose="02020603050405020304" pitchFamily="18" charset="0"/>
+                      </a:endParaRPr>
+                    </a:p>
+                  </a:txBody>
+                  <a:tcPr marL="68580" marR="68580" marT="0" marB="0"/>
+                </a:tc>
+                <a:tc>
+                  <a:txBody>
+                    <a:bodyPr/>
+                    <a:lstStyle/>
+                    <a:p>
+                      <a:pPr>
+                        <a:lnSpc>
+                          <a:spcPct val="107000"/>
+                        </a:lnSpc>
+                        <a:spcAft>
+                          <a:spcPts val="800"/>
+                        </a:spcAft>
+                      </a:pPr>
+                      <a:r>
+                        <a:rPr lang="en-US" sz="1100" dirty="0">
+                          <a:effectLst/>
+                        </a:rPr>
+                        <a:t>+</a:t>
+                      </a:r>
+                      <a:endParaRPr lang="en-GB" sz="1100" dirty="0">
+                        <a:effectLst/>
+                        <a:latin typeface="Calibri" panose="020F0502020204030204" pitchFamily="34" charset="0"/>
+                        <a:ea typeface="DengXian" panose="02010600030101010101" pitchFamily="2" charset="-122"/>
+                        <a:cs typeface="Times New Roman" panose="02020603050405020304" pitchFamily="18" charset="0"/>
+                      </a:endParaRPr>
+                    </a:p>
+                  </a:txBody>
+                  <a:tcPr marL="68580" marR="68580" marT="0" marB="0"/>
+                </a:tc>
+                <a:tc>
+                  <a:txBody>
+                    <a:bodyPr/>
+                    <a:lstStyle/>
+                    <a:p>
+                      <a:pPr>
+                        <a:lnSpc>
+                          <a:spcPct val="107000"/>
+                        </a:lnSpc>
+                        <a:spcAft>
+                          <a:spcPts val="800"/>
+                        </a:spcAft>
+                      </a:pPr>
+                      <a:r>
+                        <a:rPr lang="en-US" sz="1100">
+                          <a:effectLst/>
+                        </a:rPr>
+                        <a:t>-</a:t>
+                      </a:r>
+                      <a:endParaRPr lang="en-GB" sz="1100">
+                        <a:effectLst/>
+                        <a:latin typeface="Calibri" panose="020F0502020204030204" pitchFamily="34" charset="0"/>
+                        <a:ea typeface="DengXian" panose="02010600030101010101" pitchFamily="2" charset="-122"/>
+                        <a:cs typeface="Times New Roman" panose="02020603050405020304" pitchFamily="18" charset="0"/>
+                      </a:endParaRPr>
+                    </a:p>
+                  </a:txBody>
+                  <a:tcPr marL="68580" marR="68580" marT="0" marB="0"/>
+                </a:tc>
+                <a:tc>
+                  <a:txBody>
+                    <a:bodyPr/>
+                    <a:lstStyle/>
+                    <a:p>
+                      <a:pPr>
+                        <a:lnSpc>
+                          <a:spcPct val="107000"/>
+                        </a:lnSpc>
+                        <a:spcAft>
+                          <a:spcPts val="800"/>
+                        </a:spcAft>
+                      </a:pPr>
+                      <a:r>
+                        <a:rPr lang="en-US" sz="1100">
+                          <a:effectLst/>
+                        </a:rPr>
+                        <a:t>+</a:t>
+                      </a:r>
+                      <a:endParaRPr lang="en-GB" sz="1100">
+                        <a:effectLst/>
+                        <a:latin typeface="Calibri" panose="020F0502020204030204" pitchFamily="34" charset="0"/>
+                        <a:ea typeface="DengXian" panose="02010600030101010101" pitchFamily="2" charset="-122"/>
+                        <a:cs typeface="Times New Roman" panose="02020603050405020304" pitchFamily="18" charset="0"/>
+                      </a:endParaRPr>
+                    </a:p>
+                  </a:txBody>
+                  <a:tcPr marL="68580" marR="68580" marT="0" marB="0"/>
+                </a:tc>
+                <a:tc>
+                  <a:txBody>
+                    <a:bodyPr/>
+                    <a:lstStyle/>
+                    <a:p>
+                      <a:pPr>
+                        <a:lnSpc>
+                          <a:spcPct val="107000"/>
+                        </a:lnSpc>
+                        <a:spcAft>
+                          <a:spcPts val="800"/>
+                        </a:spcAft>
+                      </a:pPr>
+                      <a:r>
+                        <a:rPr lang="en-US" sz="1100">
+                          <a:effectLst/>
+                        </a:rPr>
+                        <a:t>S</a:t>
+                      </a:r>
+                      <a:endParaRPr lang="en-GB" sz="1100">
+                        <a:effectLst/>
+                        <a:latin typeface="Calibri" panose="020F0502020204030204" pitchFamily="34" charset="0"/>
+                        <a:ea typeface="DengXian" panose="02010600030101010101" pitchFamily="2" charset="-122"/>
+                        <a:cs typeface="Times New Roman" panose="02020603050405020304" pitchFamily="18" charset="0"/>
+                      </a:endParaRPr>
+                    </a:p>
+                  </a:txBody>
+                  <a:tcPr marL="68580" marR="68580" marT="0" marB="0"/>
+                </a:tc>
+                <a:tc>
+                  <a:txBody>
+                    <a:bodyPr/>
+                    <a:lstStyle/>
+                    <a:p>
+                      <a:pPr>
+                        <a:lnSpc>
+                          <a:spcPct val="107000"/>
+                        </a:lnSpc>
+                        <a:spcAft>
+                          <a:spcPts val="800"/>
+                        </a:spcAft>
+                      </a:pPr>
+                      <a:r>
+                        <a:rPr lang="en-US" sz="1100">
+                          <a:effectLst/>
+                        </a:rPr>
+                        <a:t>+</a:t>
+                      </a:r>
+                      <a:endParaRPr lang="en-GB" sz="1100">
+                        <a:effectLst/>
+                        <a:latin typeface="Calibri" panose="020F0502020204030204" pitchFamily="34" charset="0"/>
+                        <a:ea typeface="DengXian" panose="02010600030101010101" pitchFamily="2" charset="-122"/>
+                        <a:cs typeface="Times New Roman" panose="02020603050405020304" pitchFamily="18" charset="0"/>
+                      </a:endParaRPr>
+                    </a:p>
+                  </a:txBody>
+                  <a:tcPr marL="68580" marR="68580" marT="0" marB="0"/>
+                </a:tc>
+                <a:extLst>
+                  <a:ext uri="{0D108BD9-81ED-4DB2-BD59-A6C34878D82A}">
+                    <a16:rowId xmlns:a16="http://schemas.microsoft.com/office/drawing/2014/main" val="2750594277"/>
+                  </a:ext>
+                </a:extLst>
+              </a:tr>
+              <a:tr h="367157">
+                <a:tc>
+                  <a:txBody>
+                    <a:bodyPr/>
+                    <a:lstStyle/>
+                    <a:p>
+                      <a:pPr>
+                        <a:lnSpc>
+                          <a:spcPct val="107000"/>
+                        </a:lnSpc>
+                        <a:spcAft>
+                          <a:spcPts val="800"/>
+                        </a:spcAft>
+                      </a:pPr>
+                      <a:r>
+                        <a:rPr lang="en-US" sz="1100">
+                          <a:effectLst/>
+                        </a:rPr>
+                        <a:t>Efficient</a:t>
+                      </a:r>
+                      <a:endParaRPr lang="en-GB" sz="1100">
+                        <a:effectLst/>
+                        <a:latin typeface="Calibri" panose="020F0502020204030204" pitchFamily="34" charset="0"/>
+                        <a:ea typeface="DengXian" panose="02010600030101010101" pitchFamily="2" charset="-122"/>
+                        <a:cs typeface="Times New Roman" panose="02020603050405020304" pitchFamily="18" charset="0"/>
+                      </a:endParaRPr>
+                    </a:p>
+                  </a:txBody>
+                  <a:tcPr marL="68580" marR="68580" marT="0" marB="0"/>
+                </a:tc>
+                <a:tc>
+                  <a:txBody>
+                    <a:bodyPr/>
+                    <a:lstStyle/>
+                    <a:p>
+                      <a:pPr>
+                        <a:lnSpc>
+                          <a:spcPct val="107000"/>
+                        </a:lnSpc>
+                        <a:spcAft>
+                          <a:spcPts val="800"/>
+                        </a:spcAft>
+                      </a:pPr>
+                      <a:r>
+                        <a:rPr lang="en-US" sz="1100">
+                          <a:effectLst/>
+                        </a:rPr>
+                        <a:t>-</a:t>
+                      </a:r>
+                      <a:endParaRPr lang="en-GB" sz="1100">
+                        <a:effectLst/>
+                        <a:latin typeface="Calibri" panose="020F0502020204030204" pitchFamily="34" charset="0"/>
+                        <a:ea typeface="DengXian" panose="02010600030101010101" pitchFamily="2" charset="-122"/>
+                        <a:cs typeface="Times New Roman" panose="02020603050405020304" pitchFamily="18" charset="0"/>
+                      </a:endParaRPr>
+                    </a:p>
+                  </a:txBody>
+                  <a:tcPr marL="68580" marR="68580" marT="0" marB="0"/>
+                </a:tc>
+                <a:tc>
+                  <a:txBody>
+                    <a:bodyPr/>
+                    <a:lstStyle/>
+                    <a:p>
+                      <a:pPr>
+                        <a:lnSpc>
+                          <a:spcPct val="107000"/>
+                        </a:lnSpc>
+                        <a:spcAft>
+                          <a:spcPts val="800"/>
+                        </a:spcAft>
+                      </a:pPr>
+                      <a:r>
+                        <a:rPr lang="en-US" sz="1100">
+                          <a:effectLst/>
+                        </a:rPr>
+                        <a:t>+</a:t>
+                      </a:r>
+                      <a:endParaRPr lang="en-GB" sz="1100">
+                        <a:effectLst/>
+                        <a:latin typeface="Calibri" panose="020F0502020204030204" pitchFamily="34" charset="0"/>
+                        <a:ea typeface="DengXian" panose="02010600030101010101" pitchFamily="2" charset="-122"/>
+                        <a:cs typeface="Times New Roman" panose="02020603050405020304" pitchFamily="18" charset="0"/>
+                      </a:endParaRPr>
+                    </a:p>
+                  </a:txBody>
+                  <a:tcPr marL="68580" marR="68580" marT="0" marB="0"/>
+                </a:tc>
+                <a:tc>
+                  <a:txBody>
+                    <a:bodyPr/>
+                    <a:lstStyle/>
+                    <a:p>
+                      <a:pPr>
+                        <a:lnSpc>
+                          <a:spcPct val="107000"/>
+                        </a:lnSpc>
+                        <a:spcAft>
+                          <a:spcPts val="800"/>
+                        </a:spcAft>
+                      </a:pPr>
+                      <a:r>
+                        <a:rPr lang="en-US" sz="1100" dirty="0">
+                          <a:effectLst/>
+                        </a:rPr>
+                        <a:t>S</a:t>
+                      </a:r>
+                      <a:endParaRPr lang="en-GB" sz="1100" dirty="0">
+                        <a:effectLst/>
+                        <a:latin typeface="Calibri" panose="020F0502020204030204" pitchFamily="34" charset="0"/>
+                        <a:ea typeface="DengXian" panose="02010600030101010101" pitchFamily="2" charset="-122"/>
+                        <a:cs typeface="Times New Roman" panose="02020603050405020304" pitchFamily="18" charset="0"/>
+                      </a:endParaRPr>
+                    </a:p>
+                  </a:txBody>
+                  <a:tcPr marL="68580" marR="68580" marT="0" marB="0"/>
+                </a:tc>
+                <a:tc>
+                  <a:txBody>
+                    <a:bodyPr/>
+                    <a:lstStyle/>
+                    <a:p>
+                      <a:pPr>
+                        <a:lnSpc>
+                          <a:spcPct val="107000"/>
+                        </a:lnSpc>
+                        <a:spcAft>
+                          <a:spcPts val="800"/>
+                        </a:spcAft>
+                      </a:pPr>
+                      <a:r>
+                        <a:rPr lang="en-US" sz="1100">
+                          <a:effectLst/>
+                        </a:rPr>
+                        <a:t>+</a:t>
+                      </a:r>
+                      <a:endParaRPr lang="en-GB" sz="1100">
+                        <a:effectLst/>
+                        <a:latin typeface="Calibri" panose="020F0502020204030204" pitchFamily="34" charset="0"/>
+                        <a:ea typeface="DengXian" panose="02010600030101010101" pitchFamily="2" charset="-122"/>
+                        <a:cs typeface="Times New Roman" panose="02020603050405020304" pitchFamily="18" charset="0"/>
+                      </a:endParaRPr>
+                    </a:p>
+                  </a:txBody>
+                  <a:tcPr marL="68580" marR="68580" marT="0" marB="0"/>
+                </a:tc>
+                <a:tc>
+                  <a:txBody>
+                    <a:bodyPr/>
+                    <a:lstStyle/>
+                    <a:p>
+                      <a:pPr>
+                        <a:lnSpc>
+                          <a:spcPct val="107000"/>
+                        </a:lnSpc>
+                        <a:spcAft>
+                          <a:spcPts val="800"/>
+                        </a:spcAft>
+                      </a:pPr>
+                      <a:r>
+                        <a:rPr lang="en-US" sz="1100">
+                          <a:effectLst/>
+                        </a:rPr>
+                        <a:t>S</a:t>
+                      </a:r>
+                      <a:endParaRPr lang="en-GB" sz="1100">
+                        <a:effectLst/>
+                        <a:latin typeface="Calibri" panose="020F0502020204030204" pitchFamily="34" charset="0"/>
+                        <a:ea typeface="DengXian" panose="02010600030101010101" pitchFamily="2" charset="-122"/>
+                        <a:cs typeface="Times New Roman" panose="02020603050405020304" pitchFamily="18" charset="0"/>
+                      </a:endParaRPr>
+                    </a:p>
+                  </a:txBody>
+                  <a:tcPr marL="68580" marR="68580" marT="0" marB="0"/>
+                </a:tc>
+                <a:tc>
+                  <a:txBody>
+                    <a:bodyPr/>
+                    <a:lstStyle/>
+                    <a:p>
+                      <a:pPr>
+                        <a:lnSpc>
+                          <a:spcPct val="107000"/>
+                        </a:lnSpc>
+                        <a:spcAft>
+                          <a:spcPts val="800"/>
+                        </a:spcAft>
+                      </a:pPr>
+                      <a:r>
+                        <a:rPr lang="en-US" sz="1100">
+                          <a:effectLst/>
+                        </a:rPr>
+                        <a:t>+</a:t>
+                      </a:r>
+                      <a:endParaRPr lang="en-GB" sz="1100">
+                        <a:effectLst/>
+                        <a:latin typeface="Calibri" panose="020F0502020204030204" pitchFamily="34" charset="0"/>
+                        <a:ea typeface="DengXian" panose="02010600030101010101" pitchFamily="2" charset="-122"/>
+                        <a:cs typeface="Times New Roman" panose="02020603050405020304" pitchFamily="18" charset="0"/>
+                      </a:endParaRPr>
+                    </a:p>
+                  </a:txBody>
+                  <a:tcPr marL="68580" marR="68580" marT="0" marB="0"/>
+                </a:tc>
+                <a:tc>
+                  <a:txBody>
+                    <a:bodyPr/>
+                    <a:lstStyle/>
+                    <a:p>
+                      <a:pPr>
+                        <a:lnSpc>
+                          <a:spcPct val="107000"/>
+                        </a:lnSpc>
+                        <a:spcAft>
+                          <a:spcPts val="800"/>
+                        </a:spcAft>
+                      </a:pPr>
+                      <a:r>
+                        <a:rPr lang="en-US" sz="1100">
+                          <a:effectLst/>
+                        </a:rPr>
+                        <a:t>+</a:t>
+                      </a:r>
+                      <a:endParaRPr lang="en-GB" sz="1100">
+                        <a:effectLst/>
+                        <a:latin typeface="Calibri" panose="020F0502020204030204" pitchFamily="34" charset="0"/>
+                        <a:ea typeface="DengXian" panose="02010600030101010101" pitchFamily="2" charset="-122"/>
+                        <a:cs typeface="Times New Roman" panose="02020603050405020304" pitchFamily="18" charset="0"/>
+                      </a:endParaRPr>
+                    </a:p>
+                  </a:txBody>
+                  <a:tcPr marL="68580" marR="68580" marT="0" marB="0"/>
+                </a:tc>
+                <a:extLst>
+                  <a:ext uri="{0D108BD9-81ED-4DB2-BD59-A6C34878D82A}">
+                    <a16:rowId xmlns:a16="http://schemas.microsoft.com/office/drawing/2014/main" val="409446178"/>
+                  </a:ext>
+                </a:extLst>
+              </a:tr>
+              <a:tr h="367157">
+                <a:tc>
+                  <a:txBody>
+                    <a:bodyPr/>
+                    <a:lstStyle/>
+                    <a:p>
+                      <a:pPr>
+                        <a:lnSpc>
+                          <a:spcPct val="107000"/>
+                        </a:lnSpc>
+                        <a:spcAft>
+                          <a:spcPts val="800"/>
+                        </a:spcAft>
+                      </a:pPr>
+                      <a:r>
+                        <a:rPr lang="en-US" sz="1100">
+                          <a:effectLst/>
+                        </a:rPr>
+                        <a:t>Endurance</a:t>
+                      </a:r>
+                      <a:endParaRPr lang="en-GB" sz="1100">
+                        <a:effectLst/>
+                        <a:latin typeface="Calibri" panose="020F0502020204030204" pitchFamily="34" charset="0"/>
+                        <a:ea typeface="DengXian" panose="02010600030101010101" pitchFamily="2" charset="-122"/>
+                        <a:cs typeface="Times New Roman" panose="02020603050405020304" pitchFamily="18" charset="0"/>
+                      </a:endParaRPr>
+                    </a:p>
+                  </a:txBody>
+                  <a:tcPr marL="68580" marR="68580" marT="0" marB="0"/>
+                </a:tc>
+                <a:tc>
+                  <a:txBody>
+                    <a:bodyPr/>
+                    <a:lstStyle/>
+                    <a:p>
+                      <a:pPr>
+                        <a:lnSpc>
+                          <a:spcPct val="107000"/>
+                        </a:lnSpc>
+                        <a:spcAft>
+                          <a:spcPts val="800"/>
+                        </a:spcAft>
+                      </a:pPr>
+                      <a:r>
+                        <a:rPr lang="en-US" sz="1100">
+                          <a:effectLst/>
+                        </a:rPr>
+                        <a:t>+</a:t>
+                      </a:r>
+                      <a:endParaRPr lang="en-GB" sz="1100">
+                        <a:effectLst/>
+                        <a:latin typeface="Calibri" panose="020F0502020204030204" pitchFamily="34" charset="0"/>
+                        <a:ea typeface="DengXian" panose="02010600030101010101" pitchFamily="2" charset="-122"/>
+                        <a:cs typeface="Times New Roman" panose="02020603050405020304" pitchFamily="18" charset="0"/>
+                      </a:endParaRPr>
+                    </a:p>
+                  </a:txBody>
+                  <a:tcPr marL="68580" marR="68580" marT="0" marB="0"/>
+                </a:tc>
+                <a:tc>
+                  <a:txBody>
+                    <a:bodyPr/>
+                    <a:lstStyle/>
+                    <a:p>
+                      <a:pPr>
+                        <a:lnSpc>
+                          <a:spcPct val="107000"/>
+                        </a:lnSpc>
+                        <a:spcAft>
+                          <a:spcPts val="800"/>
+                        </a:spcAft>
+                      </a:pPr>
+                      <a:r>
+                        <a:rPr lang="en-US" sz="1100">
+                          <a:effectLst/>
+                        </a:rPr>
+                        <a:t>-</a:t>
+                      </a:r>
+                      <a:endParaRPr lang="en-GB" sz="1100">
+                        <a:effectLst/>
+                        <a:latin typeface="Calibri" panose="020F0502020204030204" pitchFamily="34" charset="0"/>
+                        <a:ea typeface="DengXian" panose="02010600030101010101" pitchFamily="2" charset="-122"/>
+                        <a:cs typeface="Times New Roman" panose="02020603050405020304" pitchFamily="18" charset="0"/>
+                      </a:endParaRPr>
+                    </a:p>
+                  </a:txBody>
+                  <a:tcPr marL="68580" marR="68580" marT="0" marB="0"/>
+                </a:tc>
+                <a:tc>
+                  <a:txBody>
+                    <a:bodyPr/>
+                    <a:lstStyle/>
+                    <a:p>
+                      <a:pPr>
+                        <a:lnSpc>
+                          <a:spcPct val="107000"/>
+                        </a:lnSpc>
+                        <a:spcAft>
+                          <a:spcPts val="800"/>
+                        </a:spcAft>
+                      </a:pPr>
+                      <a:r>
+                        <a:rPr lang="en-US" sz="1100">
+                          <a:effectLst/>
+                        </a:rPr>
+                        <a:t>S</a:t>
+                      </a:r>
+                      <a:endParaRPr lang="en-GB" sz="1100">
+                        <a:effectLst/>
+                        <a:latin typeface="Calibri" panose="020F0502020204030204" pitchFamily="34" charset="0"/>
+                        <a:ea typeface="DengXian" panose="02010600030101010101" pitchFamily="2" charset="-122"/>
+                        <a:cs typeface="Times New Roman" panose="02020603050405020304" pitchFamily="18" charset="0"/>
+                      </a:endParaRPr>
+                    </a:p>
+                  </a:txBody>
+                  <a:tcPr marL="68580" marR="68580" marT="0" marB="0"/>
+                </a:tc>
+                <a:tc>
+                  <a:txBody>
+                    <a:bodyPr/>
+                    <a:lstStyle/>
+                    <a:p>
+                      <a:pPr>
+                        <a:lnSpc>
+                          <a:spcPct val="107000"/>
+                        </a:lnSpc>
+                        <a:spcAft>
+                          <a:spcPts val="800"/>
+                        </a:spcAft>
+                      </a:pPr>
+                      <a:r>
+                        <a:rPr lang="en-US" sz="1100">
+                          <a:effectLst/>
+                        </a:rPr>
+                        <a:t>-</a:t>
+                      </a:r>
+                      <a:endParaRPr lang="en-GB" sz="1100">
+                        <a:effectLst/>
+                        <a:latin typeface="Calibri" panose="020F0502020204030204" pitchFamily="34" charset="0"/>
+                        <a:ea typeface="DengXian" panose="02010600030101010101" pitchFamily="2" charset="-122"/>
+                        <a:cs typeface="Times New Roman" panose="02020603050405020304" pitchFamily="18" charset="0"/>
+                      </a:endParaRPr>
+                    </a:p>
+                  </a:txBody>
+                  <a:tcPr marL="68580" marR="68580" marT="0" marB="0"/>
+                </a:tc>
+                <a:tc>
+                  <a:txBody>
+                    <a:bodyPr/>
+                    <a:lstStyle/>
+                    <a:p>
+                      <a:pPr>
+                        <a:lnSpc>
+                          <a:spcPct val="107000"/>
+                        </a:lnSpc>
+                        <a:spcAft>
+                          <a:spcPts val="800"/>
+                        </a:spcAft>
+                      </a:pPr>
+                      <a:r>
+                        <a:rPr lang="en-US" sz="1100">
+                          <a:effectLst/>
+                        </a:rPr>
+                        <a:t>S</a:t>
+                      </a:r>
+                      <a:endParaRPr lang="en-GB" sz="1100">
+                        <a:effectLst/>
+                        <a:latin typeface="Calibri" panose="020F0502020204030204" pitchFamily="34" charset="0"/>
+                        <a:ea typeface="DengXian" panose="02010600030101010101" pitchFamily="2" charset="-122"/>
+                        <a:cs typeface="Times New Roman" panose="02020603050405020304" pitchFamily="18" charset="0"/>
+                      </a:endParaRPr>
+                    </a:p>
+                  </a:txBody>
+                  <a:tcPr marL="68580" marR="68580" marT="0" marB="0"/>
+                </a:tc>
+                <a:tc>
+                  <a:txBody>
+                    <a:bodyPr/>
+                    <a:lstStyle/>
+                    <a:p>
+                      <a:pPr>
+                        <a:lnSpc>
+                          <a:spcPct val="107000"/>
+                        </a:lnSpc>
+                        <a:spcAft>
+                          <a:spcPts val="800"/>
+                        </a:spcAft>
+                      </a:pPr>
+                      <a:r>
+                        <a:rPr lang="en-US" sz="1100">
+                          <a:effectLst/>
+                        </a:rPr>
+                        <a:t>S</a:t>
+                      </a:r>
+                      <a:endParaRPr lang="en-GB" sz="1100">
+                        <a:effectLst/>
+                        <a:latin typeface="Calibri" panose="020F0502020204030204" pitchFamily="34" charset="0"/>
+                        <a:ea typeface="DengXian" panose="02010600030101010101" pitchFamily="2" charset="-122"/>
+                        <a:cs typeface="Times New Roman" panose="02020603050405020304" pitchFamily="18" charset="0"/>
+                      </a:endParaRPr>
+                    </a:p>
+                  </a:txBody>
+                  <a:tcPr marL="68580" marR="68580" marT="0" marB="0"/>
+                </a:tc>
+                <a:tc>
+                  <a:txBody>
+                    <a:bodyPr/>
+                    <a:lstStyle/>
+                    <a:p>
+                      <a:pPr>
+                        <a:lnSpc>
+                          <a:spcPct val="107000"/>
+                        </a:lnSpc>
+                        <a:spcAft>
+                          <a:spcPts val="800"/>
+                        </a:spcAft>
+                      </a:pPr>
+                      <a:r>
+                        <a:rPr lang="en-US" sz="1100">
+                          <a:effectLst/>
+                        </a:rPr>
+                        <a:t>-</a:t>
+                      </a:r>
+                      <a:endParaRPr lang="en-GB" sz="1100">
+                        <a:effectLst/>
+                        <a:latin typeface="Calibri" panose="020F0502020204030204" pitchFamily="34" charset="0"/>
+                        <a:ea typeface="DengXian" panose="02010600030101010101" pitchFamily="2" charset="-122"/>
+                        <a:cs typeface="Times New Roman" panose="02020603050405020304" pitchFamily="18" charset="0"/>
+                      </a:endParaRPr>
+                    </a:p>
+                  </a:txBody>
+                  <a:tcPr marL="68580" marR="68580" marT="0" marB="0"/>
+                </a:tc>
+                <a:extLst>
+                  <a:ext uri="{0D108BD9-81ED-4DB2-BD59-A6C34878D82A}">
+                    <a16:rowId xmlns:a16="http://schemas.microsoft.com/office/drawing/2014/main" val="3738624078"/>
+                  </a:ext>
+                </a:extLst>
+              </a:tr>
+              <a:tr h="367157">
+                <a:tc>
+                  <a:txBody>
+                    <a:bodyPr/>
+                    <a:lstStyle/>
+                    <a:p>
+                      <a:pPr>
+                        <a:lnSpc>
+                          <a:spcPct val="107000"/>
+                        </a:lnSpc>
+                        <a:spcAft>
+                          <a:spcPts val="800"/>
+                        </a:spcAft>
+                      </a:pPr>
+                      <a:r>
+                        <a:rPr lang="en-US" sz="1100">
+                          <a:effectLst/>
+                        </a:rPr>
+                        <a:t>Safety</a:t>
+                      </a:r>
+                      <a:endParaRPr lang="en-GB" sz="1100">
+                        <a:effectLst/>
+                        <a:latin typeface="Calibri" panose="020F0502020204030204" pitchFamily="34" charset="0"/>
+                        <a:ea typeface="DengXian" panose="02010600030101010101" pitchFamily="2" charset="-122"/>
+                        <a:cs typeface="Times New Roman" panose="02020603050405020304" pitchFamily="18" charset="0"/>
+                      </a:endParaRPr>
+                    </a:p>
+                  </a:txBody>
+                  <a:tcPr marL="68580" marR="68580" marT="0" marB="0"/>
+                </a:tc>
+                <a:tc>
+                  <a:txBody>
+                    <a:bodyPr/>
+                    <a:lstStyle/>
+                    <a:p>
+                      <a:pPr>
+                        <a:lnSpc>
+                          <a:spcPct val="107000"/>
+                        </a:lnSpc>
+                        <a:spcAft>
+                          <a:spcPts val="800"/>
+                        </a:spcAft>
+                      </a:pPr>
+                      <a:r>
+                        <a:rPr lang="en-US" sz="1100">
+                          <a:effectLst/>
+                        </a:rPr>
+                        <a:t>-</a:t>
+                      </a:r>
+                      <a:endParaRPr lang="en-GB" sz="1100">
+                        <a:effectLst/>
+                        <a:latin typeface="Calibri" panose="020F0502020204030204" pitchFamily="34" charset="0"/>
+                        <a:ea typeface="DengXian" panose="02010600030101010101" pitchFamily="2" charset="-122"/>
+                        <a:cs typeface="Times New Roman" panose="02020603050405020304" pitchFamily="18" charset="0"/>
+                      </a:endParaRPr>
+                    </a:p>
+                  </a:txBody>
+                  <a:tcPr marL="68580" marR="68580" marT="0" marB="0"/>
+                </a:tc>
+                <a:tc>
+                  <a:txBody>
+                    <a:bodyPr/>
+                    <a:lstStyle/>
+                    <a:p>
+                      <a:pPr>
+                        <a:lnSpc>
+                          <a:spcPct val="107000"/>
+                        </a:lnSpc>
+                        <a:spcAft>
+                          <a:spcPts val="800"/>
+                        </a:spcAft>
+                      </a:pPr>
+                      <a:r>
+                        <a:rPr lang="en-US" sz="1100">
+                          <a:effectLst/>
+                        </a:rPr>
+                        <a:t>-</a:t>
+                      </a:r>
+                      <a:endParaRPr lang="en-GB" sz="1100">
+                        <a:effectLst/>
+                        <a:latin typeface="Calibri" panose="020F0502020204030204" pitchFamily="34" charset="0"/>
+                        <a:ea typeface="DengXian" panose="02010600030101010101" pitchFamily="2" charset="-122"/>
+                        <a:cs typeface="Times New Roman" panose="02020603050405020304" pitchFamily="18" charset="0"/>
+                      </a:endParaRPr>
+                    </a:p>
+                  </a:txBody>
+                  <a:tcPr marL="68580" marR="68580" marT="0" marB="0"/>
+                </a:tc>
+                <a:tc>
+                  <a:txBody>
+                    <a:bodyPr/>
+                    <a:lstStyle/>
+                    <a:p>
+                      <a:pPr>
+                        <a:lnSpc>
+                          <a:spcPct val="107000"/>
+                        </a:lnSpc>
+                        <a:spcAft>
+                          <a:spcPts val="800"/>
+                        </a:spcAft>
+                      </a:pPr>
+                      <a:r>
+                        <a:rPr lang="en-US" sz="1100">
+                          <a:effectLst/>
+                        </a:rPr>
+                        <a:t>+</a:t>
+                      </a:r>
+                      <a:endParaRPr lang="en-GB" sz="1100">
+                        <a:effectLst/>
+                        <a:latin typeface="Calibri" panose="020F0502020204030204" pitchFamily="34" charset="0"/>
+                        <a:ea typeface="DengXian" panose="02010600030101010101" pitchFamily="2" charset="-122"/>
+                        <a:cs typeface="Times New Roman" panose="02020603050405020304" pitchFamily="18" charset="0"/>
+                      </a:endParaRPr>
+                    </a:p>
+                  </a:txBody>
+                  <a:tcPr marL="68580" marR="68580" marT="0" marB="0"/>
+                </a:tc>
+                <a:tc>
+                  <a:txBody>
+                    <a:bodyPr/>
+                    <a:lstStyle/>
+                    <a:p>
+                      <a:pPr>
+                        <a:lnSpc>
+                          <a:spcPct val="107000"/>
+                        </a:lnSpc>
+                        <a:spcAft>
+                          <a:spcPts val="800"/>
+                        </a:spcAft>
+                      </a:pPr>
+                      <a:r>
+                        <a:rPr lang="en-US" sz="1100">
+                          <a:effectLst/>
+                        </a:rPr>
+                        <a:t>-</a:t>
+                      </a:r>
+                      <a:endParaRPr lang="en-GB" sz="1100">
+                        <a:effectLst/>
+                        <a:latin typeface="Calibri" panose="020F0502020204030204" pitchFamily="34" charset="0"/>
+                        <a:ea typeface="DengXian" panose="02010600030101010101" pitchFamily="2" charset="-122"/>
+                        <a:cs typeface="Times New Roman" panose="02020603050405020304" pitchFamily="18" charset="0"/>
+                      </a:endParaRPr>
+                    </a:p>
+                  </a:txBody>
+                  <a:tcPr marL="68580" marR="68580" marT="0" marB="0"/>
+                </a:tc>
+                <a:tc>
+                  <a:txBody>
+                    <a:bodyPr/>
+                    <a:lstStyle/>
+                    <a:p>
+                      <a:pPr>
+                        <a:lnSpc>
+                          <a:spcPct val="107000"/>
+                        </a:lnSpc>
+                        <a:spcAft>
+                          <a:spcPts val="800"/>
+                        </a:spcAft>
+                      </a:pPr>
+                      <a:r>
+                        <a:rPr lang="en-US" sz="1100">
+                          <a:effectLst/>
+                        </a:rPr>
+                        <a:t>+</a:t>
+                      </a:r>
+                      <a:endParaRPr lang="en-GB" sz="1100">
+                        <a:effectLst/>
+                        <a:latin typeface="Calibri" panose="020F0502020204030204" pitchFamily="34" charset="0"/>
+                        <a:ea typeface="DengXian" panose="02010600030101010101" pitchFamily="2" charset="-122"/>
+                        <a:cs typeface="Times New Roman" panose="02020603050405020304" pitchFamily="18" charset="0"/>
+                      </a:endParaRPr>
+                    </a:p>
+                  </a:txBody>
+                  <a:tcPr marL="68580" marR="68580" marT="0" marB="0"/>
+                </a:tc>
+                <a:tc>
+                  <a:txBody>
+                    <a:bodyPr/>
+                    <a:lstStyle/>
+                    <a:p>
+                      <a:pPr>
+                        <a:lnSpc>
+                          <a:spcPct val="107000"/>
+                        </a:lnSpc>
+                        <a:spcAft>
+                          <a:spcPts val="800"/>
+                        </a:spcAft>
+                      </a:pPr>
+                      <a:r>
+                        <a:rPr lang="en-US" sz="1100">
+                          <a:effectLst/>
+                        </a:rPr>
+                        <a:t>+</a:t>
+                      </a:r>
+                      <a:endParaRPr lang="en-GB" sz="1100">
+                        <a:effectLst/>
+                        <a:latin typeface="Calibri" panose="020F0502020204030204" pitchFamily="34" charset="0"/>
+                        <a:ea typeface="DengXian" panose="02010600030101010101" pitchFamily="2" charset="-122"/>
+                        <a:cs typeface="Times New Roman" panose="02020603050405020304" pitchFamily="18" charset="0"/>
+                      </a:endParaRPr>
+                    </a:p>
+                  </a:txBody>
+                  <a:tcPr marL="68580" marR="68580" marT="0" marB="0"/>
+                </a:tc>
+                <a:tc>
+                  <a:txBody>
+                    <a:bodyPr/>
+                    <a:lstStyle/>
+                    <a:p>
+                      <a:pPr>
+                        <a:lnSpc>
+                          <a:spcPct val="107000"/>
+                        </a:lnSpc>
+                        <a:spcAft>
+                          <a:spcPts val="800"/>
+                        </a:spcAft>
+                      </a:pPr>
+                      <a:r>
+                        <a:rPr lang="en-US" sz="1100">
+                          <a:effectLst/>
+                        </a:rPr>
+                        <a:t>+</a:t>
+                      </a:r>
+                      <a:endParaRPr lang="en-GB" sz="1100">
+                        <a:effectLst/>
+                        <a:latin typeface="Calibri" panose="020F0502020204030204" pitchFamily="34" charset="0"/>
+                        <a:ea typeface="DengXian" panose="02010600030101010101" pitchFamily="2" charset="-122"/>
+                        <a:cs typeface="Times New Roman" panose="02020603050405020304" pitchFamily="18" charset="0"/>
+                      </a:endParaRPr>
+                    </a:p>
+                  </a:txBody>
+                  <a:tcPr marL="68580" marR="68580" marT="0" marB="0"/>
+                </a:tc>
+                <a:extLst>
+                  <a:ext uri="{0D108BD9-81ED-4DB2-BD59-A6C34878D82A}">
+                    <a16:rowId xmlns:a16="http://schemas.microsoft.com/office/drawing/2014/main" val="3191214499"/>
+                  </a:ext>
+                </a:extLst>
+              </a:tr>
+              <a:tr h="367157">
+                <a:tc>
+                  <a:txBody>
+                    <a:bodyPr/>
+                    <a:lstStyle/>
+                    <a:p>
+                      <a:pPr>
+                        <a:lnSpc>
+                          <a:spcPct val="107000"/>
+                        </a:lnSpc>
+                        <a:spcAft>
+                          <a:spcPts val="800"/>
+                        </a:spcAft>
+                      </a:pPr>
+                      <a:r>
+                        <a:rPr lang="en-US" sz="1100">
+                          <a:effectLst/>
+                        </a:rPr>
+                        <a:t>Mobility</a:t>
+                      </a:r>
+                      <a:endParaRPr lang="en-GB" sz="1100">
+                        <a:effectLst/>
+                        <a:latin typeface="Calibri" panose="020F0502020204030204" pitchFamily="34" charset="0"/>
+                        <a:ea typeface="DengXian" panose="02010600030101010101" pitchFamily="2" charset="-122"/>
+                        <a:cs typeface="Times New Roman" panose="02020603050405020304" pitchFamily="18" charset="0"/>
+                      </a:endParaRPr>
+                    </a:p>
+                  </a:txBody>
+                  <a:tcPr marL="68580" marR="68580" marT="0" marB="0"/>
+                </a:tc>
+                <a:tc>
+                  <a:txBody>
+                    <a:bodyPr/>
+                    <a:lstStyle/>
+                    <a:p>
+                      <a:pPr>
+                        <a:lnSpc>
+                          <a:spcPct val="107000"/>
+                        </a:lnSpc>
+                        <a:spcAft>
+                          <a:spcPts val="800"/>
+                        </a:spcAft>
+                      </a:pPr>
+                      <a:r>
+                        <a:rPr lang="en-US" sz="1100">
+                          <a:effectLst/>
+                        </a:rPr>
+                        <a:t>-</a:t>
+                      </a:r>
+                      <a:endParaRPr lang="en-GB" sz="1100">
+                        <a:effectLst/>
+                        <a:latin typeface="Calibri" panose="020F0502020204030204" pitchFamily="34" charset="0"/>
+                        <a:ea typeface="DengXian" panose="02010600030101010101" pitchFamily="2" charset="-122"/>
+                        <a:cs typeface="Times New Roman" panose="02020603050405020304" pitchFamily="18" charset="0"/>
+                      </a:endParaRPr>
+                    </a:p>
+                  </a:txBody>
+                  <a:tcPr marL="68580" marR="68580" marT="0" marB="0"/>
+                </a:tc>
+                <a:tc>
+                  <a:txBody>
+                    <a:bodyPr/>
+                    <a:lstStyle/>
+                    <a:p>
+                      <a:pPr>
+                        <a:lnSpc>
+                          <a:spcPct val="107000"/>
+                        </a:lnSpc>
+                        <a:spcAft>
+                          <a:spcPts val="800"/>
+                        </a:spcAft>
+                      </a:pPr>
+                      <a:r>
+                        <a:rPr lang="en-US" sz="1100">
+                          <a:effectLst/>
+                        </a:rPr>
+                        <a:t>+</a:t>
+                      </a:r>
+                      <a:endParaRPr lang="en-GB" sz="1100">
+                        <a:effectLst/>
+                        <a:latin typeface="Calibri" panose="020F0502020204030204" pitchFamily="34" charset="0"/>
+                        <a:ea typeface="DengXian" panose="02010600030101010101" pitchFamily="2" charset="-122"/>
+                        <a:cs typeface="Times New Roman" panose="02020603050405020304" pitchFamily="18" charset="0"/>
+                      </a:endParaRPr>
+                    </a:p>
+                  </a:txBody>
+                  <a:tcPr marL="68580" marR="68580" marT="0" marB="0"/>
+                </a:tc>
+                <a:tc>
+                  <a:txBody>
+                    <a:bodyPr/>
+                    <a:lstStyle/>
+                    <a:p>
+                      <a:pPr>
+                        <a:lnSpc>
+                          <a:spcPct val="107000"/>
+                        </a:lnSpc>
+                        <a:spcAft>
+                          <a:spcPts val="800"/>
+                        </a:spcAft>
+                      </a:pPr>
+                      <a:r>
+                        <a:rPr lang="en-US" sz="1100">
+                          <a:effectLst/>
+                        </a:rPr>
+                        <a:t>+</a:t>
+                      </a:r>
+                      <a:endParaRPr lang="en-GB" sz="1100">
+                        <a:effectLst/>
+                        <a:latin typeface="Calibri" panose="020F0502020204030204" pitchFamily="34" charset="0"/>
+                        <a:ea typeface="DengXian" panose="02010600030101010101" pitchFamily="2" charset="-122"/>
+                        <a:cs typeface="Times New Roman" panose="02020603050405020304" pitchFamily="18" charset="0"/>
+                      </a:endParaRPr>
+                    </a:p>
+                  </a:txBody>
+                  <a:tcPr marL="68580" marR="68580" marT="0" marB="0"/>
+                </a:tc>
+                <a:tc>
+                  <a:txBody>
+                    <a:bodyPr/>
+                    <a:lstStyle/>
+                    <a:p>
+                      <a:pPr>
+                        <a:lnSpc>
+                          <a:spcPct val="107000"/>
+                        </a:lnSpc>
+                        <a:spcAft>
+                          <a:spcPts val="800"/>
+                        </a:spcAft>
+                      </a:pPr>
+                      <a:r>
+                        <a:rPr lang="en-US" sz="1100">
+                          <a:effectLst/>
+                        </a:rPr>
+                        <a:t>-</a:t>
+                      </a:r>
+                      <a:endParaRPr lang="en-GB" sz="1100">
+                        <a:effectLst/>
+                        <a:latin typeface="Calibri" panose="020F0502020204030204" pitchFamily="34" charset="0"/>
+                        <a:ea typeface="DengXian" panose="02010600030101010101" pitchFamily="2" charset="-122"/>
+                        <a:cs typeface="Times New Roman" panose="02020603050405020304" pitchFamily="18" charset="0"/>
+                      </a:endParaRPr>
+                    </a:p>
+                  </a:txBody>
+                  <a:tcPr marL="68580" marR="68580" marT="0" marB="0"/>
+                </a:tc>
+                <a:tc>
+                  <a:txBody>
+                    <a:bodyPr/>
+                    <a:lstStyle/>
+                    <a:p>
+                      <a:pPr>
+                        <a:lnSpc>
+                          <a:spcPct val="107000"/>
+                        </a:lnSpc>
+                        <a:spcAft>
+                          <a:spcPts val="800"/>
+                        </a:spcAft>
+                      </a:pPr>
+                      <a:r>
+                        <a:rPr lang="en-US" sz="1100">
+                          <a:effectLst/>
+                        </a:rPr>
+                        <a:t>+</a:t>
+                      </a:r>
+                      <a:endParaRPr lang="en-GB" sz="1100">
+                        <a:effectLst/>
+                        <a:latin typeface="Calibri" panose="020F0502020204030204" pitchFamily="34" charset="0"/>
+                        <a:ea typeface="DengXian" panose="02010600030101010101" pitchFamily="2" charset="-122"/>
+                        <a:cs typeface="Times New Roman" panose="02020603050405020304" pitchFamily="18" charset="0"/>
+                      </a:endParaRPr>
+                    </a:p>
+                  </a:txBody>
+                  <a:tcPr marL="68580" marR="68580" marT="0" marB="0"/>
+                </a:tc>
+                <a:tc>
+                  <a:txBody>
+                    <a:bodyPr/>
+                    <a:lstStyle/>
+                    <a:p>
+                      <a:pPr>
+                        <a:lnSpc>
+                          <a:spcPct val="107000"/>
+                        </a:lnSpc>
+                        <a:spcAft>
+                          <a:spcPts val="800"/>
+                        </a:spcAft>
+                      </a:pPr>
+                      <a:r>
+                        <a:rPr lang="en-US" sz="1100">
+                          <a:effectLst/>
+                        </a:rPr>
+                        <a:t>+</a:t>
+                      </a:r>
+                      <a:endParaRPr lang="en-GB" sz="1100">
+                        <a:effectLst/>
+                        <a:latin typeface="Calibri" panose="020F0502020204030204" pitchFamily="34" charset="0"/>
+                        <a:ea typeface="DengXian" panose="02010600030101010101" pitchFamily="2" charset="-122"/>
+                        <a:cs typeface="Times New Roman" panose="02020603050405020304" pitchFamily="18" charset="0"/>
+                      </a:endParaRPr>
+                    </a:p>
+                  </a:txBody>
+                  <a:tcPr marL="68580" marR="68580" marT="0" marB="0"/>
+                </a:tc>
+                <a:tc>
+                  <a:txBody>
+                    <a:bodyPr/>
+                    <a:lstStyle/>
+                    <a:p>
+                      <a:pPr>
+                        <a:lnSpc>
+                          <a:spcPct val="107000"/>
+                        </a:lnSpc>
+                        <a:spcAft>
+                          <a:spcPts val="800"/>
+                        </a:spcAft>
+                      </a:pPr>
+                      <a:r>
+                        <a:rPr lang="en-US" sz="1100">
+                          <a:effectLst/>
+                        </a:rPr>
+                        <a:t>+</a:t>
+                      </a:r>
+                      <a:endParaRPr lang="en-GB" sz="1100">
+                        <a:effectLst/>
+                        <a:latin typeface="Calibri" panose="020F0502020204030204" pitchFamily="34" charset="0"/>
+                        <a:ea typeface="DengXian" panose="02010600030101010101" pitchFamily="2" charset="-122"/>
+                        <a:cs typeface="Times New Roman" panose="02020603050405020304" pitchFamily="18" charset="0"/>
+                      </a:endParaRPr>
+                    </a:p>
+                  </a:txBody>
+                  <a:tcPr marL="68580" marR="68580" marT="0" marB="0"/>
+                </a:tc>
+                <a:extLst>
+                  <a:ext uri="{0D108BD9-81ED-4DB2-BD59-A6C34878D82A}">
+                    <a16:rowId xmlns:a16="http://schemas.microsoft.com/office/drawing/2014/main" val="3832242023"/>
+                  </a:ext>
+                </a:extLst>
+              </a:tr>
+              <a:tr h="367157">
+                <a:tc>
+                  <a:txBody>
+                    <a:bodyPr/>
+                    <a:lstStyle/>
+                    <a:p>
+                      <a:pPr>
+                        <a:lnSpc>
+                          <a:spcPct val="107000"/>
+                        </a:lnSpc>
+                        <a:spcAft>
+                          <a:spcPts val="800"/>
+                        </a:spcAft>
+                      </a:pPr>
+                      <a:r>
+                        <a:rPr lang="en-US" sz="1100">
+                          <a:effectLst/>
+                        </a:rPr>
+                        <a:t>Complexity</a:t>
+                      </a:r>
+                      <a:endParaRPr lang="en-GB" sz="1100">
+                        <a:effectLst/>
+                        <a:latin typeface="Calibri" panose="020F0502020204030204" pitchFamily="34" charset="0"/>
+                        <a:ea typeface="DengXian" panose="02010600030101010101" pitchFamily="2" charset="-122"/>
+                        <a:cs typeface="Times New Roman" panose="02020603050405020304" pitchFamily="18" charset="0"/>
+                      </a:endParaRPr>
+                    </a:p>
+                  </a:txBody>
+                  <a:tcPr marL="68580" marR="68580" marT="0" marB="0"/>
+                </a:tc>
+                <a:tc>
+                  <a:txBody>
+                    <a:bodyPr/>
+                    <a:lstStyle/>
+                    <a:p>
+                      <a:pPr>
+                        <a:lnSpc>
+                          <a:spcPct val="107000"/>
+                        </a:lnSpc>
+                        <a:spcAft>
+                          <a:spcPts val="800"/>
+                        </a:spcAft>
+                      </a:pPr>
+                      <a:r>
+                        <a:rPr lang="en-US" sz="1100">
+                          <a:effectLst/>
+                        </a:rPr>
+                        <a:t>-</a:t>
+                      </a:r>
+                      <a:endParaRPr lang="en-GB" sz="1100">
+                        <a:effectLst/>
+                        <a:latin typeface="Calibri" panose="020F0502020204030204" pitchFamily="34" charset="0"/>
+                        <a:ea typeface="DengXian" panose="02010600030101010101" pitchFamily="2" charset="-122"/>
+                        <a:cs typeface="Times New Roman" panose="02020603050405020304" pitchFamily="18" charset="0"/>
+                      </a:endParaRPr>
+                    </a:p>
+                  </a:txBody>
+                  <a:tcPr marL="68580" marR="68580" marT="0" marB="0"/>
+                </a:tc>
+                <a:tc>
+                  <a:txBody>
+                    <a:bodyPr/>
+                    <a:lstStyle/>
+                    <a:p>
+                      <a:pPr>
+                        <a:lnSpc>
+                          <a:spcPct val="107000"/>
+                        </a:lnSpc>
+                        <a:spcAft>
+                          <a:spcPts val="800"/>
+                        </a:spcAft>
+                      </a:pPr>
+                      <a:r>
+                        <a:rPr lang="en-US" sz="1100">
+                          <a:effectLst/>
+                        </a:rPr>
+                        <a:t>-</a:t>
+                      </a:r>
+                      <a:endParaRPr lang="en-GB" sz="1100">
+                        <a:effectLst/>
+                        <a:latin typeface="Calibri" panose="020F0502020204030204" pitchFamily="34" charset="0"/>
+                        <a:ea typeface="DengXian" panose="02010600030101010101" pitchFamily="2" charset="-122"/>
+                        <a:cs typeface="Times New Roman" panose="02020603050405020304" pitchFamily="18" charset="0"/>
+                      </a:endParaRPr>
+                    </a:p>
+                  </a:txBody>
+                  <a:tcPr marL="68580" marR="68580" marT="0" marB="0"/>
+                </a:tc>
+                <a:tc>
+                  <a:txBody>
+                    <a:bodyPr/>
+                    <a:lstStyle/>
+                    <a:p>
+                      <a:pPr>
+                        <a:lnSpc>
+                          <a:spcPct val="107000"/>
+                        </a:lnSpc>
+                        <a:spcAft>
+                          <a:spcPts val="800"/>
+                        </a:spcAft>
+                      </a:pPr>
+                      <a:r>
+                        <a:rPr lang="en-US" sz="1100">
+                          <a:effectLst/>
+                        </a:rPr>
+                        <a:t>S</a:t>
+                      </a:r>
+                      <a:endParaRPr lang="en-GB" sz="1100">
+                        <a:effectLst/>
+                        <a:latin typeface="Calibri" panose="020F0502020204030204" pitchFamily="34" charset="0"/>
+                        <a:ea typeface="DengXian" panose="02010600030101010101" pitchFamily="2" charset="-122"/>
+                        <a:cs typeface="Times New Roman" panose="02020603050405020304" pitchFamily="18" charset="0"/>
+                      </a:endParaRPr>
+                    </a:p>
+                  </a:txBody>
+                  <a:tcPr marL="68580" marR="68580" marT="0" marB="0"/>
+                </a:tc>
+                <a:tc>
+                  <a:txBody>
+                    <a:bodyPr/>
+                    <a:lstStyle/>
+                    <a:p>
+                      <a:pPr>
+                        <a:lnSpc>
+                          <a:spcPct val="107000"/>
+                        </a:lnSpc>
+                        <a:spcAft>
+                          <a:spcPts val="800"/>
+                        </a:spcAft>
+                      </a:pPr>
+                      <a:r>
+                        <a:rPr lang="en-US" sz="1100">
+                          <a:effectLst/>
+                        </a:rPr>
+                        <a:t>-</a:t>
+                      </a:r>
+                      <a:endParaRPr lang="en-GB" sz="1100">
+                        <a:effectLst/>
+                        <a:latin typeface="Calibri" panose="020F0502020204030204" pitchFamily="34" charset="0"/>
+                        <a:ea typeface="DengXian" panose="02010600030101010101" pitchFamily="2" charset="-122"/>
+                        <a:cs typeface="Times New Roman" panose="02020603050405020304" pitchFamily="18" charset="0"/>
+                      </a:endParaRPr>
+                    </a:p>
+                  </a:txBody>
+                  <a:tcPr marL="68580" marR="68580" marT="0" marB="0"/>
+                </a:tc>
+                <a:tc>
+                  <a:txBody>
+                    <a:bodyPr/>
+                    <a:lstStyle/>
+                    <a:p>
+                      <a:pPr>
+                        <a:lnSpc>
+                          <a:spcPct val="107000"/>
+                        </a:lnSpc>
+                        <a:spcAft>
+                          <a:spcPts val="800"/>
+                        </a:spcAft>
+                      </a:pPr>
+                      <a:r>
+                        <a:rPr lang="en-US" sz="1100">
+                          <a:effectLst/>
+                        </a:rPr>
+                        <a:t>+</a:t>
+                      </a:r>
+                      <a:endParaRPr lang="en-GB" sz="1100">
+                        <a:effectLst/>
+                        <a:latin typeface="Calibri" panose="020F0502020204030204" pitchFamily="34" charset="0"/>
+                        <a:ea typeface="DengXian" panose="02010600030101010101" pitchFamily="2" charset="-122"/>
+                        <a:cs typeface="Times New Roman" panose="02020603050405020304" pitchFamily="18" charset="0"/>
+                      </a:endParaRPr>
+                    </a:p>
+                  </a:txBody>
+                  <a:tcPr marL="68580" marR="68580" marT="0" marB="0"/>
+                </a:tc>
+                <a:tc>
+                  <a:txBody>
+                    <a:bodyPr/>
+                    <a:lstStyle/>
+                    <a:p>
+                      <a:pPr>
+                        <a:lnSpc>
+                          <a:spcPct val="107000"/>
+                        </a:lnSpc>
+                        <a:spcAft>
+                          <a:spcPts val="800"/>
+                        </a:spcAft>
+                      </a:pPr>
+                      <a:r>
+                        <a:rPr lang="en-US" sz="1100">
+                          <a:effectLst/>
+                        </a:rPr>
+                        <a:t>-</a:t>
+                      </a:r>
+                      <a:endParaRPr lang="en-GB" sz="1100">
+                        <a:effectLst/>
+                        <a:latin typeface="Calibri" panose="020F0502020204030204" pitchFamily="34" charset="0"/>
+                        <a:ea typeface="DengXian" panose="02010600030101010101" pitchFamily="2" charset="-122"/>
+                        <a:cs typeface="Times New Roman" panose="02020603050405020304" pitchFamily="18" charset="0"/>
+                      </a:endParaRPr>
+                    </a:p>
+                  </a:txBody>
+                  <a:tcPr marL="68580" marR="68580" marT="0" marB="0"/>
+                </a:tc>
+                <a:tc>
+                  <a:txBody>
+                    <a:bodyPr/>
+                    <a:lstStyle/>
+                    <a:p>
+                      <a:pPr>
+                        <a:lnSpc>
+                          <a:spcPct val="107000"/>
+                        </a:lnSpc>
+                        <a:spcAft>
+                          <a:spcPts val="800"/>
+                        </a:spcAft>
+                      </a:pPr>
+                      <a:r>
+                        <a:rPr lang="en-US" sz="1100">
+                          <a:effectLst/>
+                        </a:rPr>
+                        <a:t>S</a:t>
+                      </a:r>
+                      <a:endParaRPr lang="en-GB" sz="1100">
+                        <a:effectLst/>
+                        <a:latin typeface="Calibri" panose="020F0502020204030204" pitchFamily="34" charset="0"/>
+                        <a:ea typeface="DengXian" panose="02010600030101010101" pitchFamily="2" charset="-122"/>
+                        <a:cs typeface="Times New Roman" panose="02020603050405020304" pitchFamily="18" charset="0"/>
+                      </a:endParaRPr>
+                    </a:p>
+                  </a:txBody>
+                  <a:tcPr marL="68580" marR="68580" marT="0" marB="0"/>
+                </a:tc>
+                <a:extLst>
+                  <a:ext uri="{0D108BD9-81ED-4DB2-BD59-A6C34878D82A}">
+                    <a16:rowId xmlns:a16="http://schemas.microsoft.com/office/drawing/2014/main" val="2686299516"/>
+                  </a:ext>
+                </a:extLst>
+              </a:tr>
+              <a:tr h="367157">
+                <a:tc>
+                  <a:txBody>
+                    <a:bodyPr/>
+                    <a:lstStyle/>
+                    <a:p>
+                      <a:pPr>
+                        <a:lnSpc>
+                          <a:spcPct val="107000"/>
+                        </a:lnSpc>
+                        <a:spcAft>
+                          <a:spcPts val="800"/>
+                        </a:spcAft>
+                      </a:pPr>
+                      <a:r>
+                        <a:rPr lang="en-US" sz="1100">
+                          <a:effectLst/>
+                        </a:rPr>
+                        <a:t>∑(+)</a:t>
+                      </a:r>
+                      <a:endParaRPr lang="en-GB" sz="1100">
+                        <a:effectLst/>
+                        <a:latin typeface="Calibri" panose="020F0502020204030204" pitchFamily="34" charset="0"/>
+                        <a:ea typeface="DengXian" panose="02010600030101010101" pitchFamily="2" charset="-122"/>
+                        <a:cs typeface="Times New Roman" panose="02020603050405020304" pitchFamily="18" charset="0"/>
+                      </a:endParaRPr>
+                    </a:p>
+                  </a:txBody>
+                  <a:tcPr marL="68580" marR="68580" marT="0" marB="0"/>
+                </a:tc>
+                <a:tc>
+                  <a:txBody>
+                    <a:bodyPr/>
+                    <a:lstStyle/>
+                    <a:p>
+                      <a:pPr>
+                        <a:lnSpc>
+                          <a:spcPct val="107000"/>
+                        </a:lnSpc>
+                        <a:spcAft>
+                          <a:spcPts val="800"/>
+                        </a:spcAft>
+                      </a:pPr>
+                      <a:r>
+                        <a:rPr lang="en-US" sz="1100">
+                          <a:effectLst/>
+                        </a:rPr>
+                        <a:t>1</a:t>
+                      </a:r>
+                      <a:endParaRPr lang="en-GB" sz="1100">
+                        <a:effectLst/>
+                        <a:latin typeface="Calibri" panose="020F0502020204030204" pitchFamily="34" charset="0"/>
+                        <a:ea typeface="DengXian" panose="02010600030101010101" pitchFamily="2" charset="-122"/>
+                        <a:cs typeface="Times New Roman" panose="02020603050405020304" pitchFamily="18" charset="0"/>
+                      </a:endParaRPr>
+                    </a:p>
+                  </a:txBody>
+                  <a:tcPr marL="68580" marR="68580" marT="0" marB="0"/>
+                </a:tc>
+                <a:tc>
+                  <a:txBody>
+                    <a:bodyPr/>
+                    <a:lstStyle/>
+                    <a:p>
+                      <a:pPr>
+                        <a:lnSpc>
+                          <a:spcPct val="107000"/>
+                        </a:lnSpc>
+                        <a:spcAft>
+                          <a:spcPts val="800"/>
+                        </a:spcAft>
+                      </a:pPr>
+                      <a:r>
+                        <a:rPr lang="en-US" sz="1100">
+                          <a:effectLst/>
+                        </a:rPr>
+                        <a:t>2</a:t>
+                      </a:r>
+                      <a:endParaRPr lang="en-GB" sz="1100">
+                        <a:effectLst/>
+                        <a:latin typeface="Calibri" panose="020F0502020204030204" pitchFamily="34" charset="0"/>
+                        <a:ea typeface="DengXian" panose="02010600030101010101" pitchFamily="2" charset="-122"/>
+                        <a:cs typeface="Times New Roman" panose="02020603050405020304" pitchFamily="18" charset="0"/>
+                      </a:endParaRPr>
+                    </a:p>
+                  </a:txBody>
+                  <a:tcPr marL="68580" marR="68580" marT="0" marB="0"/>
+                </a:tc>
+                <a:tc>
+                  <a:txBody>
+                    <a:bodyPr/>
+                    <a:lstStyle/>
+                    <a:p>
+                      <a:pPr>
+                        <a:lnSpc>
+                          <a:spcPct val="107000"/>
+                        </a:lnSpc>
+                        <a:spcAft>
+                          <a:spcPts val="800"/>
+                        </a:spcAft>
+                      </a:pPr>
+                      <a:r>
+                        <a:rPr lang="en-US" sz="1100">
+                          <a:effectLst/>
+                        </a:rPr>
+                        <a:t>4</a:t>
+                      </a:r>
+                      <a:endParaRPr lang="en-GB" sz="1100">
+                        <a:effectLst/>
+                        <a:latin typeface="Calibri" panose="020F0502020204030204" pitchFamily="34" charset="0"/>
+                        <a:ea typeface="DengXian" panose="02010600030101010101" pitchFamily="2" charset="-122"/>
+                        <a:cs typeface="Times New Roman" panose="02020603050405020304" pitchFamily="18" charset="0"/>
+                      </a:endParaRPr>
+                    </a:p>
+                  </a:txBody>
+                  <a:tcPr marL="68580" marR="68580" marT="0" marB="0"/>
+                </a:tc>
+                <a:tc>
+                  <a:txBody>
+                    <a:bodyPr/>
+                    <a:lstStyle/>
+                    <a:p>
+                      <a:pPr>
+                        <a:lnSpc>
+                          <a:spcPct val="107000"/>
+                        </a:lnSpc>
+                        <a:spcAft>
+                          <a:spcPts val="800"/>
+                        </a:spcAft>
+                      </a:pPr>
+                      <a:r>
+                        <a:rPr lang="en-US" sz="1100">
+                          <a:effectLst/>
+                        </a:rPr>
+                        <a:t>2</a:t>
+                      </a:r>
+                      <a:endParaRPr lang="en-GB" sz="1100">
+                        <a:effectLst/>
+                        <a:latin typeface="Calibri" panose="020F0502020204030204" pitchFamily="34" charset="0"/>
+                        <a:ea typeface="DengXian" panose="02010600030101010101" pitchFamily="2" charset="-122"/>
+                        <a:cs typeface="Times New Roman" panose="02020603050405020304" pitchFamily="18" charset="0"/>
+                      </a:endParaRPr>
+                    </a:p>
+                  </a:txBody>
+                  <a:tcPr marL="68580" marR="68580" marT="0" marB="0"/>
+                </a:tc>
+                <a:tc>
+                  <a:txBody>
+                    <a:bodyPr/>
+                    <a:lstStyle/>
+                    <a:p>
+                      <a:pPr>
+                        <a:lnSpc>
+                          <a:spcPct val="107000"/>
+                        </a:lnSpc>
+                        <a:spcAft>
+                          <a:spcPts val="800"/>
+                        </a:spcAft>
+                      </a:pPr>
+                      <a:r>
+                        <a:rPr lang="en-US" sz="1100">
+                          <a:effectLst/>
+                        </a:rPr>
+                        <a:t>4</a:t>
+                      </a:r>
+                      <a:endParaRPr lang="en-GB" sz="1100">
+                        <a:effectLst/>
+                        <a:latin typeface="Calibri" panose="020F0502020204030204" pitchFamily="34" charset="0"/>
+                        <a:ea typeface="DengXian" panose="02010600030101010101" pitchFamily="2" charset="-122"/>
+                        <a:cs typeface="Times New Roman" panose="02020603050405020304" pitchFamily="18" charset="0"/>
+                      </a:endParaRPr>
+                    </a:p>
+                  </a:txBody>
+                  <a:tcPr marL="68580" marR="68580" marT="0" marB="0"/>
+                </a:tc>
+                <a:tc>
+                  <a:txBody>
+                    <a:bodyPr/>
+                    <a:lstStyle/>
+                    <a:p>
+                      <a:pPr>
+                        <a:lnSpc>
+                          <a:spcPct val="107000"/>
+                        </a:lnSpc>
+                        <a:spcAft>
+                          <a:spcPts val="800"/>
+                        </a:spcAft>
+                      </a:pPr>
+                      <a:r>
+                        <a:rPr lang="en-US" sz="1100">
+                          <a:effectLst/>
+                        </a:rPr>
+                        <a:t>4</a:t>
+                      </a:r>
+                      <a:endParaRPr lang="en-GB" sz="1100">
+                        <a:effectLst/>
+                        <a:latin typeface="Calibri" panose="020F0502020204030204" pitchFamily="34" charset="0"/>
+                        <a:ea typeface="DengXian" panose="02010600030101010101" pitchFamily="2" charset="-122"/>
+                        <a:cs typeface="Times New Roman" panose="02020603050405020304" pitchFamily="18" charset="0"/>
+                      </a:endParaRPr>
+                    </a:p>
+                  </a:txBody>
+                  <a:tcPr marL="68580" marR="68580" marT="0" marB="0"/>
+                </a:tc>
+                <a:tc>
+                  <a:txBody>
+                    <a:bodyPr/>
+                    <a:lstStyle/>
+                    <a:p>
+                      <a:pPr>
+                        <a:lnSpc>
+                          <a:spcPct val="107000"/>
+                        </a:lnSpc>
+                        <a:spcAft>
+                          <a:spcPts val="800"/>
+                        </a:spcAft>
+                      </a:pPr>
+                      <a:r>
+                        <a:rPr lang="en-US" sz="1100">
+                          <a:effectLst/>
+                        </a:rPr>
+                        <a:t>5</a:t>
+                      </a:r>
+                      <a:endParaRPr lang="en-GB" sz="1100">
+                        <a:effectLst/>
+                        <a:latin typeface="Calibri" panose="020F0502020204030204" pitchFamily="34" charset="0"/>
+                        <a:ea typeface="DengXian" panose="02010600030101010101" pitchFamily="2" charset="-122"/>
+                        <a:cs typeface="Times New Roman" panose="02020603050405020304" pitchFamily="18" charset="0"/>
+                      </a:endParaRPr>
+                    </a:p>
+                  </a:txBody>
+                  <a:tcPr marL="68580" marR="68580" marT="0" marB="0"/>
+                </a:tc>
+                <a:extLst>
+                  <a:ext uri="{0D108BD9-81ED-4DB2-BD59-A6C34878D82A}">
+                    <a16:rowId xmlns:a16="http://schemas.microsoft.com/office/drawing/2014/main" val="3310253299"/>
+                  </a:ext>
+                </a:extLst>
+              </a:tr>
+              <a:tr h="367157">
+                <a:tc>
+                  <a:txBody>
+                    <a:bodyPr/>
+                    <a:lstStyle/>
+                    <a:p>
+                      <a:pPr>
+                        <a:lnSpc>
+                          <a:spcPct val="107000"/>
+                        </a:lnSpc>
+                        <a:spcAft>
+                          <a:spcPts val="800"/>
+                        </a:spcAft>
+                      </a:pPr>
+                      <a:r>
+                        <a:rPr lang="en-US" sz="1100">
+                          <a:effectLst/>
+                        </a:rPr>
+                        <a:t>∑(-)</a:t>
+                      </a:r>
+                      <a:endParaRPr lang="en-GB" sz="1100">
+                        <a:effectLst/>
+                        <a:latin typeface="Calibri" panose="020F0502020204030204" pitchFamily="34" charset="0"/>
+                        <a:ea typeface="DengXian" panose="02010600030101010101" pitchFamily="2" charset="-122"/>
+                        <a:cs typeface="Times New Roman" panose="02020603050405020304" pitchFamily="18" charset="0"/>
+                      </a:endParaRPr>
+                    </a:p>
+                  </a:txBody>
+                  <a:tcPr marL="68580" marR="68580" marT="0" marB="0"/>
+                </a:tc>
+                <a:tc>
+                  <a:txBody>
+                    <a:bodyPr/>
+                    <a:lstStyle/>
+                    <a:p>
+                      <a:pPr>
+                        <a:lnSpc>
+                          <a:spcPct val="107000"/>
+                        </a:lnSpc>
+                        <a:spcAft>
+                          <a:spcPts val="800"/>
+                        </a:spcAft>
+                      </a:pPr>
+                      <a:r>
+                        <a:rPr lang="en-US" sz="1100">
+                          <a:effectLst/>
+                        </a:rPr>
+                        <a:t>6</a:t>
+                      </a:r>
+                      <a:endParaRPr lang="en-GB" sz="1100">
+                        <a:effectLst/>
+                        <a:latin typeface="Calibri" panose="020F0502020204030204" pitchFamily="34" charset="0"/>
+                        <a:ea typeface="DengXian" panose="02010600030101010101" pitchFamily="2" charset="-122"/>
+                        <a:cs typeface="Times New Roman" panose="02020603050405020304" pitchFamily="18" charset="0"/>
+                      </a:endParaRPr>
+                    </a:p>
+                  </a:txBody>
+                  <a:tcPr marL="68580" marR="68580" marT="0" marB="0"/>
+                </a:tc>
+                <a:tc>
+                  <a:txBody>
+                    <a:bodyPr/>
+                    <a:lstStyle/>
+                    <a:p>
+                      <a:pPr>
+                        <a:lnSpc>
+                          <a:spcPct val="107000"/>
+                        </a:lnSpc>
+                        <a:spcAft>
+                          <a:spcPts val="800"/>
+                        </a:spcAft>
+                      </a:pPr>
+                      <a:r>
+                        <a:rPr lang="en-US" sz="1100">
+                          <a:effectLst/>
+                        </a:rPr>
+                        <a:t>5</a:t>
+                      </a:r>
+                      <a:endParaRPr lang="en-GB" sz="1100">
+                        <a:effectLst/>
+                        <a:latin typeface="Calibri" panose="020F0502020204030204" pitchFamily="34" charset="0"/>
+                        <a:ea typeface="DengXian" panose="02010600030101010101" pitchFamily="2" charset="-122"/>
+                        <a:cs typeface="Times New Roman" panose="02020603050405020304" pitchFamily="18" charset="0"/>
+                      </a:endParaRPr>
+                    </a:p>
+                  </a:txBody>
+                  <a:tcPr marL="68580" marR="68580" marT="0" marB="0"/>
+                </a:tc>
+                <a:tc>
+                  <a:txBody>
+                    <a:bodyPr/>
+                    <a:lstStyle/>
+                    <a:p>
+                      <a:pPr>
+                        <a:lnSpc>
+                          <a:spcPct val="107000"/>
+                        </a:lnSpc>
+                        <a:spcAft>
+                          <a:spcPts val="800"/>
+                        </a:spcAft>
+                      </a:pPr>
+                      <a:r>
+                        <a:rPr lang="en-US" sz="1100">
+                          <a:effectLst/>
+                        </a:rPr>
+                        <a:t>0</a:t>
+                      </a:r>
+                      <a:endParaRPr lang="en-GB" sz="1100">
+                        <a:effectLst/>
+                        <a:latin typeface="Calibri" panose="020F0502020204030204" pitchFamily="34" charset="0"/>
+                        <a:ea typeface="DengXian" panose="02010600030101010101" pitchFamily="2" charset="-122"/>
+                        <a:cs typeface="Times New Roman" panose="02020603050405020304" pitchFamily="18" charset="0"/>
+                      </a:endParaRPr>
+                    </a:p>
+                  </a:txBody>
+                  <a:tcPr marL="68580" marR="68580" marT="0" marB="0"/>
+                </a:tc>
+                <a:tc>
+                  <a:txBody>
+                    <a:bodyPr/>
+                    <a:lstStyle/>
+                    <a:p>
+                      <a:pPr>
+                        <a:lnSpc>
+                          <a:spcPct val="107000"/>
+                        </a:lnSpc>
+                        <a:spcAft>
+                          <a:spcPts val="800"/>
+                        </a:spcAft>
+                      </a:pPr>
+                      <a:r>
+                        <a:rPr lang="en-US" sz="1100">
+                          <a:effectLst/>
+                        </a:rPr>
+                        <a:t>5</a:t>
+                      </a:r>
+                      <a:endParaRPr lang="en-GB" sz="1100">
+                        <a:effectLst/>
+                        <a:latin typeface="Calibri" panose="020F0502020204030204" pitchFamily="34" charset="0"/>
+                        <a:ea typeface="DengXian" panose="02010600030101010101" pitchFamily="2" charset="-122"/>
+                        <a:cs typeface="Times New Roman" panose="02020603050405020304" pitchFamily="18" charset="0"/>
+                      </a:endParaRPr>
+                    </a:p>
+                  </a:txBody>
+                  <a:tcPr marL="68580" marR="68580" marT="0" marB="0"/>
+                </a:tc>
+                <a:tc>
+                  <a:txBody>
+                    <a:bodyPr/>
+                    <a:lstStyle/>
+                    <a:p>
+                      <a:pPr>
+                        <a:lnSpc>
+                          <a:spcPct val="107000"/>
+                        </a:lnSpc>
+                        <a:spcAft>
+                          <a:spcPts val="800"/>
+                        </a:spcAft>
+                      </a:pPr>
+                      <a:r>
+                        <a:rPr lang="en-US" sz="1100">
+                          <a:effectLst/>
+                        </a:rPr>
+                        <a:t>0</a:t>
+                      </a:r>
+                      <a:endParaRPr lang="en-GB" sz="1100">
+                        <a:effectLst/>
+                        <a:latin typeface="Calibri" panose="020F0502020204030204" pitchFamily="34" charset="0"/>
+                        <a:ea typeface="DengXian" panose="02010600030101010101" pitchFamily="2" charset="-122"/>
+                        <a:cs typeface="Times New Roman" panose="02020603050405020304" pitchFamily="18" charset="0"/>
+                      </a:endParaRPr>
+                    </a:p>
+                  </a:txBody>
+                  <a:tcPr marL="68580" marR="68580" marT="0" marB="0"/>
+                </a:tc>
+                <a:tc>
+                  <a:txBody>
+                    <a:bodyPr/>
+                    <a:lstStyle/>
+                    <a:p>
+                      <a:pPr>
+                        <a:lnSpc>
+                          <a:spcPct val="107000"/>
+                        </a:lnSpc>
+                        <a:spcAft>
+                          <a:spcPts val="800"/>
+                        </a:spcAft>
+                      </a:pPr>
+                      <a:r>
+                        <a:rPr lang="en-US" sz="1100">
+                          <a:effectLst/>
+                        </a:rPr>
+                        <a:t>1</a:t>
+                      </a:r>
+                      <a:endParaRPr lang="en-GB" sz="1100">
+                        <a:effectLst/>
+                        <a:latin typeface="Calibri" panose="020F0502020204030204" pitchFamily="34" charset="0"/>
+                        <a:ea typeface="DengXian" panose="02010600030101010101" pitchFamily="2" charset="-122"/>
+                        <a:cs typeface="Times New Roman" panose="02020603050405020304" pitchFamily="18" charset="0"/>
+                      </a:endParaRPr>
+                    </a:p>
+                  </a:txBody>
+                  <a:tcPr marL="68580" marR="68580" marT="0" marB="0"/>
+                </a:tc>
+                <a:tc>
+                  <a:txBody>
+                    <a:bodyPr/>
+                    <a:lstStyle/>
+                    <a:p>
+                      <a:pPr>
+                        <a:lnSpc>
+                          <a:spcPct val="107000"/>
+                        </a:lnSpc>
+                        <a:spcAft>
+                          <a:spcPts val="800"/>
+                        </a:spcAft>
+                      </a:pPr>
+                      <a:r>
+                        <a:rPr lang="en-US" sz="1100" dirty="0">
+                          <a:effectLst/>
+                        </a:rPr>
+                        <a:t>1</a:t>
+                      </a:r>
+                      <a:endParaRPr lang="en-GB" sz="1100" dirty="0">
+                        <a:effectLst/>
+                        <a:latin typeface="Calibri" panose="020F0502020204030204" pitchFamily="34" charset="0"/>
+                        <a:ea typeface="DengXian" panose="02010600030101010101" pitchFamily="2" charset="-122"/>
+                        <a:cs typeface="Times New Roman" panose="02020603050405020304" pitchFamily="18" charset="0"/>
+                      </a:endParaRPr>
+                    </a:p>
+                  </a:txBody>
+                  <a:tcPr marL="68580" marR="68580" marT="0" marB="0"/>
+                </a:tc>
+                <a:extLst>
+                  <a:ext uri="{0D108BD9-81ED-4DB2-BD59-A6C34878D82A}">
+                    <a16:rowId xmlns:a16="http://schemas.microsoft.com/office/drawing/2014/main" val="665445624"/>
+                  </a:ext>
+                </a:extLst>
+              </a:tr>
+              <a:tr h="367157">
+                <a:tc>
+                  <a:txBody>
+                    <a:bodyPr/>
+                    <a:lstStyle/>
+                    <a:p>
+                      <a:pPr>
+                        <a:lnSpc>
+                          <a:spcPct val="107000"/>
+                        </a:lnSpc>
+                        <a:spcAft>
+                          <a:spcPts val="800"/>
+                        </a:spcAft>
+                      </a:pPr>
+                      <a:r>
+                        <a:rPr lang="en-US" sz="1100">
+                          <a:effectLst/>
+                        </a:rPr>
+                        <a:t>∑(S)</a:t>
+                      </a:r>
+                      <a:endParaRPr lang="en-GB" sz="1100">
+                        <a:effectLst/>
+                        <a:latin typeface="Calibri" panose="020F0502020204030204" pitchFamily="34" charset="0"/>
+                        <a:ea typeface="DengXian" panose="02010600030101010101" pitchFamily="2" charset="-122"/>
+                        <a:cs typeface="Times New Roman" panose="02020603050405020304" pitchFamily="18" charset="0"/>
+                      </a:endParaRPr>
+                    </a:p>
+                  </a:txBody>
+                  <a:tcPr marL="68580" marR="68580" marT="0" marB="0"/>
+                </a:tc>
+                <a:tc>
+                  <a:txBody>
+                    <a:bodyPr/>
+                    <a:lstStyle/>
+                    <a:p>
+                      <a:pPr>
+                        <a:lnSpc>
+                          <a:spcPct val="107000"/>
+                        </a:lnSpc>
+                        <a:spcAft>
+                          <a:spcPts val="800"/>
+                        </a:spcAft>
+                      </a:pPr>
+                      <a:r>
+                        <a:rPr lang="en-US" sz="1100">
+                          <a:effectLst/>
+                        </a:rPr>
+                        <a:t>0</a:t>
+                      </a:r>
+                      <a:endParaRPr lang="en-GB" sz="1100">
+                        <a:effectLst/>
+                        <a:latin typeface="Calibri" panose="020F0502020204030204" pitchFamily="34" charset="0"/>
+                        <a:ea typeface="DengXian" panose="02010600030101010101" pitchFamily="2" charset="-122"/>
+                        <a:cs typeface="Times New Roman" panose="02020603050405020304" pitchFamily="18" charset="0"/>
+                      </a:endParaRPr>
+                    </a:p>
+                  </a:txBody>
+                  <a:tcPr marL="68580" marR="68580" marT="0" marB="0"/>
+                </a:tc>
+                <a:tc>
+                  <a:txBody>
+                    <a:bodyPr/>
+                    <a:lstStyle/>
+                    <a:p>
+                      <a:pPr>
+                        <a:lnSpc>
+                          <a:spcPct val="107000"/>
+                        </a:lnSpc>
+                        <a:spcAft>
+                          <a:spcPts val="800"/>
+                        </a:spcAft>
+                      </a:pPr>
+                      <a:r>
+                        <a:rPr lang="en-US" sz="1100">
+                          <a:effectLst/>
+                        </a:rPr>
+                        <a:t>0</a:t>
+                      </a:r>
+                      <a:endParaRPr lang="en-GB" sz="1100">
+                        <a:effectLst/>
+                        <a:latin typeface="Calibri" panose="020F0502020204030204" pitchFamily="34" charset="0"/>
+                        <a:ea typeface="DengXian" panose="02010600030101010101" pitchFamily="2" charset="-122"/>
+                        <a:cs typeface="Times New Roman" panose="02020603050405020304" pitchFamily="18" charset="0"/>
+                      </a:endParaRPr>
+                    </a:p>
+                  </a:txBody>
+                  <a:tcPr marL="68580" marR="68580" marT="0" marB="0"/>
+                </a:tc>
+                <a:tc>
+                  <a:txBody>
+                    <a:bodyPr/>
+                    <a:lstStyle/>
+                    <a:p>
+                      <a:pPr>
+                        <a:lnSpc>
+                          <a:spcPct val="107000"/>
+                        </a:lnSpc>
+                        <a:spcAft>
+                          <a:spcPts val="800"/>
+                        </a:spcAft>
+                      </a:pPr>
+                      <a:r>
+                        <a:rPr lang="en-US" sz="1100">
+                          <a:effectLst/>
+                        </a:rPr>
+                        <a:t>3</a:t>
+                      </a:r>
+                      <a:endParaRPr lang="en-GB" sz="1100">
+                        <a:effectLst/>
+                        <a:latin typeface="Calibri" panose="020F0502020204030204" pitchFamily="34" charset="0"/>
+                        <a:ea typeface="DengXian" panose="02010600030101010101" pitchFamily="2" charset="-122"/>
+                        <a:cs typeface="Times New Roman" panose="02020603050405020304" pitchFamily="18" charset="0"/>
+                      </a:endParaRPr>
+                    </a:p>
+                  </a:txBody>
+                  <a:tcPr marL="68580" marR="68580" marT="0" marB="0"/>
+                </a:tc>
+                <a:tc>
+                  <a:txBody>
+                    <a:bodyPr/>
+                    <a:lstStyle/>
+                    <a:p>
+                      <a:pPr>
+                        <a:lnSpc>
+                          <a:spcPct val="107000"/>
+                        </a:lnSpc>
+                        <a:spcAft>
+                          <a:spcPts val="800"/>
+                        </a:spcAft>
+                      </a:pPr>
+                      <a:r>
+                        <a:rPr lang="en-US" sz="1100">
+                          <a:effectLst/>
+                        </a:rPr>
+                        <a:t>0</a:t>
+                      </a:r>
+                      <a:endParaRPr lang="en-GB" sz="1100">
+                        <a:effectLst/>
+                        <a:latin typeface="Calibri" panose="020F0502020204030204" pitchFamily="34" charset="0"/>
+                        <a:ea typeface="DengXian" panose="02010600030101010101" pitchFamily="2" charset="-122"/>
+                        <a:cs typeface="Times New Roman" panose="02020603050405020304" pitchFamily="18" charset="0"/>
+                      </a:endParaRPr>
+                    </a:p>
+                  </a:txBody>
+                  <a:tcPr marL="68580" marR="68580" marT="0" marB="0"/>
+                </a:tc>
+                <a:tc>
+                  <a:txBody>
+                    <a:bodyPr/>
+                    <a:lstStyle/>
+                    <a:p>
+                      <a:pPr>
+                        <a:lnSpc>
+                          <a:spcPct val="107000"/>
+                        </a:lnSpc>
+                        <a:spcAft>
+                          <a:spcPts val="800"/>
+                        </a:spcAft>
+                      </a:pPr>
+                      <a:r>
+                        <a:rPr lang="en-US" sz="1100">
+                          <a:effectLst/>
+                        </a:rPr>
+                        <a:t>3</a:t>
+                      </a:r>
+                      <a:endParaRPr lang="en-GB" sz="1100">
+                        <a:effectLst/>
+                        <a:latin typeface="Calibri" panose="020F0502020204030204" pitchFamily="34" charset="0"/>
+                        <a:ea typeface="DengXian" panose="02010600030101010101" pitchFamily="2" charset="-122"/>
+                        <a:cs typeface="Times New Roman" panose="02020603050405020304" pitchFamily="18" charset="0"/>
+                      </a:endParaRPr>
+                    </a:p>
+                  </a:txBody>
+                  <a:tcPr marL="68580" marR="68580" marT="0" marB="0"/>
+                </a:tc>
+                <a:tc>
+                  <a:txBody>
+                    <a:bodyPr/>
+                    <a:lstStyle/>
+                    <a:p>
+                      <a:pPr>
+                        <a:lnSpc>
+                          <a:spcPct val="107000"/>
+                        </a:lnSpc>
+                        <a:spcAft>
+                          <a:spcPts val="800"/>
+                        </a:spcAft>
+                      </a:pPr>
+                      <a:r>
+                        <a:rPr lang="en-US" sz="1100">
+                          <a:effectLst/>
+                        </a:rPr>
+                        <a:t>2</a:t>
+                      </a:r>
+                      <a:endParaRPr lang="en-GB" sz="1100">
+                        <a:effectLst/>
+                        <a:latin typeface="Calibri" panose="020F0502020204030204" pitchFamily="34" charset="0"/>
+                        <a:ea typeface="DengXian" panose="02010600030101010101" pitchFamily="2" charset="-122"/>
+                        <a:cs typeface="Times New Roman" panose="02020603050405020304" pitchFamily="18" charset="0"/>
+                      </a:endParaRPr>
+                    </a:p>
+                  </a:txBody>
+                  <a:tcPr marL="68580" marR="68580" marT="0" marB="0"/>
+                </a:tc>
+                <a:tc>
+                  <a:txBody>
+                    <a:bodyPr/>
+                    <a:lstStyle/>
+                    <a:p>
+                      <a:pPr>
+                        <a:lnSpc>
+                          <a:spcPct val="107000"/>
+                        </a:lnSpc>
+                        <a:spcAft>
+                          <a:spcPts val="800"/>
+                        </a:spcAft>
+                      </a:pPr>
+                      <a:r>
+                        <a:rPr lang="en-US" sz="1100" dirty="0">
+                          <a:effectLst/>
+                        </a:rPr>
+                        <a:t>1</a:t>
+                      </a:r>
+                      <a:endParaRPr lang="en-GB" sz="1100" dirty="0">
+                        <a:effectLst/>
+                        <a:latin typeface="Calibri" panose="020F0502020204030204" pitchFamily="34" charset="0"/>
+                        <a:ea typeface="DengXian" panose="02010600030101010101" pitchFamily="2" charset="-122"/>
+                        <a:cs typeface="Times New Roman" panose="02020603050405020304" pitchFamily="18" charset="0"/>
+                      </a:endParaRPr>
+                    </a:p>
+                  </a:txBody>
+                  <a:tcPr marL="68580" marR="68580" marT="0" marB="0"/>
+                </a:tc>
+                <a:extLst>
+                  <a:ext uri="{0D108BD9-81ED-4DB2-BD59-A6C34878D82A}">
+                    <a16:rowId xmlns:a16="http://schemas.microsoft.com/office/drawing/2014/main" val="1610258422"/>
+                  </a:ext>
+                </a:extLst>
+              </a:tr>
+            </a:tbl>
+          </a:graphicData>
+        </a:graphic>
+      </p:graphicFrame>
+      <p:sp>
+        <p:nvSpPr>
+          <p:cNvPr id="4" name="Rectangle 1">
+            <a:extLst>
+              <a:ext uri="{FF2B5EF4-FFF2-40B4-BE49-F238E27FC236}">
+                <a16:creationId xmlns:a16="http://schemas.microsoft.com/office/drawing/2014/main" id="{9F49155E-1642-4753-BF46-A7E041E9D36D}"/>
+              </a:ext>
+            </a:extLst>
+          </p:cNvPr>
+          <p:cNvSpPr>
+            <a:spLocks noChangeArrowheads="1"/>
+          </p:cNvSpPr>
+          <p:nvPr/>
+        </p:nvSpPr>
+        <p:spPr bwMode="auto">
+          <a:xfrm>
+            <a:off x="2657178" y="1453374"/>
+            <a:ext cx="15065410" cy="946419"/>
+          </a:xfrm>
+          <a:prstGeom prst="rect">
+            <a:avLst/>
+          </a:prstGeom>
+          <a:noFill/>
+          <a:ln>
+            <a:noFill/>
+          </a:ln>
+          <a:effectLst/>
+          <a:extLst>
+            <a:ext uri="{909E8E84-426E-40DD-AFC4-6F175D3DCCD1}">
+              <a14:hiddenFill xmlns:a14="http://schemas.microsoft.com/office/drawing/2010/main">
+                <a:solidFill>
+                  <a:schemeClr val="accent1"/>
+                </a:solidFill>
+              </a14:hiddenFill>
+            </a:ext>
+            <a:ext uri="{91240B29-F687-4F45-9708-019B960494DF}">
+              <a14:hiddenLine xmlns:a14="http://schemas.microsoft.com/office/drawing/2010/main" w="9525">
+                <a:solidFill>
+                  <a:schemeClr val="tx1"/>
+                </a:solidFill>
+                <a:miter lim="800000"/>
+                <a:headEnd/>
+                <a:tailEnd/>
+              </a14:hiddenLine>
+            </a:ext>
+            <a:ext uri="{AF507438-7753-43E0-B8FC-AC1667EBCBE1}">
+              <a14:hiddenEffects xmlns:a14="http://schemas.microsoft.com/office/drawing/2010/main">
+                <a:effectLst>
+                  <a:outerShdw dist="35921" dir="2700000" algn="ctr" rotWithShape="0">
+                    <a:schemeClr val="bg2"/>
+                  </a:outerShdw>
+                </a:effectLst>
+              </a14:hiddenEffects>
+            </a:ext>
+          </a:extLst>
+        </p:spPr>
+        <p:txBody>
+          <a:bodyPr vert="horz" wrap="square" lIns="91440" tIns="45720" rIns="91440" bIns="45720" numCol="1" anchor="ctr" anchorCtr="0" compatLnSpc="1">
+            <a:prstTxWarp prst="textNoShape">
+              <a:avLst/>
+            </a:prstTxWarp>
+            <a:spAutoFit/>
+          </a:bodyPr>
+          <a:lstStyle/>
+          <a:p>
+            <a:endParaRPr lang="en-US"/>
+          </a:p>
+        </p:txBody>
+      </p:sp>
+    </p:spTree>
+    <p:extLst>
+      <p:ext uri="{BB962C8B-B14F-4D97-AF65-F5344CB8AC3E}">
+        <p14:creationId xmlns:p14="http://schemas.microsoft.com/office/powerpoint/2010/main" val="1903688946"/>
+      </p:ext>
+    </p:extLst>
+  </p:cSld>
+  <p:clrMapOvr>
+    <a:masterClrMapping/>
+  </p:clrMapOvr>
+</p:sld>
+</file>
+
+<file path=ppt/slides/slide17.xml><?xml version="1.0" encoding="utf-8"?>
+<p:sld xmlns:a="http://schemas.openxmlformats.org/drawingml/2006/main" xmlns:r="http://schemas.openxmlformats.org/officeDocument/2006/relationships" xmlns:p="http://schemas.openxmlformats.org/presentationml/2006/main">
+  <p:cSld>
+    <p:spTree>
+      <p:nvGrpSpPr>
+        <p:cNvPr id="1" name=""/>
+        <p:cNvGrpSpPr/>
+        <p:nvPr/>
+      </p:nvGrpSpPr>
+      <p:grpSpPr>
+        <a:xfrm>
+          <a:off x="0" y="0"/>
+          <a:ext cx="0" cy="0"/>
+          <a:chOff x="0" y="0"/>
+          <a:chExt cx="0" cy="0"/>
+        </a:xfrm>
+      </p:grpSpPr>
+      <p:sp>
+        <p:nvSpPr>
+          <p:cNvPr id="2" name="Tittel 1">
+            <a:extLst>
+              <a:ext uri="{FF2B5EF4-FFF2-40B4-BE49-F238E27FC236}">
+                <a16:creationId xmlns:a16="http://schemas.microsoft.com/office/drawing/2014/main" id="{43E422E1-3E84-4FD8-872E-D6871E18A0CD}"/>
+              </a:ext>
+            </a:extLst>
+          </p:cNvPr>
+          <p:cNvSpPr>
+            <a:spLocks noGrp="1"/>
+          </p:cNvSpPr>
+          <p:nvPr>
+            <p:ph type="title"/>
+          </p:nvPr>
+        </p:nvSpPr>
+        <p:spPr>
+          <a:xfrm>
+            <a:off x="196948" y="0"/>
+            <a:ext cx="11995052" cy="6639951"/>
+          </a:xfrm>
+        </p:spPr>
+        <p:txBody>
+          <a:bodyPr/>
+          <a:lstStyle/>
+          <a:p>
+            <a:pPr algn="ctr"/>
+            <a:r>
+              <a:rPr lang="en-US" dirty="0"/>
+              <a:t>System requirement </a:t>
+            </a:r>
+            <a:br>
+              <a:rPr lang="en-US" dirty="0"/>
+            </a:br>
+            <a:br>
+              <a:rPr lang="en-US" dirty="0"/>
+            </a:br>
+            <a:br>
+              <a:rPr lang="en-US" dirty="0"/>
+            </a:br>
+            <a:br>
+              <a:rPr lang="en-US" dirty="0"/>
+            </a:br>
+            <a:br>
+              <a:rPr lang="en-US" dirty="0"/>
+            </a:br>
+            <a:br>
+              <a:rPr lang="en-US" dirty="0"/>
+            </a:br>
+            <a:br>
+              <a:rPr lang="en-US" dirty="0"/>
+            </a:br>
+            <a:br>
+              <a:rPr lang="en-US" dirty="0"/>
+            </a:br>
+            <a:br>
+              <a:rPr lang="en-US" dirty="0"/>
+            </a:br>
+            <a:br>
+              <a:rPr lang="en-US" dirty="0"/>
+            </a:br>
+            <a:endParaRPr lang="en-US" dirty="0"/>
+          </a:p>
+        </p:txBody>
+      </p:sp>
+      <p:graphicFrame>
+        <p:nvGraphicFramePr>
+          <p:cNvPr id="3" name="Tabell 2">
+            <a:extLst>
+              <a:ext uri="{FF2B5EF4-FFF2-40B4-BE49-F238E27FC236}">
+                <a16:creationId xmlns:a16="http://schemas.microsoft.com/office/drawing/2014/main" id="{52B558C5-18BA-4BB4-B8A4-D6B94D0E9B42}"/>
+              </a:ext>
+            </a:extLst>
+          </p:cNvPr>
+          <p:cNvGraphicFramePr>
+            <a:graphicFrameLocks noGrp="1"/>
+          </p:cNvGraphicFramePr>
+          <p:nvPr>
+            <p:extLst>
+              <p:ext uri="{D42A27DB-BD31-4B8C-83A1-F6EECF244321}">
+                <p14:modId xmlns:p14="http://schemas.microsoft.com/office/powerpoint/2010/main" val="2526712825"/>
+              </p:ext>
+            </p:extLst>
+          </p:nvPr>
+        </p:nvGraphicFramePr>
+        <p:xfrm>
+          <a:off x="1835332" y="975629"/>
+          <a:ext cx="8521335" cy="5359615"/>
+        </p:xfrm>
+        <a:graphic>
+          <a:graphicData uri="http://schemas.openxmlformats.org/drawingml/2006/table">
+            <a:tbl>
+              <a:tblPr firstRow="1" firstCol="1" bandRow="1">
+                <a:tableStyleId>{5C22544A-7EE6-4342-B048-85BDC9FD1C3A}</a:tableStyleId>
+              </a:tblPr>
+              <a:tblGrid>
+                <a:gridCol w="1167005">
+                  <a:extLst>
+                    <a:ext uri="{9D8B030D-6E8A-4147-A177-3AD203B41FA5}">
+                      <a16:colId xmlns:a16="http://schemas.microsoft.com/office/drawing/2014/main" val="1310494426"/>
+                    </a:ext>
+                  </a:extLst>
+                </a:gridCol>
+                <a:gridCol w="1552336">
+                  <a:extLst>
+                    <a:ext uri="{9D8B030D-6E8A-4147-A177-3AD203B41FA5}">
+                      <a16:colId xmlns:a16="http://schemas.microsoft.com/office/drawing/2014/main" val="1772866338"/>
+                    </a:ext>
+                  </a:extLst>
+                </a:gridCol>
+                <a:gridCol w="1552336">
+                  <a:extLst>
+                    <a:ext uri="{9D8B030D-6E8A-4147-A177-3AD203B41FA5}">
+                      <a16:colId xmlns:a16="http://schemas.microsoft.com/office/drawing/2014/main" val="2960511562"/>
+                    </a:ext>
+                  </a:extLst>
+                </a:gridCol>
+                <a:gridCol w="1576190">
+                  <a:extLst>
+                    <a:ext uri="{9D8B030D-6E8A-4147-A177-3AD203B41FA5}">
+                      <a16:colId xmlns:a16="http://schemas.microsoft.com/office/drawing/2014/main" val="3233131185"/>
+                    </a:ext>
+                  </a:extLst>
+                </a:gridCol>
+                <a:gridCol w="1022964">
+                  <a:extLst>
+                    <a:ext uri="{9D8B030D-6E8A-4147-A177-3AD203B41FA5}">
+                      <a16:colId xmlns:a16="http://schemas.microsoft.com/office/drawing/2014/main" val="2828658002"/>
+                    </a:ext>
+                  </a:extLst>
+                </a:gridCol>
+                <a:gridCol w="879841">
+                  <a:extLst>
+                    <a:ext uri="{9D8B030D-6E8A-4147-A177-3AD203B41FA5}">
+                      <a16:colId xmlns:a16="http://schemas.microsoft.com/office/drawing/2014/main" val="2907922380"/>
+                    </a:ext>
+                  </a:extLst>
+                </a:gridCol>
+                <a:gridCol w="770663">
+                  <a:extLst>
+                    <a:ext uri="{9D8B030D-6E8A-4147-A177-3AD203B41FA5}">
+                      <a16:colId xmlns:a16="http://schemas.microsoft.com/office/drawing/2014/main" val="2468690895"/>
+                    </a:ext>
+                  </a:extLst>
+                </a:gridCol>
+              </a:tblGrid>
+              <a:tr h="431377">
+                <a:tc>
+                  <a:txBody>
+                    <a:bodyPr/>
+                    <a:lstStyle/>
+                    <a:p>
+                      <a:pPr>
+                        <a:lnSpc>
+                          <a:spcPct val="107000"/>
+                        </a:lnSpc>
+                        <a:spcAft>
+                          <a:spcPts val="800"/>
+                        </a:spcAft>
+                      </a:pPr>
+                      <a:r>
+                        <a:rPr lang="en-US" sz="1000">
+                          <a:effectLst/>
+                        </a:rPr>
+                        <a:t>ID</a:t>
+                      </a:r>
+                      <a:endParaRPr lang="en-GB" sz="1000">
+                        <a:effectLst/>
+                        <a:latin typeface="Calibri" panose="020F0502020204030204" pitchFamily="34" charset="0"/>
+                        <a:ea typeface="DengXian" panose="02010600030101010101" pitchFamily="2" charset="-122"/>
+                        <a:cs typeface="Times New Roman" panose="02020603050405020304" pitchFamily="18" charset="0"/>
+                      </a:endParaRPr>
+                    </a:p>
+                  </a:txBody>
+                  <a:tcPr marL="63700" marR="63700" marT="0" marB="0"/>
+                </a:tc>
+                <a:tc>
+                  <a:txBody>
+                    <a:bodyPr/>
+                    <a:lstStyle/>
+                    <a:p>
+                      <a:pPr>
+                        <a:lnSpc>
+                          <a:spcPct val="107000"/>
+                        </a:lnSpc>
+                        <a:spcAft>
+                          <a:spcPts val="800"/>
+                        </a:spcAft>
+                      </a:pPr>
+                      <a:r>
+                        <a:rPr lang="en-US" sz="1000">
+                          <a:effectLst/>
+                        </a:rPr>
+                        <a:t>System Requirement</a:t>
+                      </a:r>
+                      <a:endParaRPr lang="en-GB" sz="1000">
+                        <a:effectLst/>
+                        <a:latin typeface="Calibri" panose="020F0502020204030204" pitchFamily="34" charset="0"/>
+                        <a:ea typeface="DengXian" panose="02010600030101010101" pitchFamily="2" charset="-122"/>
+                        <a:cs typeface="Times New Roman" panose="02020603050405020304" pitchFamily="18" charset="0"/>
+                      </a:endParaRPr>
+                    </a:p>
+                  </a:txBody>
+                  <a:tcPr marL="63700" marR="63700" marT="0" marB="0"/>
+                </a:tc>
+                <a:tc>
+                  <a:txBody>
+                    <a:bodyPr/>
+                    <a:lstStyle/>
+                    <a:p>
+                      <a:pPr>
+                        <a:lnSpc>
+                          <a:spcPct val="107000"/>
+                        </a:lnSpc>
+                        <a:spcAft>
+                          <a:spcPts val="800"/>
+                        </a:spcAft>
+                      </a:pPr>
+                      <a:r>
+                        <a:rPr lang="en-US" sz="1000">
+                          <a:effectLst/>
+                        </a:rPr>
+                        <a:t> Requirement origin</a:t>
+                      </a:r>
+                      <a:endParaRPr lang="en-GB" sz="1000">
+                        <a:effectLst/>
+                        <a:latin typeface="Calibri" panose="020F0502020204030204" pitchFamily="34" charset="0"/>
+                        <a:ea typeface="DengXian" panose="02010600030101010101" pitchFamily="2" charset="-122"/>
+                        <a:cs typeface="Times New Roman" panose="02020603050405020304" pitchFamily="18" charset="0"/>
+                      </a:endParaRPr>
+                    </a:p>
+                  </a:txBody>
+                  <a:tcPr marL="63700" marR="63700" marT="0" marB="0"/>
+                </a:tc>
+                <a:tc>
+                  <a:txBody>
+                    <a:bodyPr/>
+                    <a:lstStyle/>
+                    <a:p>
+                      <a:pPr>
+                        <a:lnSpc>
+                          <a:spcPct val="107000"/>
+                        </a:lnSpc>
+                        <a:spcAft>
+                          <a:spcPts val="800"/>
+                        </a:spcAft>
+                      </a:pPr>
+                      <a:r>
+                        <a:rPr lang="en-US" sz="1000">
+                          <a:effectLst/>
+                        </a:rPr>
+                        <a:t>Verification</a:t>
+                      </a:r>
+                      <a:endParaRPr lang="en-GB" sz="1000">
+                        <a:effectLst/>
+                        <a:latin typeface="Calibri" panose="020F0502020204030204" pitchFamily="34" charset="0"/>
+                        <a:ea typeface="DengXian" panose="02010600030101010101" pitchFamily="2" charset="-122"/>
+                        <a:cs typeface="Times New Roman" panose="02020603050405020304" pitchFamily="18" charset="0"/>
+                      </a:endParaRPr>
+                    </a:p>
+                  </a:txBody>
+                  <a:tcPr marL="63700" marR="63700" marT="0" marB="0"/>
+                </a:tc>
+                <a:tc>
+                  <a:txBody>
+                    <a:bodyPr/>
+                    <a:lstStyle/>
+                    <a:p>
+                      <a:pPr>
+                        <a:lnSpc>
+                          <a:spcPct val="107000"/>
+                        </a:lnSpc>
+                        <a:spcAft>
+                          <a:spcPts val="800"/>
+                        </a:spcAft>
+                      </a:pPr>
+                      <a:r>
+                        <a:rPr lang="en-US" sz="1000">
+                          <a:effectLst/>
+                        </a:rPr>
+                        <a:t>SH Code</a:t>
+                      </a:r>
+                      <a:endParaRPr lang="en-GB" sz="1000">
+                        <a:effectLst/>
+                        <a:latin typeface="Calibri" panose="020F0502020204030204" pitchFamily="34" charset="0"/>
+                        <a:ea typeface="DengXian" panose="02010600030101010101" pitchFamily="2" charset="-122"/>
+                        <a:cs typeface="Times New Roman" panose="02020603050405020304" pitchFamily="18" charset="0"/>
+                      </a:endParaRPr>
+                    </a:p>
+                  </a:txBody>
+                  <a:tcPr marL="63700" marR="63700" marT="0" marB="0"/>
+                </a:tc>
+                <a:tc>
+                  <a:txBody>
+                    <a:bodyPr/>
+                    <a:lstStyle/>
+                    <a:p>
+                      <a:pPr>
+                        <a:lnSpc>
+                          <a:spcPct val="107000"/>
+                        </a:lnSpc>
+                        <a:spcAft>
+                          <a:spcPts val="800"/>
+                        </a:spcAft>
+                      </a:pPr>
+                      <a:r>
+                        <a:rPr lang="en-US" sz="1000" dirty="0">
+                          <a:effectLst/>
+                        </a:rPr>
+                        <a:t>Type</a:t>
+                      </a:r>
+                      <a:endParaRPr lang="en-GB" sz="1000" dirty="0">
+                        <a:effectLst/>
+                        <a:latin typeface="Calibri" panose="020F0502020204030204" pitchFamily="34" charset="0"/>
+                        <a:ea typeface="DengXian" panose="02010600030101010101" pitchFamily="2" charset="-122"/>
+                        <a:cs typeface="Times New Roman" panose="02020603050405020304" pitchFamily="18" charset="0"/>
+                      </a:endParaRPr>
+                    </a:p>
+                  </a:txBody>
+                  <a:tcPr marL="63700" marR="63700" marT="0" marB="0"/>
+                </a:tc>
+                <a:tc>
+                  <a:txBody>
+                    <a:bodyPr/>
+                    <a:lstStyle/>
+                    <a:p>
+                      <a:pPr>
+                        <a:lnSpc>
+                          <a:spcPct val="107000"/>
+                        </a:lnSpc>
+                        <a:spcAft>
+                          <a:spcPts val="800"/>
+                        </a:spcAft>
+                      </a:pPr>
+                      <a:r>
+                        <a:rPr lang="en-US" sz="1000">
+                          <a:effectLst/>
+                        </a:rPr>
+                        <a:t>Priority</a:t>
+                      </a:r>
+                      <a:endParaRPr lang="en-GB" sz="1000">
+                        <a:effectLst/>
+                        <a:latin typeface="Calibri" panose="020F0502020204030204" pitchFamily="34" charset="0"/>
+                        <a:ea typeface="DengXian" panose="02010600030101010101" pitchFamily="2" charset="-122"/>
+                        <a:cs typeface="Times New Roman" panose="02020603050405020304" pitchFamily="18" charset="0"/>
+                      </a:endParaRPr>
+                    </a:p>
+                  </a:txBody>
+                  <a:tcPr marL="63700" marR="63700" marT="0" marB="0"/>
+                </a:tc>
+                <a:extLst>
+                  <a:ext uri="{0D108BD9-81ED-4DB2-BD59-A6C34878D82A}">
+                    <a16:rowId xmlns:a16="http://schemas.microsoft.com/office/drawing/2014/main" val="3906030020"/>
+                  </a:ext>
+                </a:extLst>
+              </a:tr>
+              <a:tr h="1634437">
+                <a:tc>
+                  <a:txBody>
+                    <a:bodyPr/>
+                    <a:lstStyle/>
+                    <a:p>
+                      <a:pPr>
+                        <a:lnSpc>
+                          <a:spcPct val="107000"/>
+                        </a:lnSpc>
+                        <a:spcAft>
+                          <a:spcPts val="800"/>
+                        </a:spcAft>
+                      </a:pPr>
+                      <a:r>
+                        <a:rPr lang="en-US" sz="1000">
+                          <a:effectLst/>
+                        </a:rPr>
+                        <a:t>SYSR1</a:t>
+                      </a:r>
+                      <a:endParaRPr lang="en-GB" sz="1000">
+                        <a:effectLst/>
+                        <a:latin typeface="Calibri" panose="020F0502020204030204" pitchFamily="34" charset="0"/>
+                        <a:ea typeface="DengXian" panose="02010600030101010101" pitchFamily="2" charset="-122"/>
+                        <a:cs typeface="Times New Roman" panose="02020603050405020304" pitchFamily="18" charset="0"/>
+                      </a:endParaRPr>
+                    </a:p>
+                  </a:txBody>
+                  <a:tcPr marL="63700" marR="63700" marT="0" marB="0"/>
+                </a:tc>
+                <a:tc>
+                  <a:txBody>
+                    <a:bodyPr/>
+                    <a:lstStyle/>
+                    <a:p>
+                      <a:pPr>
+                        <a:lnSpc>
+                          <a:spcPct val="107000"/>
+                        </a:lnSpc>
+                        <a:spcAft>
+                          <a:spcPts val="800"/>
+                        </a:spcAft>
+                      </a:pPr>
+                      <a:r>
+                        <a:rPr lang="en-US" sz="1000">
+                          <a:effectLst/>
+                        </a:rPr>
+                        <a:t>The system must be able to withstand a certain pressure range.</a:t>
+                      </a:r>
+                      <a:endParaRPr lang="en-GB" sz="1000">
+                        <a:effectLst/>
+                      </a:endParaRPr>
+                    </a:p>
+                    <a:p>
+                      <a:pPr>
+                        <a:lnSpc>
+                          <a:spcPct val="107000"/>
+                        </a:lnSpc>
+                        <a:spcAft>
+                          <a:spcPts val="800"/>
+                        </a:spcAft>
+                      </a:pPr>
+                      <a:r>
+                        <a:rPr lang="en-US" sz="1000">
+                          <a:effectLst/>
+                        </a:rPr>
+                        <a:t> </a:t>
+                      </a:r>
+                      <a:endParaRPr lang="en-GB" sz="1000">
+                        <a:effectLst/>
+                        <a:latin typeface="Calibri" panose="020F0502020204030204" pitchFamily="34" charset="0"/>
+                        <a:ea typeface="DengXian" panose="02010600030101010101" pitchFamily="2" charset="-122"/>
+                        <a:cs typeface="Times New Roman" panose="02020603050405020304" pitchFamily="18" charset="0"/>
+                      </a:endParaRPr>
+                    </a:p>
+                  </a:txBody>
+                  <a:tcPr marL="63700" marR="63700" marT="0" marB="0"/>
+                </a:tc>
+                <a:tc>
+                  <a:txBody>
+                    <a:bodyPr/>
+                    <a:lstStyle/>
+                    <a:p>
+                      <a:pPr>
+                        <a:lnSpc>
+                          <a:spcPct val="107000"/>
+                        </a:lnSpc>
+                        <a:spcAft>
+                          <a:spcPts val="800"/>
+                        </a:spcAft>
+                      </a:pPr>
+                      <a:r>
+                        <a:rPr lang="en-GB" sz="1300">
+                          <a:effectLst/>
+                        </a:rPr>
+                        <a:t>SHR3, SHR12</a:t>
+                      </a:r>
+                      <a:endParaRPr lang="en-GB" sz="1000">
+                        <a:effectLst/>
+                        <a:latin typeface="Calibri" panose="020F0502020204030204" pitchFamily="34" charset="0"/>
+                        <a:ea typeface="DengXian" panose="02010600030101010101" pitchFamily="2" charset="-122"/>
+                        <a:cs typeface="Times New Roman" panose="02020603050405020304" pitchFamily="18" charset="0"/>
+                      </a:endParaRPr>
+                    </a:p>
+                  </a:txBody>
+                  <a:tcPr marL="63700" marR="63700" marT="0" marB="0"/>
+                </a:tc>
+                <a:tc>
+                  <a:txBody>
+                    <a:bodyPr/>
+                    <a:lstStyle/>
+                    <a:p>
+                      <a:pPr>
+                        <a:lnSpc>
+                          <a:spcPct val="107000"/>
+                        </a:lnSpc>
+                        <a:spcAft>
+                          <a:spcPts val="800"/>
+                        </a:spcAft>
+                      </a:pPr>
+                      <a:r>
+                        <a:rPr lang="en-US" sz="1000">
+                          <a:effectLst/>
+                        </a:rPr>
+                        <a:t>Use pressure tank to verify the system’s threshold.  Development</a:t>
+                      </a:r>
+                      <a:endParaRPr lang="en-GB" sz="1000">
+                        <a:effectLst/>
+                      </a:endParaRPr>
+                    </a:p>
+                    <a:p>
+                      <a:pPr>
+                        <a:lnSpc>
+                          <a:spcPct val="107000"/>
+                        </a:lnSpc>
+                        <a:spcAft>
+                          <a:spcPts val="800"/>
+                        </a:spcAft>
+                      </a:pPr>
+                      <a:r>
+                        <a:rPr lang="en-US" sz="1000">
+                          <a:effectLst/>
+                        </a:rPr>
+                        <a:t> </a:t>
+                      </a:r>
+                      <a:endParaRPr lang="en-GB" sz="1000">
+                        <a:effectLst/>
+                        <a:latin typeface="Calibri" panose="020F0502020204030204" pitchFamily="34" charset="0"/>
+                        <a:ea typeface="DengXian" panose="02010600030101010101" pitchFamily="2" charset="-122"/>
+                        <a:cs typeface="Times New Roman" panose="02020603050405020304" pitchFamily="18" charset="0"/>
+                      </a:endParaRPr>
+                    </a:p>
+                  </a:txBody>
+                  <a:tcPr marL="63700" marR="63700" marT="0" marB="0"/>
+                </a:tc>
+                <a:tc>
+                  <a:txBody>
+                    <a:bodyPr/>
+                    <a:lstStyle/>
+                    <a:p>
+                      <a:pPr>
+                        <a:lnSpc>
+                          <a:spcPct val="107000"/>
+                        </a:lnSpc>
+                        <a:spcAft>
+                          <a:spcPts val="800"/>
+                        </a:spcAft>
+                      </a:pPr>
+                      <a:r>
+                        <a:rPr lang="en-US" sz="1000">
+                          <a:effectLst/>
+                        </a:rPr>
+                        <a:t>US, MT</a:t>
+                      </a:r>
+                      <a:endParaRPr lang="en-GB" sz="1000">
+                        <a:effectLst/>
+                        <a:latin typeface="Calibri" panose="020F0502020204030204" pitchFamily="34" charset="0"/>
+                        <a:ea typeface="DengXian" panose="02010600030101010101" pitchFamily="2" charset="-122"/>
+                        <a:cs typeface="Times New Roman" panose="02020603050405020304" pitchFamily="18" charset="0"/>
+                      </a:endParaRPr>
+                    </a:p>
+                  </a:txBody>
+                  <a:tcPr marL="63700" marR="63700" marT="0" marB="0"/>
+                </a:tc>
+                <a:tc>
+                  <a:txBody>
+                    <a:bodyPr/>
+                    <a:lstStyle/>
+                    <a:p>
+                      <a:pPr>
+                        <a:lnSpc>
+                          <a:spcPct val="107000"/>
+                        </a:lnSpc>
+                        <a:spcAft>
+                          <a:spcPts val="800"/>
+                        </a:spcAft>
+                      </a:pPr>
+                      <a:r>
+                        <a:rPr lang="en-US" sz="1000" dirty="0">
+                          <a:effectLst/>
+                        </a:rPr>
+                        <a:t>NFR</a:t>
+                      </a:r>
+                      <a:endParaRPr lang="en-GB" sz="1000" dirty="0">
+                        <a:effectLst/>
+                        <a:latin typeface="Calibri" panose="020F0502020204030204" pitchFamily="34" charset="0"/>
+                        <a:ea typeface="DengXian" panose="02010600030101010101" pitchFamily="2" charset="-122"/>
+                        <a:cs typeface="Times New Roman" panose="02020603050405020304" pitchFamily="18" charset="0"/>
+                      </a:endParaRPr>
+                    </a:p>
+                  </a:txBody>
+                  <a:tcPr marL="63700" marR="63700" marT="0" marB="0"/>
+                </a:tc>
+                <a:tc>
+                  <a:txBody>
+                    <a:bodyPr/>
+                    <a:lstStyle/>
+                    <a:p>
+                      <a:pPr>
+                        <a:lnSpc>
+                          <a:spcPct val="107000"/>
+                        </a:lnSpc>
+                        <a:spcAft>
+                          <a:spcPts val="800"/>
+                        </a:spcAft>
+                      </a:pPr>
+                      <a:r>
+                        <a:rPr lang="en-US" sz="1000">
+                          <a:effectLst/>
+                        </a:rPr>
+                        <a:t>URG</a:t>
+                      </a:r>
+                      <a:endParaRPr lang="en-GB" sz="1000">
+                        <a:effectLst/>
+                        <a:latin typeface="Calibri" panose="020F0502020204030204" pitchFamily="34" charset="0"/>
+                        <a:ea typeface="DengXian" panose="02010600030101010101" pitchFamily="2" charset="-122"/>
+                        <a:cs typeface="Times New Roman" panose="02020603050405020304" pitchFamily="18" charset="0"/>
+                      </a:endParaRPr>
+                    </a:p>
+                  </a:txBody>
+                  <a:tcPr marL="63700" marR="63700" marT="0" marB="0"/>
+                </a:tc>
+                <a:extLst>
+                  <a:ext uri="{0D108BD9-81ED-4DB2-BD59-A6C34878D82A}">
+                    <a16:rowId xmlns:a16="http://schemas.microsoft.com/office/drawing/2014/main" val="2910411885"/>
+                  </a:ext>
+                </a:extLst>
+              </a:tr>
+              <a:tr h="997436">
+                <a:tc>
+                  <a:txBody>
+                    <a:bodyPr/>
+                    <a:lstStyle/>
+                    <a:p>
+                      <a:pPr>
+                        <a:lnSpc>
+                          <a:spcPct val="107000"/>
+                        </a:lnSpc>
+                        <a:spcAft>
+                          <a:spcPts val="800"/>
+                        </a:spcAft>
+                      </a:pPr>
+                      <a:r>
+                        <a:rPr lang="en-US" sz="1000">
+                          <a:effectLst/>
+                        </a:rPr>
+                        <a:t>SYSR2</a:t>
+                      </a:r>
+                      <a:endParaRPr lang="en-GB" sz="1000">
+                        <a:effectLst/>
+                        <a:latin typeface="Calibri" panose="020F0502020204030204" pitchFamily="34" charset="0"/>
+                        <a:ea typeface="DengXian" panose="02010600030101010101" pitchFamily="2" charset="-122"/>
+                        <a:cs typeface="Times New Roman" panose="02020603050405020304" pitchFamily="18" charset="0"/>
+                      </a:endParaRPr>
+                    </a:p>
+                  </a:txBody>
+                  <a:tcPr marL="63700" marR="63700" marT="0" marB="0"/>
+                </a:tc>
+                <a:tc>
+                  <a:txBody>
+                    <a:bodyPr/>
+                    <a:lstStyle/>
+                    <a:p>
+                      <a:pPr>
+                        <a:lnSpc>
+                          <a:spcPct val="107000"/>
+                        </a:lnSpc>
+                        <a:spcAft>
+                          <a:spcPts val="800"/>
+                        </a:spcAft>
+                      </a:pPr>
+                      <a:r>
+                        <a:rPr lang="en-US" sz="1000">
+                          <a:effectLst/>
+                        </a:rPr>
+                        <a:t>The system must be able to be water resistant</a:t>
+                      </a:r>
+                      <a:endParaRPr lang="en-GB" sz="1000">
+                        <a:effectLst/>
+                        <a:latin typeface="Calibri" panose="020F0502020204030204" pitchFamily="34" charset="0"/>
+                        <a:ea typeface="DengXian" panose="02010600030101010101" pitchFamily="2" charset="-122"/>
+                        <a:cs typeface="Times New Roman" panose="02020603050405020304" pitchFamily="18" charset="0"/>
+                      </a:endParaRPr>
+                    </a:p>
+                  </a:txBody>
+                  <a:tcPr marL="63700" marR="63700" marT="0" marB="0"/>
+                </a:tc>
+                <a:tc>
+                  <a:txBody>
+                    <a:bodyPr/>
+                    <a:lstStyle/>
+                    <a:p>
+                      <a:pPr>
+                        <a:lnSpc>
+                          <a:spcPct val="107000"/>
+                        </a:lnSpc>
+                        <a:spcAft>
+                          <a:spcPts val="800"/>
+                        </a:spcAft>
+                      </a:pPr>
+                      <a:r>
+                        <a:rPr lang="en-GB" sz="1300">
+                          <a:effectLst/>
+                        </a:rPr>
+                        <a:t>SHR5, SHR12</a:t>
+                      </a:r>
+                      <a:endParaRPr lang="en-GB" sz="1000">
+                        <a:effectLst/>
+                        <a:latin typeface="Calibri" panose="020F0502020204030204" pitchFamily="34" charset="0"/>
+                        <a:ea typeface="DengXian" panose="02010600030101010101" pitchFamily="2" charset="-122"/>
+                        <a:cs typeface="Times New Roman" panose="02020603050405020304" pitchFamily="18" charset="0"/>
+                      </a:endParaRPr>
+                    </a:p>
+                  </a:txBody>
+                  <a:tcPr marL="63700" marR="63700" marT="0" marB="0"/>
+                </a:tc>
+                <a:tc>
+                  <a:txBody>
+                    <a:bodyPr/>
+                    <a:lstStyle/>
+                    <a:p>
+                      <a:pPr>
+                        <a:lnSpc>
+                          <a:spcPct val="107000"/>
+                        </a:lnSpc>
+                        <a:spcAft>
+                          <a:spcPts val="800"/>
+                        </a:spcAft>
+                      </a:pPr>
+                      <a:r>
+                        <a:rPr lang="en-US" sz="1000">
+                          <a:effectLst/>
+                        </a:rPr>
+                        <a:t>Inspection of system under water level.</a:t>
+                      </a:r>
+                      <a:endParaRPr lang="en-GB" sz="1000">
+                        <a:effectLst/>
+                      </a:endParaRPr>
+                    </a:p>
+                    <a:p>
+                      <a:pPr>
+                        <a:lnSpc>
+                          <a:spcPct val="107000"/>
+                        </a:lnSpc>
+                        <a:spcAft>
+                          <a:spcPts val="800"/>
+                        </a:spcAft>
+                      </a:pPr>
+                      <a:r>
+                        <a:rPr lang="en-US" sz="1000">
+                          <a:effectLst/>
+                        </a:rPr>
+                        <a:t> </a:t>
+                      </a:r>
+                      <a:endParaRPr lang="en-GB" sz="1000">
+                        <a:effectLst/>
+                        <a:latin typeface="Calibri" panose="020F0502020204030204" pitchFamily="34" charset="0"/>
+                        <a:ea typeface="DengXian" panose="02010600030101010101" pitchFamily="2" charset="-122"/>
+                        <a:cs typeface="Times New Roman" panose="02020603050405020304" pitchFamily="18" charset="0"/>
+                      </a:endParaRPr>
+                    </a:p>
+                  </a:txBody>
+                  <a:tcPr marL="63700" marR="63700" marT="0" marB="0"/>
+                </a:tc>
+                <a:tc>
+                  <a:txBody>
+                    <a:bodyPr/>
+                    <a:lstStyle/>
+                    <a:p>
+                      <a:pPr>
+                        <a:lnSpc>
+                          <a:spcPct val="107000"/>
+                        </a:lnSpc>
+                        <a:spcAft>
+                          <a:spcPts val="800"/>
+                        </a:spcAft>
+                      </a:pPr>
+                      <a:r>
+                        <a:rPr lang="en-US" sz="1000">
+                          <a:effectLst/>
+                        </a:rPr>
+                        <a:t>DS, MT</a:t>
+                      </a:r>
+                      <a:endParaRPr lang="en-GB" sz="1000">
+                        <a:effectLst/>
+                        <a:latin typeface="Calibri" panose="020F0502020204030204" pitchFamily="34" charset="0"/>
+                        <a:ea typeface="DengXian" panose="02010600030101010101" pitchFamily="2" charset="-122"/>
+                        <a:cs typeface="Times New Roman" panose="02020603050405020304" pitchFamily="18" charset="0"/>
+                      </a:endParaRPr>
+                    </a:p>
+                  </a:txBody>
+                  <a:tcPr marL="63700" marR="63700" marT="0" marB="0"/>
+                </a:tc>
+                <a:tc>
+                  <a:txBody>
+                    <a:bodyPr/>
+                    <a:lstStyle/>
+                    <a:p>
+                      <a:pPr>
+                        <a:lnSpc>
+                          <a:spcPct val="107000"/>
+                        </a:lnSpc>
+                        <a:spcAft>
+                          <a:spcPts val="800"/>
+                        </a:spcAft>
+                      </a:pPr>
+                      <a:r>
+                        <a:rPr lang="en-US" sz="1000" dirty="0">
+                          <a:effectLst/>
+                        </a:rPr>
+                        <a:t>NFR</a:t>
+                      </a:r>
+                      <a:endParaRPr lang="en-GB" sz="1000" dirty="0">
+                        <a:effectLst/>
+                        <a:latin typeface="Calibri" panose="020F0502020204030204" pitchFamily="34" charset="0"/>
+                        <a:ea typeface="DengXian" panose="02010600030101010101" pitchFamily="2" charset="-122"/>
+                        <a:cs typeface="Times New Roman" panose="02020603050405020304" pitchFamily="18" charset="0"/>
+                      </a:endParaRPr>
+                    </a:p>
+                  </a:txBody>
+                  <a:tcPr marL="63700" marR="63700" marT="0" marB="0"/>
+                </a:tc>
+                <a:tc>
+                  <a:txBody>
+                    <a:bodyPr/>
+                    <a:lstStyle/>
+                    <a:p>
+                      <a:pPr>
+                        <a:lnSpc>
+                          <a:spcPct val="107000"/>
+                        </a:lnSpc>
+                        <a:spcAft>
+                          <a:spcPts val="800"/>
+                        </a:spcAft>
+                      </a:pPr>
+                      <a:r>
+                        <a:rPr lang="en-US" sz="1000">
+                          <a:effectLst/>
+                        </a:rPr>
+                        <a:t>BLC</a:t>
+                      </a:r>
+                      <a:endParaRPr lang="en-GB" sz="1000">
+                        <a:effectLst/>
+                        <a:latin typeface="Calibri" panose="020F0502020204030204" pitchFamily="34" charset="0"/>
+                        <a:ea typeface="DengXian" panose="02010600030101010101" pitchFamily="2" charset="-122"/>
+                        <a:cs typeface="Times New Roman" panose="02020603050405020304" pitchFamily="18" charset="0"/>
+                      </a:endParaRPr>
+                    </a:p>
+                  </a:txBody>
+                  <a:tcPr marL="63700" marR="63700" marT="0" marB="0"/>
+                </a:tc>
+                <a:extLst>
+                  <a:ext uri="{0D108BD9-81ED-4DB2-BD59-A6C34878D82A}">
+                    <a16:rowId xmlns:a16="http://schemas.microsoft.com/office/drawing/2014/main" val="2225663615"/>
+                  </a:ext>
+                </a:extLst>
+              </a:tr>
+              <a:tr h="827390">
+                <a:tc>
+                  <a:txBody>
+                    <a:bodyPr/>
+                    <a:lstStyle/>
+                    <a:p>
+                      <a:pPr>
+                        <a:lnSpc>
+                          <a:spcPct val="107000"/>
+                        </a:lnSpc>
+                        <a:spcAft>
+                          <a:spcPts val="800"/>
+                        </a:spcAft>
+                      </a:pPr>
+                      <a:r>
+                        <a:rPr lang="en-US" sz="1000">
+                          <a:effectLst/>
+                        </a:rPr>
+                        <a:t>SYSR3</a:t>
+                      </a:r>
+                      <a:endParaRPr lang="en-GB" sz="1000">
+                        <a:effectLst/>
+                        <a:latin typeface="Calibri" panose="020F0502020204030204" pitchFamily="34" charset="0"/>
+                        <a:ea typeface="DengXian" panose="02010600030101010101" pitchFamily="2" charset="-122"/>
+                        <a:cs typeface="Times New Roman" panose="02020603050405020304" pitchFamily="18" charset="0"/>
+                      </a:endParaRPr>
+                    </a:p>
+                  </a:txBody>
+                  <a:tcPr marL="63700" marR="63700" marT="0" marB="0"/>
+                </a:tc>
+                <a:tc>
+                  <a:txBody>
+                    <a:bodyPr/>
+                    <a:lstStyle/>
+                    <a:p>
+                      <a:pPr>
+                        <a:lnSpc>
+                          <a:spcPct val="107000"/>
+                        </a:lnSpc>
+                        <a:spcAft>
+                          <a:spcPts val="800"/>
+                        </a:spcAft>
+                      </a:pPr>
+                      <a:r>
+                        <a:rPr lang="en-US" sz="1000">
+                          <a:effectLst/>
+                        </a:rPr>
+                        <a:t>The system has to be rust free.</a:t>
+                      </a:r>
+                      <a:endParaRPr lang="en-GB" sz="1000">
+                        <a:effectLst/>
+                        <a:latin typeface="Calibri" panose="020F0502020204030204" pitchFamily="34" charset="0"/>
+                        <a:ea typeface="DengXian" panose="02010600030101010101" pitchFamily="2" charset="-122"/>
+                        <a:cs typeface="Times New Roman" panose="02020603050405020304" pitchFamily="18" charset="0"/>
+                      </a:endParaRPr>
+                    </a:p>
+                  </a:txBody>
+                  <a:tcPr marL="63700" marR="63700" marT="0" marB="0"/>
+                </a:tc>
+                <a:tc>
+                  <a:txBody>
+                    <a:bodyPr/>
+                    <a:lstStyle/>
+                    <a:p>
+                      <a:pPr>
+                        <a:lnSpc>
+                          <a:spcPct val="107000"/>
+                        </a:lnSpc>
+                        <a:spcAft>
+                          <a:spcPts val="800"/>
+                        </a:spcAft>
+                      </a:pPr>
+                      <a:r>
+                        <a:rPr lang="en-GB" sz="1300">
+                          <a:effectLst/>
+                        </a:rPr>
+                        <a:t>SHR5, SHR9, SHR 11</a:t>
+                      </a:r>
+                      <a:endParaRPr lang="en-GB" sz="1000">
+                        <a:effectLst/>
+                        <a:latin typeface="Calibri" panose="020F0502020204030204" pitchFamily="34" charset="0"/>
+                        <a:ea typeface="DengXian" panose="02010600030101010101" pitchFamily="2" charset="-122"/>
+                        <a:cs typeface="Times New Roman" panose="02020603050405020304" pitchFamily="18" charset="0"/>
+                      </a:endParaRPr>
+                    </a:p>
+                  </a:txBody>
+                  <a:tcPr marL="63700" marR="63700" marT="0" marB="0"/>
+                </a:tc>
+                <a:tc>
+                  <a:txBody>
+                    <a:bodyPr/>
+                    <a:lstStyle/>
+                    <a:p>
+                      <a:pPr>
+                        <a:lnSpc>
+                          <a:spcPct val="107000"/>
+                        </a:lnSpc>
+                        <a:spcAft>
+                          <a:spcPts val="800"/>
+                        </a:spcAft>
+                      </a:pPr>
+                      <a:r>
+                        <a:rPr lang="en-US" sz="1000">
+                          <a:effectLst/>
+                        </a:rPr>
+                        <a:t>Salt spray test</a:t>
+                      </a:r>
+                      <a:endParaRPr lang="en-GB" sz="1000">
+                        <a:effectLst/>
+                      </a:endParaRPr>
+                    </a:p>
+                    <a:p>
+                      <a:pPr>
+                        <a:lnSpc>
+                          <a:spcPct val="107000"/>
+                        </a:lnSpc>
+                        <a:spcAft>
+                          <a:spcPts val="800"/>
+                        </a:spcAft>
+                      </a:pPr>
+                      <a:r>
+                        <a:rPr lang="en-US" sz="1000">
+                          <a:effectLst/>
+                        </a:rPr>
+                        <a:t> </a:t>
+                      </a:r>
+                      <a:endParaRPr lang="en-GB" sz="1000">
+                        <a:effectLst/>
+                        <a:latin typeface="Calibri" panose="020F0502020204030204" pitchFamily="34" charset="0"/>
+                        <a:ea typeface="DengXian" panose="02010600030101010101" pitchFamily="2" charset="-122"/>
+                        <a:cs typeface="Times New Roman" panose="02020603050405020304" pitchFamily="18" charset="0"/>
+                      </a:endParaRPr>
+                    </a:p>
+                  </a:txBody>
+                  <a:tcPr marL="63700" marR="63700" marT="0" marB="0"/>
+                </a:tc>
+                <a:tc>
+                  <a:txBody>
+                    <a:bodyPr/>
+                    <a:lstStyle/>
+                    <a:p>
+                      <a:pPr>
+                        <a:lnSpc>
+                          <a:spcPct val="107000"/>
+                        </a:lnSpc>
+                        <a:spcAft>
+                          <a:spcPts val="800"/>
+                        </a:spcAft>
+                      </a:pPr>
+                      <a:r>
+                        <a:rPr lang="en-US" sz="1000">
+                          <a:effectLst/>
+                        </a:rPr>
+                        <a:t>DS, EVM, MF, MT</a:t>
+                      </a:r>
+                      <a:endParaRPr lang="en-GB" sz="1000">
+                        <a:effectLst/>
+                        <a:latin typeface="Calibri" panose="020F0502020204030204" pitchFamily="34" charset="0"/>
+                        <a:ea typeface="DengXian" panose="02010600030101010101" pitchFamily="2" charset="-122"/>
+                        <a:cs typeface="Times New Roman" panose="02020603050405020304" pitchFamily="18" charset="0"/>
+                      </a:endParaRPr>
+                    </a:p>
+                  </a:txBody>
+                  <a:tcPr marL="63700" marR="63700" marT="0" marB="0"/>
+                </a:tc>
+                <a:tc>
+                  <a:txBody>
+                    <a:bodyPr/>
+                    <a:lstStyle/>
+                    <a:p>
+                      <a:pPr>
+                        <a:lnSpc>
+                          <a:spcPct val="107000"/>
+                        </a:lnSpc>
+                        <a:spcAft>
+                          <a:spcPts val="800"/>
+                        </a:spcAft>
+                      </a:pPr>
+                      <a:r>
+                        <a:rPr lang="en-US" sz="1000" dirty="0">
+                          <a:effectLst/>
+                        </a:rPr>
+                        <a:t>NFR</a:t>
+                      </a:r>
+                      <a:endParaRPr lang="en-GB" sz="1000" dirty="0">
+                        <a:effectLst/>
+                        <a:latin typeface="Calibri" panose="020F0502020204030204" pitchFamily="34" charset="0"/>
+                        <a:ea typeface="DengXian" panose="02010600030101010101" pitchFamily="2" charset="-122"/>
+                        <a:cs typeface="Times New Roman" panose="02020603050405020304" pitchFamily="18" charset="0"/>
+                      </a:endParaRPr>
+                    </a:p>
+                  </a:txBody>
+                  <a:tcPr marL="63700" marR="63700" marT="0" marB="0"/>
+                </a:tc>
+                <a:tc>
+                  <a:txBody>
+                    <a:bodyPr/>
+                    <a:lstStyle/>
+                    <a:p>
+                      <a:pPr>
+                        <a:lnSpc>
+                          <a:spcPct val="107000"/>
+                        </a:lnSpc>
+                        <a:spcAft>
+                          <a:spcPts val="800"/>
+                        </a:spcAft>
+                      </a:pPr>
+                      <a:r>
+                        <a:rPr lang="en-US" sz="1000">
+                          <a:effectLst/>
+                        </a:rPr>
+                        <a:t>NOR</a:t>
+                      </a:r>
+                      <a:endParaRPr lang="en-GB" sz="1000">
+                        <a:effectLst/>
+                        <a:latin typeface="Calibri" panose="020F0502020204030204" pitchFamily="34" charset="0"/>
+                        <a:ea typeface="DengXian" panose="02010600030101010101" pitchFamily="2" charset="-122"/>
+                        <a:cs typeface="Times New Roman" panose="02020603050405020304" pitchFamily="18" charset="0"/>
+                      </a:endParaRPr>
+                    </a:p>
+                  </a:txBody>
+                  <a:tcPr marL="63700" marR="63700" marT="0" marB="0"/>
+                </a:tc>
+                <a:extLst>
+                  <a:ext uri="{0D108BD9-81ED-4DB2-BD59-A6C34878D82A}">
+                    <a16:rowId xmlns:a16="http://schemas.microsoft.com/office/drawing/2014/main" val="3068749511"/>
+                  </a:ext>
+                </a:extLst>
+              </a:tr>
+              <a:tr h="1200702">
+                <a:tc>
+                  <a:txBody>
+                    <a:bodyPr/>
+                    <a:lstStyle/>
+                    <a:p>
+                      <a:pPr>
+                        <a:lnSpc>
+                          <a:spcPct val="107000"/>
+                        </a:lnSpc>
+                        <a:spcAft>
+                          <a:spcPts val="800"/>
+                        </a:spcAft>
+                      </a:pPr>
+                      <a:r>
+                        <a:rPr lang="en-US" sz="1000">
+                          <a:effectLst/>
+                        </a:rPr>
+                        <a:t>SYSR4</a:t>
+                      </a:r>
+                      <a:endParaRPr lang="en-GB" sz="1000">
+                        <a:effectLst/>
+                        <a:latin typeface="Calibri" panose="020F0502020204030204" pitchFamily="34" charset="0"/>
+                        <a:ea typeface="DengXian" panose="02010600030101010101" pitchFamily="2" charset="-122"/>
+                        <a:cs typeface="Times New Roman" panose="02020603050405020304" pitchFamily="18" charset="0"/>
+                      </a:endParaRPr>
+                    </a:p>
+                  </a:txBody>
+                  <a:tcPr marL="63700" marR="63700" marT="0" marB="0"/>
+                </a:tc>
+                <a:tc>
+                  <a:txBody>
+                    <a:bodyPr/>
+                    <a:lstStyle/>
+                    <a:p>
+                      <a:pPr>
+                        <a:lnSpc>
+                          <a:spcPct val="107000"/>
+                        </a:lnSpc>
+                        <a:spcAft>
+                          <a:spcPts val="800"/>
+                        </a:spcAft>
+                      </a:pPr>
+                      <a:r>
+                        <a:rPr lang="en-US" sz="1000">
+                          <a:effectLst/>
+                        </a:rPr>
+                        <a:t>The system must emphasize warning regarding to low oxygen level</a:t>
+                      </a:r>
+                      <a:endParaRPr lang="en-GB" sz="1000">
+                        <a:effectLst/>
+                        <a:latin typeface="Calibri" panose="020F0502020204030204" pitchFamily="34" charset="0"/>
+                        <a:ea typeface="DengXian" panose="02010600030101010101" pitchFamily="2" charset="-122"/>
+                        <a:cs typeface="Times New Roman" panose="02020603050405020304" pitchFamily="18" charset="0"/>
+                      </a:endParaRPr>
+                    </a:p>
+                  </a:txBody>
+                  <a:tcPr marL="63700" marR="63700" marT="0" marB="0"/>
+                </a:tc>
+                <a:tc>
+                  <a:txBody>
+                    <a:bodyPr/>
+                    <a:lstStyle/>
+                    <a:p>
+                      <a:pPr>
+                        <a:lnSpc>
+                          <a:spcPct val="107000"/>
+                        </a:lnSpc>
+                        <a:spcAft>
+                          <a:spcPts val="800"/>
+                        </a:spcAft>
+                      </a:pPr>
+                      <a:r>
+                        <a:rPr lang="en-US" sz="1300">
+                          <a:effectLst/>
+                        </a:rPr>
+                        <a:t>SHR2,</a:t>
+                      </a:r>
+                      <a:endParaRPr lang="en-GB" sz="1000">
+                        <a:effectLst/>
+                        <a:latin typeface="Calibri" panose="020F0502020204030204" pitchFamily="34" charset="0"/>
+                        <a:ea typeface="DengXian" panose="02010600030101010101" pitchFamily="2" charset="-122"/>
+                        <a:cs typeface="Times New Roman" panose="02020603050405020304" pitchFamily="18" charset="0"/>
+                      </a:endParaRPr>
+                    </a:p>
+                  </a:txBody>
+                  <a:tcPr marL="63700" marR="63700" marT="0" marB="0"/>
+                </a:tc>
+                <a:tc>
+                  <a:txBody>
+                    <a:bodyPr/>
+                    <a:lstStyle/>
+                    <a:p>
+                      <a:pPr>
+                        <a:lnSpc>
+                          <a:spcPct val="107000"/>
+                        </a:lnSpc>
+                        <a:spcAft>
+                          <a:spcPts val="800"/>
+                        </a:spcAft>
+                      </a:pPr>
+                      <a:r>
+                        <a:rPr lang="en-US" sz="1000">
+                          <a:effectLst/>
+                        </a:rPr>
+                        <a:t>inspection</a:t>
+                      </a:r>
+                      <a:endParaRPr lang="en-GB" sz="1000">
+                        <a:effectLst/>
+                        <a:latin typeface="Calibri" panose="020F0502020204030204" pitchFamily="34" charset="0"/>
+                        <a:ea typeface="DengXian" panose="02010600030101010101" pitchFamily="2" charset="-122"/>
+                        <a:cs typeface="Times New Roman" panose="02020603050405020304" pitchFamily="18" charset="0"/>
+                      </a:endParaRPr>
+                    </a:p>
+                  </a:txBody>
+                  <a:tcPr marL="63700" marR="63700" marT="0" marB="0"/>
+                </a:tc>
+                <a:tc>
+                  <a:txBody>
+                    <a:bodyPr/>
+                    <a:lstStyle/>
+                    <a:p>
+                      <a:pPr>
+                        <a:lnSpc>
+                          <a:spcPct val="107000"/>
+                        </a:lnSpc>
+                        <a:spcAft>
+                          <a:spcPts val="800"/>
+                        </a:spcAft>
+                      </a:pPr>
+                      <a:r>
+                        <a:rPr lang="en-US" sz="1000">
+                          <a:effectLst/>
+                        </a:rPr>
+                        <a:t>US, AT</a:t>
+                      </a:r>
+                      <a:endParaRPr lang="en-GB" sz="1000">
+                        <a:effectLst/>
+                        <a:latin typeface="Calibri" panose="020F0502020204030204" pitchFamily="34" charset="0"/>
+                        <a:ea typeface="DengXian" panose="02010600030101010101" pitchFamily="2" charset="-122"/>
+                        <a:cs typeface="Times New Roman" panose="02020603050405020304" pitchFamily="18" charset="0"/>
+                      </a:endParaRPr>
+                    </a:p>
+                  </a:txBody>
+                  <a:tcPr marL="63700" marR="63700" marT="0" marB="0"/>
+                </a:tc>
+                <a:tc>
+                  <a:txBody>
+                    <a:bodyPr/>
+                    <a:lstStyle/>
+                    <a:p>
+                      <a:pPr>
+                        <a:lnSpc>
+                          <a:spcPct val="107000"/>
+                        </a:lnSpc>
+                        <a:spcAft>
+                          <a:spcPts val="800"/>
+                        </a:spcAft>
+                      </a:pPr>
+                      <a:r>
+                        <a:rPr lang="en-US" sz="1000" dirty="0">
+                          <a:effectLst/>
+                        </a:rPr>
+                        <a:t>FR</a:t>
+                      </a:r>
+                      <a:endParaRPr lang="en-GB" sz="1000" dirty="0">
+                        <a:effectLst/>
+                        <a:latin typeface="Calibri" panose="020F0502020204030204" pitchFamily="34" charset="0"/>
+                        <a:ea typeface="DengXian" panose="02010600030101010101" pitchFamily="2" charset="-122"/>
+                        <a:cs typeface="Times New Roman" panose="02020603050405020304" pitchFamily="18" charset="0"/>
+                      </a:endParaRPr>
+                    </a:p>
+                  </a:txBody>
+                  <a:tcPr marL="63700" marR="63700" marT="0" marB="0"/>
+                </a:tc>
+                <a:tc>
+                  <a:txBody>
+                    <a:bodyPr/>
+                    <a:lstStyle/>
+                    <a:p>
+                      <a:pPr>
+                        <a:lnSpc>
+                          <a:spcPct val="107000"/>
+                        </a:lnSpc>
+                        <a:spcAft>
+                          <a:spcPts val="800"/>
+                        </a:spcAft>
+                      </a:pPr>
+                      <a:r>
+                        <a:rPr lang="en-US" sz="1000" dirty="0">
+                          <a:effectLst/>
+                        </a:rPr>
+                        <a:t>BLC</a:t>
+                      </a:r>
+                      <a:endParaRPr lang="en-GB" sz="1000" dirty="0">
+                        <a:effectLst/>
+                        <a:latin typeface="Calibri" panose="020F0502020204030204" pitchFamily="34" charset="0"/>
+                        <a:ea typeface="DengXian" panose="02010600030101010101" pitchFamily="2" charset="-122"/>
+                        <a:cs typeface="Times New Roman" panose="02020603050405020304" pitchFamily="18" charset="0"/>
+                      </a:endParaRPr>
+                    </a:p>
+                  </a:txBody>
+                  <a:tcPr marL="63700" marR="63700" marT="0" marB="0"/>
+                </a:tc>
+                <a:extLst>
+                  <a:ext uri="{0D108BD9-81ED-4DB2-BD59-A6C34878D82A}">
+                    <a16:rowId xmlns:a16="http://schemas.microsoft.com/office/drawing/2014/main" val="473250165"/>
+                  </a:ext>
+                </a:extLst>
+              </a:tr>
+              <a:tr h="268273">
+                <a:tc>
+                  <a:txBody>
+                    <a:bodyPr/>
+                    <a:lstStyle/>
+                    <a:p>
+                      <a:pPr>
+                        <a:lnSpc>
+                          <a:spcPct val="107000"/>
+                        </a:lnSpc>
+                        <a:spcAft>
+                          <a:spcPts val="800"/>
+                        </a:spcAft>
+                      </a:pPr>
+                      <a:r>
+                        <a:rPr lang="en-US" sz="1000">
+                          <a:effectLst/>
+                        </a:rPr>
+                        <a:t>SYSR5</a:t>
+                      </a:r>
+                      <a:endParaRPr lang="en-GB" sz="1000">
+                        <a:effectLst/>
+                        <a:latin typeface="Calibri" panose="020F0502020204030204" pitchFamily="34" charset="0"/>
+                        <a:ea typeface="DengXian" panose="02010600030101010101" pitchFamily="2" charset="-122"/>
+                        <a:cs typeface="Times New Roman" panose="02020603050405020304" pitchFamily="18" charset="0"/>
+                      </a:endParaRPr>
+                    </a:p>
+                  </a:txBody>
+                  <a:tcPr marL="63700" marR="63700" marT="0" marB="0"/>
+                </a:tc>
+                <a:tc>
+                  <a:txBody>
+                    <a:bodyPr/>
+                    <a:lstStyle/>
+                    <a:p>
+                      <a:pPr>
+                        <a:lnSpc>
+                          <a:spcPct val="107000"/>
+                        </a:lnSpc>
+                        <a:spcAft>
+                          <a:spcPts val="800"/>
+                        </a:spcAft>
+                      </a:pPr>
+                      <a:r>
+                        <a:rPr lang="en-US" sz="1000">
+                          <a:effectLst/>
+                        </a:rPr>
+                        <a:t> </a:t>
+                      </a:r>
+                      <a:endParaRPr lang="en-GB" sz="1000">
+                        <a:effectLst/>
+                        <a:latin typeface="Calibri" panose="020F0502020204030204" pitchFamily="34" charset="0"/>
+                        <a:ea typeface="DengXian" panose="02010600030101010101" pitchFamily="2" charset="-122"/>
+                        <a:cs typeface="Times New Roman" panose="02020603050405020304" pitchFamily="18" charset="0"/>
+                      </a:endParaRPr>
+                    </a:p>
+                  </a:txBody>
+                  <a:tcPr marL="63700" marR="63700" marT="0" marB="0"/>
+                </a:tc>
+                <a:tc>
+                  <a:txBody>
+                    <a:bodyPr/>
+                    <a:lstStyle/>
+                    <a:p>
+                      <a:pPr>
+                        <a:lnSpc>
+                          <a:spcPct val="107000"/>
+                        </a:lnSpc>
+                        <a:spcAft>
+                          <a:spcPts val="800"/>
+                        </a:spcAft>
+                      </a:pPr>
+                      <a:r>
+                        <a:rPr lang="en-US" sz="1300">
+                          <a:effectLst/>
+                        </a:rPr>
+                        <a:t> </a:t>
+                      </a:r>
+                      <a:endParaRPr lang="en-GB" sz="1000">
+                        <a:effectLst/>
+                        <a:latin typeface="Calibri" panose="020F0502020204030204" pitchFamily="34" charset="0"/>
+                        <a:ea typeface="DengXian" panose="02010600030101010101" pitchFamily="2" charset="-122"/>
+                        <a:cs typeface="Times New Roman" panose="02020603050405020304" pitchFamily="18" charset="0"/>
+                      </a:endParaRPr>
+                    </a:p>
+                  </a:txBody>
+                  <a:tcPr marL="63700" marR="63700" marT="0" marB="0"/>
+                </a:tc>
+                <a:tc>
+                  <a:txBody>
+                    <a:bodyPr/>
+                    <a:lstStyle/>
+                    <a:p>
+                      <a:pPr>
+                        <a:lnSpc>
+                          <a:spcPct val="107000"/>
+                        </a:lnSpc>
+                        <a:spcAft>
+                          <a:spcPts val="800"/>
+                        </a:spcAft>
+                      </a:pPr>
+                      <a:r>
+                        <a:rPr lang="en-US" sz="1000">
+                          <a:effectLst/>
+                        </a:rPr>
+                        <a:t> </a:t>
+                      </a:r>
+                      <a:endParaRPr lang="en-GB" sz="1000">
+                        <a:effectLst/>
+                        <a:latin typeface="Calibri" panose="020F0502020204030204" pitchFamily="34" charset="0"/>
+                        <a:ea typeface="DengXian" panose="02010600030101010101" pitchFamily="2" charset="-122"/>
+                        <a:cs typeface="Times New Roman" panose="02020603050405020304" pitchFamily="18" charset="0"/>
+                      </a:endParaRPr>
+                    </a:p>
+                  </a:txBody>
+                  <a:tcPr marL="63700" marR="63700" marT="0" marB="0"/>
+                </a:tc>
+                <a:tc>
+                  <a:txBody>
+                    <a:bodyPr/>
+                    <a:lstStyle/>
+                    <a:p>
+                      <a:pPr>
+                        <a:lnSpc>
+                          <a:spcPct val="107000"/>
+                        </a:lnSpc>
+                        <a:spcAft>
+                          <a:spcPts val="800"/>
+                        </a:spcAft>
+                      </a:pPr>
+                      <a:r>
+                        <a:rPr lang="en-US" sz="1000">
+                          <a:effectLst/>
+                        </a:rPr>
+                        <a:t> </a:t>
+                      </a:r>
+                      <a:endParaRPr lang="en-GB" sz="1000">
+                        <a:effectLst/>
+                        <a:latin typeface="Calibri" panose="020F0502020204030204" pitchFamily="34" charset="0"/>
+                        <a:ea typeface="DengXian" panose="02010600030101010101" pitchFamily="2" charset="-122"/>
+                        <a:cs typeface="Times New Roman" panose="02020603050405020304" pitchFamily="18" charset="0"/>
+                      </a:endParaRPr>
+                    </a:p>
+                  </a:txBody>
+                  <a:tcPr marL="63700" marR="63700" marT="0" marB="0"/>
+                </a:tc>
+                <a:tc>
+                  <a:txBody>
+                    <a:bodyPr/>
+                    <a:lstStyle/>
+                    <a:p>
+                      <a:pPr>
+                        <a:lnSpc>
+                          <a:spcPct val="107000"/>
+                        </a:lnSpc>
+                        <a:spcAft>
+                          <a:spcPts val="800"/>
+                        </a:spcAft>
+                      </a:pPr>
+                      <a:r>
+                        <a:rPr lang="en-US" sz="1000">
+                          <a:effectLst/>
+                        </a:rPr>
+                        <a:t> </a:t>
+                      </a:r>
+                      <a:endParaRPr lang="en-GB" sz="1000">
+                        <a:effectLst/>
+                        <a:latin typeface="Calibri" panose="020F0502020204030204" pitchFamily="34" charset="0"/>
+                        <a:ea typeface="DengXian" panose="02010600030101010101" pitchFamily="2" charset="-122"/>
+                        <a:cs typeface="Times New Roman" panose="02020603050405020304" pitchFamily="18" charset="0"/>
+                      </a:endParaRPr>
+                    </a:p>
+                  </a:txBody>
+                  <a:tcPr marL="63700" marR="63700" marT="0" marB="0"/>
+                </a:tc>
+                <a:tc>
+                  <a:txBody>
+                    <a:bodyPr/>
+                    <a:lstStyle/>
+                    <a:p>
+                      <a:pPr>
+                        <a:lnSpc>
+                          <a:spcPct val="107000"/>
+                        </a:lnSpc>
+                        <a:spcAft>
+                          <a:spcPts val="800"/>
+                        </a:spcAft>
+                      </a:pPr>
+                      <a:r>
+                        <a:rPr lang="en-US" sz="1000" dirty="0">
+                          <a:effectLst/>
+                        </a:rPr>
+                        <a:t> </a:t>
+                      </a:r>
+                      <a:endParaRPr lang="en-GB" sz="1000" dirty="0">
+                        <a:effectLst/>
+                        <a:latin typeface="Calibri" panose="020F0502020204030204" pitchFamily="34" charset="0"/>
+                        <a:ea typeface="DengXian" panose="02010600030101010101" pitchFamily="2" charset="-122"/>
+                        <a:cs typeface="Times New Roman" panose="02020603050405020304" pitchFamily="18" charset="0"/>
+                      </a:endParaRPr>
+                    </a:p>
+                  </a:txBody>
+                  <a:tcPr marL="63700" marR="63700" marT="0" marB="0"/>
+                </a:tc>
+                <a:extLst>
+                  <a:ext uri="{0D108BD9-81ED-4DB2-BD59-A6C34878D82A}">
+                    <a16:rowId xmlns:a16="http://schemas.microsoft.com/office/drawing/2014/main" val="1599065358"/>
+                  </a:ext>
+                </a:extLst>
+              </a:tr>
+            </a:tbl>
+          </a:graphicData>
+        </a:graphic>
+      </p:graphicFrame>
+      <p:sp>
+        <p:nvSpPr>
+          <p:cNvPr id="4" name="Rectangle 1">
+            <a:extLst>
+              <a:ext uri="{FF2B5EF4-FFF2-40B4-BE49-F238E27FC236}">
+                <a16:creationId xmlns:a16="http://schemas.microsoft.com/office/drawing/2014/main" id="{CC0FF946-282D-4686-B881-31D967CFF3E3}"/>
+              </a:ext>
+            </a:extLst>
+          </p:cNvPr>
+          <p:cNvSpPr>
+            <a:spLocks noChangeArrowheads="1"/>
+          </p:cNvSpPr>
+          <p:nvPr/>
+        </p:nvSpPr>
+        <p:spPr bwMode="auto">
+          <a:xfrm>
+            <a:off x="2649073" y="981221"/>
+            <a:ext cx="18964658" cy="605222"/>
+          </a:xfrm>
+          <a:prstGeom prst="rect">
+            <a:avLst/>
+          </a:prstGeom>
+          <a:noFill/>
+          <a:ln>
+            <a:noFill/>
+          </a:ln>
+          <a:effectLst/>
+          <a:extLst>
+            <a:ext uri="{909E8E84-426E-40DD-AFC4-6F175D3DCCD1}">
+              <a14:hiddenFill xmlns:a14="http://schemas.microsoft.com/office/drawing/2010/main">
+                <a:solidFill>
+                  <a:schemeClr val="accent1"/>
+                </a:solidFill>
+              </a14:hiddenFill>
+            </a:ext>
+            <a:ext uri="{91240B29-F687-4F45-9708-019B960494DF}">
+              <a14:hiddenLine xmlns:a14="http://schemas.microsoft.com/office/drawing/2010/main" w="9525">
+                <a:solidFill>
+                  <a:schemeClr val="tx1"/>
+                </a:solidFill>
+                <a:miter lim="800000"/>
+                <a:headEnd/>
+                <a:tailEnd/>
+              </a14:hiddenLine>
+            </a:ext>
+            <a:ext uri="{AF507438-7753-43E0-B8FC-AC1667EBCBE1}">
+              <a14:hiddenEffects xmlns:a14="http://schemas.microsoft.com/office/drawing/2010/main">
+                <a:effectLst>
+                  <a:outerShdw dist="35921" dir="2700000" algn="ctr" rotWithShape="0">
+                    <a:schemeClr val="bg2"/>
+                  </a:outerShdw>
+                </a:effectLst>
+              </a14:hiddenEffects>
+            </a:ext>
+          </a:extLst>
+        </p:spPr>
+        <p:txBody>
+          <a:bodyPr vert="horz" wrap="square" lIns="91440" tIns="45720" rIns="91440" bIns="45720" numCol="1" anchor="ctr" anchorCtr="0" compatLnSpc="1">
+            <a:prstTxWarp prst="textNoShape">
+              <a:avLst/>
+            </a:prstTxWarp>
+            <a:spAutoFit/>
+          </a:bodyPr>
+          <a:lstStyle/>
+          <a:p>
+            <a:endParaRPr lang="en-US"/>
+          </a:p>
+        </p:txBody>
+      </p:sp>
+    </p:spTree>
+    <p:extLst>
+      <p:ext uri="{BB962C8B-B14F-4D97-AF65-F5344CB8AC3E}">
+        <p14:creationId xmlns:p14="http://schemas.microsoft.com/office/powerpoint/2010/main" val="1322690936"/>
+      </p:ext>
+    </p:extLst>
+  </p:cSld>
+  <p:clrMapOvr>
+    <a:masterClrMapping/>
+  </p:clrMapOvr>
+</p:sld>
+</file>
+
 <file path=ppt/slides/slide2.xml><?xml version="1.0" encoding="utf-8"?>
 <p:sld xmlns:a="http://schemas.openxmlformats.org/drawingml/2006/main" xmlns:r="http://schemas.openxmlformats.org/officeDocument/2006/relationships" xmlns:p="http://schemas.openxmlformats.org/presentationml/2006/main">
   <p:cSld>

--- a/S.A.V.E/Security Application Via Engineering1-2.pptx
+++ b/S.A.V.E/Security Application Via Engineering1-2.pptx
@@ -10381,14 +10381,14 @@
           <p:nvPr>
             <p:extLst>
               <p:ext uri="{D42A27DB-BD31-4B8C-83A1-F6EECF244321}">
-                <p14:modId xmlns:p14="http://schemas.microsoft.com/office/powerpoint/2010/main" val="2526712825"/>
+                <p14:modId xmlns:p14="http://schemas.microsoft.com/office/powerpoint/2010/main" val="1776807054"/>
               </p:ext>
             </p:extLst>
           </p:nvPr>
         </p:nvGraphicFramePr>
         <p:xfrm>
-          <a:off x="1835332" y="975629"/>
-          <a:ext cx="8521335" cy="5359615"/>
+          <a:off x="1835332" y="975628"/>
+          <a:ext cx="8673010" cy="5265515"/>
         </p:xfrm>
         <a:graphic>
           <a:graphicData uri="http://schemas.openxmlformats.org/drawingml/2006/table">
@@ -10397,49 +10397,49 @@
                 <a:tableStyleId>{5C22544A-7EE6-4342-B048-85BDC9FD1C3A}</a:tableStyleId>
               </a:tblPr>
               <a:tblGrid>
-                <a:gridCol w="1167005">
+                <a:gridCol w="1187777">
                   <a:extLst>
                     <a:ext uri="{9D8B030D-6E8A-4147-A177-3AD203B41FA5}">
                       <a16:colId xmlns:a16="http://schemas.microsoft.com/office/drawing/2014/main" val="1310494426"/>
                     </a:ext>
                   </a:extLst>
                 </a:gridCol>
-                <a:gridCol w="1552336">
+                <a:gridCol w="1579967">
                   <a:extLst>
                     <a:ext uri="{9D8B030D-6E8A-4147-A177-3AD203B41FA5}">
                       <a16:colId xmlns:a16="http://schemas.microsoft.com/office/drawing/2014/main" val="1772866338"/>
                     </a:ext>
                   </a:extLst>
                 </a:gridCol>
-                <a:gridCol w="1552336">
+                <a:gridCol w="1579967">
                   <a:extLst>
                     <a:ext uri="{9D8B030D-6E8A-4147-A177-3AD203B41FA5}">
                       <a16:colId xmlns:a16="http://schemas.microsoft.com/office/drawing/2014/main" val="2960511562"/>
                     </a:ext>
                   </a:extLst>
                 </a:gridCol>
-                <a:gridCol w="1576190">
+                <a:gridCol w="1604245">
                   <a:extLst>
                     <a:ext uri="{9D8B030D-6E8A-4147-A177-3AD203B41FA5}">
                       <a16:colId xmlns:a16="http://schemas.microsoft.com/office/drawing/2014/main" val="3233131185"/>
                     </a:ext>
                   </a:extLst>
                 </a:gridCol>
-                <a:gridCol w="1022964">
+                <a:gridCol w="1041172">
                   <a:extLst>
                     <a:ext uri="{9D8B030D-6E8A-4147-A177-3AD203B41FA5}">
                       <a16:colId xmlns:a16="http://schemas.microsoft.com/office/drawing/2014/main" val="2828658002"/>
                     </a:ext>
                   </a:extLst>
                 </a:gridCol>
-                <a:gridCol w="879841">
+                <a:gridCol w="895502">
                   <a:extLst>
                     <a:ext uri="{9D8B030D-6E8A-4147-A177-3AD203B41FA5}">
                       <a16:colId xmlns:a16="http://schemas.microsoft.com/office/drawing/2014/main" val="2907922380"/>
                     </a:ext>
                   </a:extLst>
                 </a:gridCol>
-                <a:gridCol w="770663">
+                <a:gridCol w="784380">
                   <a:extLst>
                     <a:ext uri="{9D8B030D-6E8A-4147-A177-3AD203B41FA5}">
                       <a16:colId xmlns:a16="http://schemas.microsoft.com/office/drawing/2014/main" val="2468690895"/>
@@ -10447,7 +10447,7 @@
                   </a:extLst>
                 </a:gridCol>
               </a:tblGrid>
-              <a:tr h="431377">
+              <a:tr h="446134">
                 <a:tc>
                   <a:txBody>
                     <a:bodyPr/>
@@ -10657,7 +10657,7 @@
                   </a:ext>
                 </a:extLst>
               </a:tr>
-              <a:tr h="1634437">
+              <a:tr h="1690350">
                 <a:tc>
                   <a:txBody>
                     <a:bodyPr/>
@@ -10905,7 +10905,7 @@
                   </a:ext>
                 </a:extLst>
               </a:tr>
-              <a:tr h="997436">
+              <a:tr h="1031558">
                 <a:tc>
                   <a:txBody>
                     <a:bodyPr/>
@@ -11134,7 +11134,7 @@
                   </a:ext>
                 </a:extLst>
               </a:tr>
-              <a:tr h="827390">
+              <a:tr h="855695">
                 <a:tc>
                   <a:txBody>
                     <a:bodyPr/>
@@ -11363,7 +11363,7 @@
                   </a:ext>
                 </a:extLst>
               </a:tr>
-              <a:tr h="1200702">
+              <a:tr h="1241778">
                 <a:tc>
                   <a:txBody>
                     <a:bodyPr/>
@@ -11570,216 +11570,6 @@
                 <a:extLst>
                   <a:ext uri="{0D108BD9-81ED-4DB2-BD59-A6C34878D82A}">
                     <a16:rowId xmlns:a16="http://schemas.microsoft.com/office/drawing/2014/main" val="473250165"/>
-                  </a:ext>
-                </a:extLst>
-              </a:tr>
-              <a:tr h="268273">
-                <a:tc>
-                  <a:txBody>
-                    <a:bodyPr/>
-                    <a:lstStyle/>
-                    <a:p>
-                      <a:pPr>
-                        <a:lnSpc>
-                          <a:spcPct val="107000"/>
-                        </a:lnSpc>
-                        <a:spcAft>
-                          <a:spcPts val="800"/>
-                        </a:spcAft>
-                      </a:pPr>
-                      <a:r>
-                        <a:rPr lang="en-US" sz="1000">
-                          <a:effectLst/>
-                        </a:rPr>
-                        <a:t>SYSR5</a:t>
-                      </a:r>
-                      <a:endParaRPr lang="en-GB" sz="1000">
-                        <a:effectLst/>
-                        <a:latin typeface="Calibri" panose="020F0502020204030204" pitchFamily="34" charset="0"/>
-                        <a:ea typeface="DengXian" panose="02010600030101010101" pitchFamily="2" charset="-122"/>
-                        <a:cs typeface="Times New Roman" panose="02020603050405020304" pitchFamily="18" charset="0"/>
-                      </a:endParaRPr>
-                    </a:p>
-                  </a:txBody>
-                  <a:tcPr marL="63700" marR="63700" marT="0" marB="0"/>
-                </a:tc>
-                <a:tc>
-                  <a:txBody>
-                    <a:bodyPr/>
-                    <a:lstStyle/>
-                    <a:p>
-                      <a:pPr>
-                        <a:lnSpc>
-                          <a:spcPct val="107000"/>
-                        </a:lnSpc>
-                        <a:spcAft>
-                          <a:spcPts val="800"/>
-                        </a:spcAft>
-                      </a:pPr>
-                      <a:r>
-                        <a:rPr lang="en-US" sz="1000">
-                          <a:effectLst/>
-                        </a:rPr>
-                        <a:t> </a:t>
-                      </a:r>
-                      <a:endParaRPr lang="en-GB" sz="1000">
-                        <a:effectLst/>
-                        <a:latin typeface="Calibri" panose="020F0502020204030204" pitchFamily="34" charset="0"/>
-                        <a:ea typeface="DengXian" panose="02010600030101010101" pitchFamily="2" charset="-122"/>
-                        <a:cs typeface="Times New Roman" panose="02020603050405020304" pitchFamily="18" charset="0"/>
-                      </a:endParaRPr>
-                    </a:p>
-                  </a:txBody>
-                  <a:tcPr marL="63700" marR="63700" marT="0" marB="0"/>
-                </a:tc>
-                <a:tc>
-                  <a:txBody>
-                    <a:bodyPr/>
-                    <a:lstStyle/>
-                    <a:p>
-                      <a:pPr>
-                        <a:lnSpc>
-                          <a:spcPct val="107000"/>
-                        </a:lnSpc>
-                        <a:spcAft>
-                          <a:spcPts val="800"/>
-                        </a:spcAft>
-                      </a:pPr>
-                      <a:r>
-                        <a:rPr lang="en-US" sz="1300">
-                          <a:effectLst/>
-                        </a:rPr>
-                        <a:t> </a:t>
-                      </a:r>
-                      <a:endParaRPr lang="en-GB" sz="1000">
-                        <a:effectLst/>
-                        <a:latin typeface="Calibri" panose="020F0502020204030204" pitchFamily="34" charset="0"/>
-                        <a:ea typeface="DengXian" panose="02010600030101010101" pitchFamily="2" charset="-122"/>
-                        <a:cs typeface="Times New Roman" panose="02020603050405020304" pitchFamily="18" charset="0"/>
-                      </a:endParaRPr>
-                    </a:p>
-                  </a:txBody>
-                  <a:tcPr marL="63700" marR="63700" marT="0" marB="0"/>
-                </a:tc>
-                <a:tc>
-                  <a:txBody>
-                    <a:bodyPr/>
-                    <a:lstStyle/>
-                    <a:p>
-                      <a:pPr>
-                        <a:lnSpc>
-                          <a:spcPct val="107000"/>
-                        </a:lnSpc>
-                        <a:spcAft>
-                          <a:spcPts val="800"/>
-                        </a:spcAft>
-                      </a:pPr>
-                      <a:r>
-                        <a:rPr lang="en-US" sz="1000">
-                          <a:effectLst/>
-                        </a:rPr>
-                        <a:t> </a:t>
-                      </a:r>
-                      <a:endParaRPr lang="en-GB" sz="1000">
-                        <a:effectLst/>
-                        <a:latin typeface="Calibri" panose="020F0502020204030204" pitchFamily="34" charset="0"/>
-                        <a:ea typeface="DengXian" panose="02010600030101010101" pitchFamily="2" charset="-122"/>
-                        <a:cs typeface="Times New Roman" panose="02020603050405020304" pitchFamily="18" charset="0"/>
-                      </a:endParaRPr>
-                    </a:p>
-                  </a:txBody>
-                  <a:tcPr marL="63700" marR="63700" marT="0" marB="0"/>
-                </a:tc>
-                <a:tc>
-                  <a:txBody>
-                    <a:bodyPr/>
-                    <a:lstStyle/>
-                    <a:p>
-                      <a:pPr>
-                        <a:lnSpc>
-                          <a:spcPct val="107000"/>
-                        </a:lnSpc>
-                        <a:spcAft>
-                          <a:spcPts val="800"/>
-                        </a:spcAft>
-                      </a:pPr>
-                      <a:r>
-                        <a:rPr lang="en-US" sz="1000">
-                          <a:effectLst/>
-                        </a:rPr>
-                        <a:t> </a:t>
-                      </a:r>
-                      <a:endParaRPr lang="en-GB" sz="1000">
-                        <a:effectLst/>
-                        <a:latin typeface="Calibri" panose="020F0502020204030204" pitchFamily="34" charset="0"/>
-                        <a:ea typeface="DengXian" panose="02010600030101010101" pitchFamily="2" charset="-122"/>
-                        <a:cs typeface="Times New Roman" panose="02020603050405020304" pitchFamily="18" charset="0"/>
-                      </a:endParaRPr>
-                    </a:p>
-                  </a:txBody>
-                  <a:tcPr marL="63700" marR="63700" marT="0" marB="0"/>
-                </a:tc>
-                <a:tc>
-                  <a:txBody>
-                    <a:bodyPr/>
-                    <a:lstStyle/>
-                    <a:p>
-                      <a:pPr>
-                        <a:lnSpc>
-                          <a:spcPct val="107000"/>
-                        </a:lnSpc>
-                        <a:spcAft>
-                          <a:spcPts val="800"/>
-                        </a:spcAft>
-                      </a:pPr>
-                      <a:r>
-                        <a:rPr lang="en-US" sz="1000">
-                          <a:effectLst/>
-                        </a:rPr>
-                        <a:t> </a:t>
-                      </a:r>
-                      <a:endParaRPr lang="en-GB" sz="1000">
-                        <a:effectLst/>
-                        <a:latin typeface="Calibri" panose="020F0502020204030204" pitchFamily="34" charset="0"/>
-                        <a:ea typeface="DengXian" panose="02010600030101010101" pitchFamily="2" charset="-122"/>
-                        <a:cs typeface="Times New Roman" panose="02020603050405020304" pitchFamily="18" charset="0"/>
-                      </a:endParaRPr>
-                    </a:p>
-                  </a:txBody>
-                  <a:tcPr marL="63700" marR="63700" marT="0" marB="0"/>
-                </a:tc>
-                <a:tc>
-                  <a:txBody>
-                    <a:bodyPr/>
-                    <a:lstStyle/>
-                    <a:p>
-                      <a:pPr>
-                        <a:lnSpc>
-                          <a:spcPct val="107000"/>
-                        </a:lnSpc>
-                        <a:spcAft>
-                          <a:spcPts val="800"/>
-                        </a:spcAft>
-                      </a:pPr>
-                      <a:r>
-                        <a:rPr lang="en-US" sz="1000" dirty="0">
-                          <a:effectLst/>
-                        </a:rPr>
-                        <a:t> </a:t>
-                      </a:r>
-                      <a:endParaRPr lang="en-GB" sz="1000" dirty="0">
-                        <a:effectLst/>
-                        <a:latin typeface="Calibri" panose="020F0502020204030204" pitchFamily="34" charset="0"/>
-                        <a:ea typeface="DengXian" panose="02010600030101010101" pitchFamily="2" charset="-122"/>
-                        <a:cs typeface="Times New Roman" panose="02020603050405020304" pitchFamily="18" charset="0"/>
-                      </a:endParaRPr>
-                    </a:p>
-                  </a:txBody>
-                  <a:tcPr marL="63700" marR="63700" marT="0" marB="0"/>
-                </a:tc>
-                <a:extLst>
-                  <a:ext uri="{0D108BD9-81ED-4DB2-BD59-A6C34878D82A}">
-                    <a16:rowId xmlns:a16="http://schemas.microsoft.com/office/drawing/2014/main" val="1599065358"/>
                   </a:ext>
                 </a:extLst>
               </a:tr>
